--- a/NewCPRdata.pptx
+++ b/NewCPRdata.pptx
@@ -5,18 +5,29 @@
     <p:sldMasterId id="2147483648" r:id="rId1"/>
   </p:sldMasterIdLst>
   <p:sldIdLst>
-    <p:sldId id="258" r:id="rId2"/>
-    <p:sldId id="266" r:id="rId3"/>
-    <p:sldId id="267" r:id="rId4"/>
-    <p:sldId id="256" r:id="rId5"/>
-    <p:sldId id="257" r:id="rId6"/>
-    <p:sldId id="260" r:id="rId7"/>
-    <p:sldId id="261" r:id="rId8"/>
-    <p:sldId id="259" r:id="rId9"/>
-    <p:sldId id="262" r:id="rId10"/>
-    <p:sldId id="263" r:id="rId11"/>
-    <p:sldId id="264" r:id="rId12"/>
-    <p:sldId id="265" r:id="rId13"/>
+    <p:sldId id="266" r:id="rId2"/>
+    <p:sldId id="267" r:id="rId3"/>
+    <p:sldId id="278" r:id="rId4"/>
+    <p:sldId id="258" r:id="rId5"/>
+    <p:sldId id="256" r:id="rId6"/>
+    <p:sldId id="270" r:id="rId7"/>
+    <p:sldId id="269" r:id="rId8"/>
+    <p:sldId id="257" r:id="rId9"/>
+    <p:sldId id="268" r:id="rId10"/>
+    <p:sldId id="271" r:id="rId11"/>
+    <p:sldId id="260" r:id="rId12"/>
+    <p:sldId id="261" r:id="rId13"/>
+    <p:sldId id="273" r:id="rId14"/>
+    <p:sldId id="272" r:id="rId15"/>
+    <p:sldId id="259" r:id="rId16"/>
+    <p:sldId id="275" r:id="rId17"/>
+    <p:sldId id="274" r:id="rId18"/>
+    <p:sldId id="262" r:id="rId19"/>
+    <p:sldId id="263" r:id="rId20"/>
+    <p:sldId id="264" r:id="rId21"/>
+    <p:sldId id="265" r:id="rId22"/>
+    <p:sldId id="276" r:id="rId23"/>
+    <p:sldId id="277" r:id="rId24"/>
   </p:sldIdLst>
   <p:sldSz cx="12192000" cy="6858000"/>
   <p:notesSz cx="6858000" cy="9144000"/>
@@ -115,19 +126,583 @@
       </a:defRPr>
     </a:lvl9pPr>
   </p:defaultTextStyle>
+  <p:extLst>
+    <p:ext uri="{EFAFB233-063F-42B5-8137-9DF3F51BA10A}">
+      <p15:sldGuideLst xmlns:p15="http://schemas.microsoft.com/office/powerpoint/2012/main"/>
+    </p:ext>
+  </p:extLst>
 </p:presentation>
 </file>
 
 <file path=ppt/revisionInfo.xml><?xml version="1.0" encoding="utf-8"?>
 <p1510:revInfo xmlns:a="http://schemas.openxmlformats.org/drawingml/2006/main" xmlns:r="http://schemas.openxmlformats.org/officeDocument/2006/relationships" xmlns:p1510="http://schemas.microsoft.com/office/powerpoint/2015/10/main">
   <p1510:revLst>
-    <p1510:client id="{93854073-F8DD-4C05-B23D-D48F5A6160A9}" v="17" dt="2023-05-27T07:05:37.571"/>
+    <p1510:client id="{F9F94C7F-3592-44AE-96AF-6F19FA2C7A87}" v="38" dt="2023-07-05T15:03:21.773"/>
   </p1510:revLst>
 </p1510:revInfo>
 </file>
 
 <file path=ppt/changesInfos/changesInfo1.xml><?xml version="1.0" encoding="utf-8"?>
 <pc:chgInfo xmlns:a="http://schemas.openxmlformats.org/drawingml/2006/main" xmlns:r="http://schemas.openxmlformats.org/officeDocument/2006/relationships" xmlns:ac="http://schemas.microsoft.com/office/drawing/2013/main/command" xmlns:pc="http://schemas.microsoft.com/office/powerpoint/2013/main/command">
+  <pc:docChgLst>
+    <pc:chgData name="Saurav Kumar" userId="73b870ab-df2a-4cbe-86d3-3b0524c69a82" providerId="ADAL" clId="{9F122725-A77A-4318-B912-313812751E0F}"/>
+    <pc:docChg chg="addSld delSld modSld sldOrd">
+      <pc:chgData name="Saurav Kumar" userId="73b870ab-df2a-4cbe-86d3-3b0524c69a82" providerId="ADAL" clId="{9F122725-A77A-4318-B912-313812751E0F}" dt="2023-05-27T09:15:47.712" v="7" actId="2696"/>
+      <pc:docMkLst>
+        <pc:docMk/>
+      </pc:docMkLst>
+      <pc:sldChg chg="ord">
+        <pc:chgData name="Saurav Kumar" userId="73b870ab-df2a-4cbe-86d3-3b0524c69a82" providerId="ADAL" clId="{9F122725-A77A-4318-B912-313812751E0F}" dt="2023-05-27T09:00:10.234" v="1"/>
+        <pc:sldMkLst>
+          <pc:docMk/>
+          <pc:sldMk cId="926982687" sldId="258"/>
+        </pc:sldMkLst>
+      </pc:sldChg>
+      <pc:sldChg chg="ord">
+        <pc:chgData name="Saurav Kumar" userId="73b870ab-df2a-4cbe-86d3-3b0524c69a82" providerId="ADAL" clId="{9F122725-A77A-4318-B912-313812751E0F}" dt="2023-05-27T09:15:41.830" v="5"/>
+        <pc:sldMkLst>
+          <pc:docMk/>
+          <pc:sldMk cId="1847401034" sldId="263"/>
+        </pc:sldMkLst>
+      </pc:sldChg>
+      <pc:sldChg chg="modSp">
+        <pc:chgData name="Saurav Kumar" userId="73b870ab-df2a-4cbe-86d3-3b0524c69a82" providerId="ADAL" clId="{9F122725-A77A-4318-B912-313812751E0F}" dt="2023-05-27T09:15:39.946" v="4" actId="1076"/>
+        <pc:sldMkLst>
+          <pc:docMk/>
+          <pc:sldMk cId="3423200239" sldId="264"/>
+        </pc:sldMkLst>
+        <pc:spChg chg="mod">
+          <ac:chgData name="Saurav Kumar" userId="73b870ab-df2a-4cbe-86d3-3b0524c69a82" providerId="ADAL" clId="{9F122725-A77A-4318-B912-313812751E0F}" dt="2023-05-27T09:15:39.946" v="4" actId="1076"/>
+          <ac:spMkLst>
+            <pc:docMk/>
+            <pc:sldMk cId="3423200239" sldId="264"/>
+            <ac:spMk id="13" creationId="{370EA8D6-DAEA-CE1F-BCD2-DA8635215800}"/>
+          </ac:spMkLst>
+        </pc:spChg>
+        <pc:picChg chg="mod">
+          <ac:chgData name="Saurav Kumar" userId="73b870ab-df2a-4cbe-86d3-3b0524c69a82" providerId="ADAL" clId="{9F122725-A77A-4318-B912-313812751E0F}" dt="2023-05-27T09:15:37.417" v="3" actId="14100"/>
+          <ac:picMkLst>
+            <pc:docMk/>
+            <pc:sldMk cId="3423200239" sldId="264"/>
+            <ac:picMk id="5" creationId="{DBCC6EF0-1015-8224-9329-7BD62581C20B}"/>
+          </ac:picMkLst>
+        </pc:picChg>
+      </pc:sldChg>
+      <pc:sldChg chg="ord">
+        <pc:chgData name="Saurav Kumar" userId="73b870ab-df2a-4cbe-86d3-3b0524c69a82" providerId="ADAL" clId="{9F122725-A77A-4318-B912-313812751E0F}" dt="2023-05-27T09:15:46.103" v="6"/>
+        <pc:sldMkLst>
+          <pc:docMk/>
+          <pc:sldMk cId="214268852" sldId="265"/>
+        </pc:sldMkLst>
+      </pc:sldChg>
+      <pc:sldChg chg="ord">
+        <pc:chgData name="Saurav Kumar" userId="73b870ab-df2a-4cbe-86d3-3b0524c69a82" providerId="ADAL" clId="{9F122725-A77A-4318-B912-313812751E0F}" dt="2023-05-27T09:00:06.974" v="0"/>
+        <pc:sldMkLst>
+          <pc:docMk/>
+          <pc:sldMk cId="2613499223" sldId="266"/>
+        </pc:sldMkLst>
+      </pc:sldChg>
+      <pc:sldChg chg="add del">
+        <pc:chgData name="Saurav Kumar" userId="73b870ab-df2a-4cbe-86d3-3b0524c69a82" providerId="ADAL" clId="{9F122725-A77A-4318-B912-313812751E0F}" dt="2023-05-27T09:15:47.712" v="7" actId="2696"/>
+        <pc:sldMkLst>
+          <pc:docMk/>
+          <pc:sldMk cId="3872200264" sldId="268"/>
+        </pc:sldMkLst>
+      </pc:sldChg>
+    </pc:docChg>
+  </pc:docChgLst>
+  <pc:docChgLst>
+    <pc:chgData name="Saurav Kumar" userId="73b870ab-df2a-4cbe-86d3-3b0524c69a82" providerId="ADAL" clId="{F9F94C7F-3592-44AE-96AF-6F19FA2C7A87}"/>
+    <pc:docChg chg="undo custSel addSld delSld modSld sldOrd">
+      <pc:chgData name="Saurav Kumar" userId="73b870ab-df2a-4cbe-86d3-3b0524c69a82" providerId="ADAL" clId="{F9F94C7F-3592-44AE-96AF-6F19FA2C7A87}" dt="2023-07-05T15:03:21.773" v="521" actId="478"/>
+      <pc:docMkLst>
+        <pc:docMk/>
+      </pc:docMkLst>
+      <pc:sldChg chg="addSp modSp mod">
+        <pc:chgData name="Saurav Kumar" userId="73b870ab-df2a-4cbe-86d3-3b0524c69a82" providerId="ADAL" clId="{F9F94C7F-3592-44AE-96AF-6F19FA2C7A87}" dt="2023-07-05T14:27:56.164" v="211" actId="14100"/>
+        <pc:sldMkLst>
+          <pc:docMk/>
+          <pc:sldMk cId="3423200239" sldId="264"/>
+        </pc:sldMkLst>
+        <pc:spChg chg="add mod">
+          <ac:chgData name="Saurav Kumar" userId="73b870ab-df2a-4cbe-86d3-3b0524c69a82" providerId="ADAL" clId="{F9F94C7F-3592-44AE-96AF-6F19FA2C7A87}" dt="2023-07-05T14:27:56.164" v="211" actId="14100"/>
+          <ac:spMkLst>
+            <pc:docMk/>
+            <pc:sldMk cId="3423200239" sldId="264"/>
+            <ac:spMk id="2" creationId="{7BC4E9CD-F828-60EF-F7CC-DE5632E23134}"/>
+          </ac:spMkLst>
+        </pc:spChg>
+      </pc:sldChg>
+      <pc:sldChg chg="addSp delSp modSp new mod ord">
+        <pc:chgData name="Saurav Kumar" userId="73b870ab-df2a-4cbe-86d3-3b0524c69a82" providerId="ADAL" clId="{F9F94C7F-3592-44AE-96AF-6F19FA2C7A87}" dt="2023-07-05T14:41:18.140" v="228" actId="1076"/>
+        <pc:sldMkLst>
+          <pc:docMk/>
+          <pc:sldMk cId="687959325" sldId="268"/>
+        </pc:sldMkLst>
+        <pc:spChg chg="mod">
+          <ac:chgData name="Saurav Kumar" userId="73b870ab-df2a-4cbe-86d3-3b0524c69a82" providerId="ADAL" clId="{F9F94C7F-3592-44AE-96AF-6F19FA2C7A87}" dt="2023-07-05T14:07:52.214" v="67" actId="20577"/>
+          <ac:spMkLst>
+            <pc:docMk/>
+            <pc:sldMk cId="687959325" sldId="268"/>
+            <ac:spMk id="2" creationId="{50214DB3-FFFC-25C1-36FE-D123522FB8AF}"/>
+          </ac:spMkLst>
+        </pc:spChg>
+        <pc:spChg chg="del">
+          <ac:chgData name="Saurav Kumar" userId="73b870ab-df2a-4cbe-86d3-3b0524c69a82" providerId="ADAL" clId="{F9F94C7F-3592-44AE-96AF-6F19FA2C7A87}" dt="2023-07-05T13:58:16.984" v="47" actId="478"/>
+          <ac:spMkLst>
+            <pc:docMk/>
+            <pc:sldMk cId="687959325" sldId="268"/>
+            <ac:spMk id="3" creationId="{91F1C9ED-1E9F-F823-832F-98BF75A6BFD3}"/>
+          </ac:spMkLst>
+        </pc:spChg>
+        <pc:picChg chg="add del mod">
+          <ac:chgData name="Saurav Kumar" userId="73b870ab-df2a-4cbe-86d3-3b0524c69a82" providerId="ADAL" clId="{F9F94C7F-3592-44AE-96AF-6F19FA2C7A87}" dt="2023-07-05T14:08:55.524" v="68" actId="478"/>
+          <ac:picMkLst>
+            <pc:docMk/>
+            <pc:sldMk cId="687959325" sldId="268"/>
+            <ac:picMk id="5" creationId="{3E83E12C-CDA0-8DE4-171A-33C3694CC127}"/>
+          </ac:picMkLst>
+        </pc:picChg>
+        <pc:picChg chg="add del mod">
+          <ac:chgData name="Saurav Kumar" userId="73b870ab-df2a-4cbe-86d3-3b0524c69a82" providerId="ADAL" clId="{F9F94C7F-3592-44AE-96AF-6F19FA2C7A87}" dt="2023-07-05T14:40:56.406" v="222" actId="478"/>
+          <ac:picMkLst>
+            <pc:docMk/>
+            <pc:sldMk cId="687959325" sldId="268"/>
+            <ac:picMk id="7" creationId="{442E1B78-8023-F3EB-E19B-5903F3597039}"/>
+          </ac:picMkLst>
+        </pc:picChg>
+        <pc:picChg chg="add mod">
+          <ac:chgData name="Saurav Kumar" userId="73b870ab-df2a-4cbe-86d3-3b0524c69a82" providerId="ADAL" clId="{F9F94C7F-3592-44AE-96AF-6F19FA2C7A87}" dt="2023-07-05T14:41:18.140" v="228" actId="1076"/>
+          <ac:picMkLst>
+            <pc:docMk/>
+            <pc:sldMk cId="687959325" sldId="268"/>
+            <ac:picMk id="9" creationId="{35952872-2F0A-D4B3-22A7-3EA43A26027D}"/>
+          </ac:picMkLst>
+        </pc:picChg>
+      </pc:sldChg>
+      <pc:sldChg chg="addSp delSp modSp add mod">
+        <pc:chgData name="Saurav Kumar" userId="73b870ab-df2a-4cbe-86d3-3b0524c69a82" providerId="ADAL" clId="{F9F94C7F-3592-44AE-96AF-6F19FA2C7A87}" dt="2023-07-05T15:01:28.861" v="477" actId="14100"/>
+        <pc:sldMkLst>
+          <pc:docMk/>
+          <pc:sldMk cId="2260787503" sldId="269"/>
+        </pc:sldMkLst>
+        <pc:spChg chg="add mod">
+          <ac:chgData name="Saurav Kumar" userId="73b870ab-df2a-4cbe-86d3-3b0524c69a82" providerId="ADAL" clId="{F9F94C7F-3592-44AE-96AF-6F19FA2C7A87}" dt="2023-07-05T15:01:28.861" v="477" actId="14100"/>
+          <ac:spMkLst>
+            <pc:docMk/>
+            <pc:sldMk cId="2260787503" sldId="269"/>
+            <ac:spMk id="8" creationId="{53A8B9CE-3FFF-2B7C-941B-4E3B5A20FBFC}"/>
+          </ac:spMkLst>
+        </pc:spChg>
+        <pc:picChg chg="add del mod">
+          <ac:chgData name="Saurav Kumar" userId="73b870ab-df2a-4cbe-86d3-3b0524c69a82" providerId="ADAL" clId="{F9F94C7F-3592-44AE-96AF-6F19FA2C7A87}" dt="2023-07-05T14:36:49.415" v="217" actId="478"/>
+          <ac:picMkLst>
+            <pc:docMk/>
+            <pc:sldMk cId="2260787503" sldId="269"/>
+            <ac:picMk id="4" creationId="{904A5217-E6AD-0923-875E-6BDCB44CCE41}"/>
+          </ac:picMkLst>
+        </pc:picChg>
+        <pc:picChg chg="del">
+          <ac:chgData name="Saurav Kumar" userId="73b870ab-df2a-4cbe-86d3-3b0524c69a82" providerId="ADAL" clId="{F9F94C7F-3592-44AE-96AF-6F19FA2C7A87}" dt="2023-07-05T13:59:14.219" v="55" actId="478"/>
+          <ac:picMkLst>
+            <pc:docMk/>
+            <pc:sldMk cId="2260787503" sldId="269"/>
+            <ac:picMk id="5" creationId="{3E83E12C-CDA0-8DE4-171A-33C3694CC127}"/>
+          </ac:picMkLst>
+        </pc:picChg>
+        <pc:picChg chg="add mod">
+          <ac:chgData name="Saurav Kumar" userId="73b870ab-df2a-4cbe-86d3-3b0524c69a82" providerId="ADAL" clId="{F9F94C7F-3592-44AE-96AF-6F19FA2C7A87}" dt="2023-07-05T14:37:26.724" v="221" actId="14100"/>
+          <ac:picMkLst>
+            <pc:docMk/>
+            <pc:sldMk cId="2260787503" sldId="269"/>
+            <ac:picMk id="7" creationId="{7E9C4DC5-1C10-EA56-A098-DDD143154AE8}"/>
+          </ac:picMkLst>
+        </pc:picChg>
+      </pc:sldChg>
+      <pc:sldChg chg="addSp delSp modSp add mod">
+        <pc:chgData name="Saurav Kumar" userId="73b870ab-df2a-4cbe-86d3-3b0524c69a82" providerId="ADAL" clId="{F9F94C7F-3592-44AE-96AF-6F19FA2C7A87}" dt="2023-07-05T14:36:45.644" v="216" actId="14100"/>
+        <pc:sldMkLst>
+          <pc:docMk/>
+          <pc:sldMk cId="2755410588" sldId="270"/>
+        </pc:sldMkLst>
+        <pc:spChg chg="mod">
+          <ac:chgData name="Saurav Kumar" userId="73b870ab-df2a-4cbe-86d3-3b0524c69a82" providerId="ADAL" clId="{F9F94C7F-3592-44AE-96AF-6F19FA2C7A87}" dt="2023-07-05T14:24:35.772" v="204" actId="1076"/>
+          <ac:spMkLst>
+            <pc:docMk/>
+            <pc:sldMk cId="2755410588" sldId="270"/>
+            <ac:spMk id="2" creationId="{50214DB3-FFFC-25C1-36FE-D123522FB8AF}"/>
+          </ac:spMkLst>
+        </pc:spChg>
+        <pc:picChg chg="add mod">
+          <ac:chgData name="Saurav Kumar" userId="73b870ab-df2a-4cbe-86d3-3b0524c69a82" providerId="ADAL" clId="{F9F94C7F-3592-44AE-96AF-6F19FA2C7A87}" dt="2023-07-05T14:36:45.644" v="216" actId="14100"/>
+          <ac:picMkLst>
+            <pc:docMk/>
+            <pc:sldMk cId="2755410588" sldId="270"/>
+            <ac:picMk id="4" creationId="{5AFA8725-F6C2-DA1D-82DC-9BBD45A90AB5}"/>
+          </ac:picMkLst>
+        </pc:picChg>
+        <pc:picChg chg="del">
+          <ac:chgData name="Saurav Kumar" userId="73b870ab-df2a-4cbe-86d3-3b0524c69a82" providerId="ADAL" clId="{F9F94C7F-3592-44AE-96AF-6F19FA2C7A87}" dt="2023-07-05T14:35:40.084" v="212" actId="478"/>
+          <ac:picMkLst>
+            <pc:docMk/>
+            <pc:sldMk cId="2755410588" sldId="270"/>
+            <ac:picMk id="5" creationId="{3E83E12C-CDA0-8DE4-171A-33C3694CC127}"/>
+          </ac:picMkLst>
+        </pc:picChg>
+      </pc:sldChg>
+      <pc:sldChg chg="addSp delSp modSp add mod">
+        <pc:chgData name="Saurav Kumar" userId="73b870ab-df2a-4cbe-86d3-3b0524c69a82" providerId="ADAL" clId="{F9F94C7F-3592-44AE-96AF-6F19FA2C7A87}" dt="2023-07-05T15:01:03.806" v="443" actId="14100"/>
+        <pc:sldMkLst>
+          <pc:docMk/>
+          <pc:sldMk cId="4014545302" sldId="271"/>
+        </pc:sldMkLst>
+        <pc:spChg chg="mod">
+          <ac:chgData name="Saurav Kumar" userId="73b870ab-df2a-4cbe-86d3-3b0524c69a82" providerId="ADAL" clId="{F9F94C7F-3592-44AE-96AF-6F19FA2C7A87}" dt="2023-07-05T14:10:09.453" v="86" actId="20577"/>
+          <ac:spMkLst>
+            <pc:docMk/>
+            <pc:sldMk cId="4014545302" sldId="271"/>
+            <ac:spMk id="2" creationId="{50214DB3-FFFC-25C1-36FE-D123522FB8AF}"/>
+          </ac:spMkLst>
+        </pc:spChg>
+        <pc:spChg chg="add mod">
+          <ac:chgData name="Saurav Kumar" userId="73b870ab-df2a-4cbe-86d3-3b0524c69a82" providerId="ADAL" clId="{F9F94C7F-3592-44AE-96AF-6F19FA2C7A87}" dt="2023-07-05T15:01:03.806" v="443" actId="14100"/>
+          <ac:spMkLst>
+            <pc:docMk/>
+            <pc:sldMk cId="4014545302" sldId="271"/>
+            <ac:spMk id="8" creationId="{506611DB-0C68-5FC8-C08E-697D4ECB1D83}"/>
+          </ac:spMkLst>
+        </pc:spChg>
+        <pc:picChg chg="add del mod">
+          <ac:chgData name="Saurav Kumar" userId="73b870ab-df2a-4cbe-86d3-3b0524c69a82" providerId="ADAL" clId="{F9F94C7F-3592-44AE-96AF-6F19FA2C7A87}" dt="2023-07-05T14:41:00.131" v="223" actId="478"/>
+          <ac:picMkLst>
+            <pc:docMk/>
+            <pc:sldMk cId="4014545302" sldId="271"/>
+            <ac:picMk id="4" creationId="{9CB88D56-B51A-8C60-0EE3-9564E8BD6A58}"/>
+          </ac:picMkLst>
+        </pc:picChg>
+        <pc:picChg chg="add mod">
+          <ac:chgData name="Saurav Kumar" userId="73b870ab-df2a-4cbe-86d3-3b0524c69a82" providerId="ADAL" clId="{F9F94C7F-3592-44AE-96AF-6F19FA2C7A87}" dt="2023-07-05T14:44:29.900" v="233" actId="1076"/>
+          <ac:picMkLst>
+            <pc:docMk/>
+            <pc:sldMk cId="4014545302" sldId="271"/>
+            <ac:picMk id="6" creationId="{2CC23ECA-3CD3-A776-34F1-DB3D72F3E5C2}"/>
+          </ac:picMkLst>
+        </pc:picChg>
+        <pc:picChg chg="del">
+          <ac:chgData name="Saurav Kumar" userId="73b870ab-df2a-4cbe-86d3-3b0524c69a82" providerId="ADAL" clId="{F9F94C7F-3592-44AE-96AF-6F19FA2C7A87}" dt="2023-07-05T14:10:51.022" v="87" actId="478"/>
+          <ac:picMkLst>
+            <pc:docMk/>
+            <pc:sldMk cId="4014545302" sldId="271"/>
+            <ac:picMk id="7" creationId="{442E1B78-8023-F3EB-E19B-5903F3597039}"/>
+          </ac:picMkLst>
+        </pc:picChg>
+      </pc:sldChg>
+      <pc:sldChg chg="addSp delSp modSp add mod ord">
+        <pc:chgData name="Saurav Kumar" userId="73b870ab-df2a-4cbe-86d3-3b0524c69a82" providerId="ADAL" clId="{F9F94C7F-3592-44AE-96AF-6F19FA2C7A87}" dt="2023-07-05T15:02:12.101" v="497" actId="14100"/>
+        <pc:sldMkLst>
+          <pc:docMk/>
+          <pc:sldMk cId="2762346989" sldId="272"/>
+        </pc:sldMkLst>
+        <pc:spChg chg="mod">
+          <ac:chgData name="Saurav Kumar" userId="73b870ab-df2a-4cbe-86d3-3b0524c69a82" providerId="ADAL" clId="{F9F94C7F-3592-44AE-96AF-6F19FA2C7A87}" dt="2023-07-05T14:12:15.496" v="122" actId="20577"/>
+          <ac:spMkLst>
+            <pc:docMk/>
+            <pc:sldMk cId="2762346989" sldId="272"/>
+            <ac:spMk id="2" creationId="{50214DB3-FFFC-25C1-36FE-D123522FB8AF}"/>
+          </ac:spMkLst>
+        </pc:spChg>
+        <pc:spChg chg="add mod">
+          <ac:chgData name="Saurav Kumar" userId="73b870ab-df2a-4cbe-86d3-3b0524c69a82" providerId="ADAL" clId="{F9F94C7F-3592-44AE-96AF-6F19FA2C7A87}" dt="2023-07-05T15:02:12.101" v="497" actId="14100"/>
+          <ac:spMkLst>
+            <pc:docMk/>
+            <pc:sldMk cId="2762346989" sldId="272"/>
+            <ac:spMk id="8" creationId="{81C49731-F0C2-C518-CA85-F023E303044F}"/>
+          </ac:spMkLst>
+        </pc:spChg>
+        <pc:picChg chg="del mod">
+          <ac:chgData name="Saurav Kumar" userId="73b870ab-df2a-4cbe-86d3-3b0524c69a82" providerId="ADAL" clId="{F9F94C7F-3592-44AE-96AF-6F19FA2C7A87}" dt="2023-07-05T14:12:20.320" v="124" actId="478"/>
+          <ac:picMkLst>
+            <pc:docMk/>
+            <pc:sldMk cId="2762346989" sldId="272"/>
+            <ac:picMk id="4" creationId="{9CB88D56-B51A-8C60-0EE3-9564E8BD6A58}"/>
+          </ac:picMkLst>
+        </pc:picChg>
+        <pc:picChg chg="add del mod">
+          <ac:chgData name="Saurav Kumar" userId="73b870ab-df2a-4cbe-86d3-3b0524c69a82" providerId="ADAL" clId="{F9F94C7F-3592-44AE-96AF-6F19FA2C7A87}" dt="2023-07-05T14:45:58.474" v="234" actId="478"/>
+          <ac:picMkLst>
+            <pc:docMk/>
+            <pc:sldMk cId="2762346989" sldId="272"/>
+            <ac:picMk id="5" creationId="{29DD1040-55C1-AE34-185B-A3C00B7F0EA2}"/>
+          </ac:picMkLst>
+        </pc:picChg>
+        <pc:picChg chg="add mod">
+          <ac:chgData name="Saurav Kumar" userId="73b870ab-df2a-4cbe-86d3-3b0524c69a82" providerId="ADAL" clId="{F9F94C7F-3592-44AE-96AF-6F19FA2C7A87}" dt="2023-07-05T14:49:03.445" v="249" actId="1076"/>
+          <ac:picMkLst>
+            <pc:docMk/>
+            <pc:sldMk cId="2762346989" sldId="272"/>
+            <ac:picMk id="7" creationId="{B7DFAD10-5654-C035-86BC-49FB2C6F955A}"/>
+          </ac:picMkLst>
+        </pc:picChg>
+      </pc:sldChg>
+      <pc:sldChg chg="addSp delSp modSp add mod ord">
+        <pc:chgData name="Saurav Kumar" userId="73b870ab-df2a-4cbe-86d3-3b0524c69a82" providerId="ADAL" clId="{F9F94C7F-3592-44AE-96AF-6F19FA2C7A87}" dt="2023-07-05T14:47:37.265" v="242"/>
+        <pc:sldMkLst>
+          <pc:docMk/>
+          <pc:sldMk cId="74622774" sldId="273"/>
+        </pc:sldMkLst>
+        <pc:spChg chg="mod">
+          <ac:chgData name="Saurav Kumar" userId="73b870ab-df2a-4cbe-86d3-3b0524c69a82" providerId="ADAL" clId="{F9F94C7F-3592-44AE-96AF-6F19FA2C7A87}" dt="2023-07-05T14:14:17.924" v="143" actId="1076"/>
+          <ac:spMkLst>
+            <pc:docMk/>
+            <pc:sldMk cId="74622774" sldId="273"/>
+            <ac:spMk id="2" creationId="{50214DB3-FFFC-25C1-36FE-D123522FB8AF}"/>
+          </ac:spMkLst>
+        </pc:spChg>
+        <pc:picChg chg="add del mod">
+          <ac:chgData name="Saurav Kumar" userId="73b870ab-df2a-4cbe-86d3-3b0524c69a82" providerId="ADAL" clId="{F9F94C7F-3592-44AE-96AF-6F19FA2C7A87}" dt="2023-07-05T14:46:00.340" v="235" actId="478"/>
+          <ac:picMkLst>
+            <pc:docMk/>
+            <pc:sldMk cId="74622774" sldId="273"/>
+            <ac:picMk id="4" creationId="{E26A0C7D-5223-7285-0014-1E7B0E498266}"/>
+          </ac:picMkLst>
+        </pc:picChg>
+        <pc:picChg chg="del">
+          <ac:chgData name="Saurav Kumar" userId="73b870ab-df2a-4cbe-86d3-3b0524c69a82" providerId="ADAL" clId="{F9F94C7F-3592-44AE-96AF-6F19FA2C7A87}" dt="2023-07-05T14:13:49.942" v="131" actId="478"/>
+          <ac:picMkLst>
+            <pc:docMk/>
+            <pc:sldMk cId="74622774" sldId="273"/>
+            <ac:picMk id="5" creationId="{29DD1040-55C1-AE34-185B-A3C00B7F0EA2}"/>
+          </ac:picMkLst>
+        </pc:picChg>
+        <pc:picChg chg="add mod">
+          <ac:chgData name="Saurav Kumar" userId="73b870ab-df2a-4cbe-86d3-3b0524c69a82" providerId="ADAL" clId="{F9F94C7F-3592-44AE-96AF-6F19FA2C7A87}" dt="2023-07-05T14:47:23.668" v="240" actId="1076"/>
+          <ac:picMkLst>
+            <pc:docMk/>
+            <pc:sldMk cId="74622774" sldId="273"/>
+            <ac:picMk id="7" creationId="{CD576EEB-88FE-2850-355D-2557BEE01DAB}"/>
+          </ac:picMkLst>
+        </pc:picChg>
+      </pc:sldChg>
+      <pc:sldChg chg="addSp delSp modSp add mod ord">
+        <pc:chgData name="Saurav Kumar" userId="73b870ab-df2a-4cbe-86d3-3b0524c69a82" providerId="ADAL" clId="{F9F94C7F-3592-44AE-96AF-6F19FA2C7A87}" dt="2023-07-05T15:02:21.976" v="500" actId="478"/>
+        <pc:sldMkLst>
+          <pc:docMk/>
+          <pc:sldMk cId="2590502413" sldId="274"/>
+        </pc:sldMkLst>
+        <pc:spChg chg="mod">
+          <ac:chgData name="Saurav Kumar" userId="73b870ab-df2a-4cbe-86d3-3b0524c69a82" providerId="ADAL" clId="{F9F94C7F-3592-44AE-96AF-6F19FA2C7A87}" dt="2023-07-05T14:14:57.258" v="158" actId="20577"/>
+          <ac:spMkLst>
+            <pc:docMk/>
+            <pc:sldMk cId="2590502413" sldId="274"/>
+            <ac:spMk id="2" creationId="{50214DB3-FFFC-25C1-36FE-D123522FB8AF}"/>
+          </ac:spMkLst>
+        </pc:spChg>
+        <pc:spChg chg="add del mod">
+          <ac:chgData name="Saurav Kumar" userId="73b870ab-df2a-4cbe-86d3-3b0524c69a82" providerId="ADAL" clId="{F9F94C7F-3592-44AE-96AF-6F19FA2C7A87}" dt="2023-07-05T15:02:21.976" v="500" actId="478"/>
+          <ac:spMkLst>
+            <pc:docMk/>
+            <pc:sldMk cId="2590502413" sldId="274"/>
+            <ac:spMk id="8" creationId="{E7A8B96F-0EB5-46DE-CA82-40C3C0B084A1}"/>
+          </ac:spMkLst>
+        </pc:spChg>
+        <pc:spChg chg="add mod">
+          <ac:chgData name="Saurav Kumar" userId="73b870ab-df2a-4cbe-86d3-3b0524c69a82" providerId="ADAL" clId="{F9F94C7F-3592-44AE-96AF-6F19FA2C7A87}" dt="2023-07-05T15:02:20.446" v="499" actId="1076"/>
+          <ac:spMkLst>
+            <pc:docMk/>
+            <pc:sldMk cId="2590502413" sldId="274"/>
+            <ac:spMk id="9" creationId="{FD537C15-6232-5D89-A51B-33426EFA8121}"/>
+          </ac:spMkLst>
+        </pc:spChg>
+        <pc:picChg chg="add del mod">
+          <ac:chgData name="Saurav Kumar" userId="73b870ab-df2a-4cbe-86d3-3b0524c69a82" providerId="ADAL" clId="{F9F94C7F-3592-44AE-96AF-6F19FA2C7A87}" dt="2023-07-05T14:50:13.120" v="250" actId="478"/>
+          <ac:picMkLst>
+            <pc:docMk/>
+            <pc:sldMk cId="2590502413" sldId="274"/>
+            <ac:picMk id="4" creationId="{7AC97780-331B-F6A3-FE8B-D5EEC91CB0CD}"/>
+          </ac:picMkLst>
+        </pc:picChg>
+        <pc:picChg chg="del">
+          <ac:chgData name="Saurav Kumar" userId="73b870ab-df2a-4cbe-86d3-3b0524c69a82" providerId="ADAL" clId="{F9F94C7F-3592-44AE-96AF-6F19FA2C7A87}" dt="2023-07-05T14:14:59.692" v="159" actId="478"/>
+          <ac:picMkLst>
+            <pc:docMk/>
+            <pc:sldMk cId="2590502413" sldId="274"/>
+            <ac:picMk id="5" creationId="{29DD1040-55C1-AE34-185B-A3C00B7F0EA2}"/>
+          </ac:picMkLst>
+        </pc:picChg>
+        <pc:picChg chg="add mod">
+          <ac:chgData name="Saurav Kumar" userId="73b870ab-df2a-4cbe-86d3-3b0524c69a82" providerId="ADAL" clId="{F9F94C7F-3592-44AE-96AF-6F19FA2C7A87}" dt="2023-07-05T14:53:09.029" v="267" actId="14100"/>
+          <ac:picMkLst>
+            <pc:docMk/>
+            <pc:sldMk cId="2590502413" sldId="274"/>
+            <ac:picMk id="7" creationId="{1AE80077-77B4-56CD-EF35-F2C16CB78B32}"/>
+          </ac:picMkLst>
+        </pc:picChg>
+      </pc:sldChg>
+      <pc:sldChg chg="addSp delSp modSp add mod ord">
+        <pc:chgData name="Saurav Kumar" userId="73b870ab-df2a-4cbe-86d3-3b0524c69a82" providerId="ADAL" clId="{F9F94C7F-3592-44AE-96AF-6F19FA2C7A87}" dt="2023-07-05T14:51:22.208" v="260"/>
+        <pc:sldMkLst>
+          <pc:docMk/>
+          <pc:sldMk cId="803460390" sldId="275"/>
+        </pc:sldMkLst>
+        <pc:picChg chg="del">
+          <ac:chgData name="Saurav Kumar" userId="73b870ab-df2a-4cbe-86d3-3b0524c69a82" providerId="ADAL" clId="{F9F94C7F-3592-44AE-96AF-6F19FA2C7A87}" dt="2023-07-05T14:21:28.883" v="168" actId="478"/>
+          <ac:picMkLst>
+            <pc:docMk/>
+            <pc:sldMk cId="803460390" sldId="275"/>
+            <ac:picMk id="4" creationId="{7AC97780-331B-F6A3-FE8B-D5EEC91CB0CD}"/>
+          </ac:picMkLst>
+        </pc:picChg>
+        <pc:picChg chg="add del mod">
+          <ac:chgData name="Saurav Kumar" userId="73b870ab-df2a-4cbe-86d3-3b0524c69a82" providerId="ADAL" clId="{F9F94C7F-3592-44AE-96AF-6F19FA2C7A87}" dt="2023-07-05T14:50:14.865" v="251" actId="478"/>
+          <ac:picMkLst>
+            <pc:docMk/>
+            <pc:sldMk cId="803460390" sldId="275"/>
+            <ac:picMk id="5" creationId="{8A0FD953-6AAC-7D06-5430-3212928FA629}"/>
+          </ac:picMkLst>
+        </pc:picChg>
+        <pc:picChg chg="add mod">
+          <ac:chgData name="Saurav Kumar" userId="73b870ab-df2a-4cbe-86d3-3b0524c69a82" providerId="ADAL" clId="{F9F94C7F-3592-44AE-96AF-6F19FA2C7A87}" dt="2023-07-05T14:51:14.956" v="256" actId="14100"/>
+          <ac:picMkLst>
+            <pc:docMk/>
+            <pc:sldMk cId="803460390" sldId="275"/>
+            <ac:picMk id="7" creationId="{64D45D17-0F8E-D6CA-5BF6-B17E0E2FC5DA}"/>
+          </ac:picMkLst>
+        </pc:picChg>
+      </pc:sldChg>
+      <pc:sldChg chg="addSp delSp modSp add mod ord">
+        <pc:chgData name="Saurav Kumar" userId="73b870ab-df2a-4cbe-86d3-3b0524c69a82" providerId="ADAL" clId="{F9F94C7F-3592-44AE-96AF-6F19FA2C7A87}" dt="2023-07-05T14:55:08.326" v="270" actId="1076"/>
+        <pc:sldMkLst>
+          <pc:docMk/>
+          <pc:sldMk cId="967963474" sldId="276"/>
+        </pc:sldMkLst>
+        <pc:spChg chg="mod">
+          <ac:chgData name="Saurav Kumar" userId="73b870ab-df2a-4cbe-86d3-3b0524c69a82" providerId="ADAL" clId="{F9F94C7F-3592-44AE-96AF-6F19FA2C7A87}" dt="2023-07-05T14:23:29.036" v="193" actId="1076"/>
+          <ac:spMkLst>
+            <pc:docMk/>
+            <pc:sldMk cId="967963474" sldId="276"/>
+            <ac:spMk id="2" creationId="{50214DB3-FFFC-25C1-36FE-D123522FB8AF}"/>
+          </ac:spMkLst>
+        </pc:spChg>
+        <pc:picChg chg="del">
+          <ac:chgData name="Saurav Kumar" userId="73b870ab-df2a-4cbe-86d3-3b0524c69a82" providerId="ADAL" clId="{F9F94C7F-3592-44AE-96AF-6F19FA2C7A87}" dt="2023-07-05T14:22:28.361" v="187" actId="478"/>
+          <ac:picMkLst>
+            <pc:docMk/>
+            <pc:sldMk cId="967963474" sldId="276"/>
+            <ac:picMk id="4" creationId="{E26A0C7D-5223-7285-0014-1E7B0E498266}"/>
+          </ac:picMkLst>
+        </pc:picChg>
+        <pc:picChg chg="add del mod">
+          <ac:chgData name="Saurav Kumar" userId="73b870ab-df2a-4cbe-86d3-3b0524c69a82" providerId="ADAL" clId="{F9F94C7F-3592-44AE-96AF-6F19FA2C7A87}" dt="2023-07-05T14:55:02.814" v="268" actId="478"/>
+          <ac:picMkLst>
+            <pc:docMk/>
+            <pc:sldMk cId="967963474" sldId="276"/>
+            <ac:picMk id="5" creationId="{D2ACB4AB-46EE-4EB6-0D27-F71390AE70E0}"/>
+          </ac:picMkLst>
+        </pc:picChg>
+        <pc:picChg chg="add mod">
+          <ac:chgData name="Saurav Kumar" userId="73b870ab-df2a-4cbe-86d3-3b0524c69a82" providerId="ADAL" clId="{F9F94C7F-3592-44AE-96AF-6F19FA2C7A87}" dt="2023-07-05T14:55:08.326" v="270" actId="1076"/>
+          <ac:picMkLst>
+            <pc:docMk/>
+            <pc:sldMk cId="967963474" sldId="276"/>
+            <ac:picMk id="7" creationId="{87EAC165-2BE2-E294-6A4B-300535E1DB23}"/>
+          </ac:picMkLst>
+        </pc:picChg>
+      </pc:sldChg>
+      <pc:sldChg chg="addSp delSp modSp add mod">
+        <pc:chgData name="Saurav Kumar" userId="73b870ab-df2a-4cbe-86d3-3b0524c69a82" providerId="ADAL" clId="{F9F94C7F-3592-44AE-96AF-6F19FA2C7A87}" dt="2023-07-05T15:02:33.930" v="501"/>
+        <pc:sldMkLst>
+          <pc:docMk/>
+          <pc:sldMk cId="601654064" sldId="277"/>
+        </pc:sldMkLst>
+        <pc:spChg chg="add mod">
+          <ac:chgData name="Saurav Kumar" userId="73b870ab-df2a-4cbe-86d3-3b0524c69a82" providerId="ADAL" clId="{F9F94C7F-3592-44AE-96AF-6F19FA2C7A87}" dt="2023-07-05T15:02:33.930" v="501"/>
+          <ac:spMkLst>
+            <pc:docMk/>
+            <pc:sldMk cId="601654064" sldId="277"/>
+            <ac:spMk id="8" creationId="{962A898C-1A6E-BD00-2290-84D5776717A0}"/>
+          </ac:spMkLst>
+        </pc:spChg>
+        <pc:picChg chg="add del mod">
+          <ac:chgData name="Saurav Kumar" userId="73b870ab-df2a-4cbe-86d3-3b0524c69a82" providerId="ADAL" clId="{F9F94C7F-3592-44AE-96AF-6F19FA2C7A87}" dt="2023-07-05T14:56:58.271" v="273" actId="478"/>
+          <ac:picMkLst>
+            <pc:docMk/>
+            <pc:sldMk cId="601654064" sldId="277"/>
+            <ac:picMk id="4" creationId="{BBC3EBE4-227F-ADC7-BE00-D31BFD7BC405}"/>
+          </ac:picMkLst>
+        </pc:picChg>
+        <pc:picChg chg="del">
+          <ac:chgData name="Saurav Kumar" userId="73b870ab-df2a-4cbe-86d3-3b0524c69a82" providerId="ADAL" clId="{F9F94C7F-3592-44AE-96AF-6F19FA2C7A87}" dt="2023-07-05T14:23:44.415" v="197" actId="478"/>
+          <ac:picMkLst>
+            <pc:docMk/>
+            <pc:sldMk cId="601654064" sldId="277"/>
+            <ac:picMk id="5" creationId="{D2ACB4AB-46EE-4EB6-0D27-F71390AE70E0}"/>
+          </ac:picMkLst>
+        </pc:picChg>
+        <pc:picChg chg="add mod">
+          <ac:chgData name="Saurav Kumar" userId="73b870ab-df2a-4cbe-86d3-3b0524c69a82" providerId="ADAL" clId="{F9F94C7F-3592-44AE-96AF-6F19FA2C7A87}" dt="2023-07-05T14:57:05.101" v="277" actId="14100"/>
+          <ac:picMkLst>
+            <pc:docMk/>
+            <pc:sldMk cId="601654064" sldId="277"/>
+            <ac:picMk id="7" creationId="{3D3734B2-212B-5A5A-6264-2F94D3DFD803}"/>
+          </ac:picMkLst>
+        </pc:picChg>
+      </pc:sldChg>
+      <pc:sldChg chg="new del">
+        <pc:chgData name="Saurav Kumar" userId="73b870ab-df2a-4cbe-86d3-3b0524c69a82" providerId="ADAL" clId="{F9F94C7F-3592-44AE-96AF-6F19FA2C7A87}" dt="2023-07-05T14:23:38.223" v="195" actId="47"/>
+        <pc:sldMkLst>
+          <pc:docMk/>
+          <pc:sldMk cId="4116897514" sldId="277"/>
+        </pc:sldMkLst>
+      </pc:sldChg>
+      <pc:sldChg chg="addSp delSp modSp new mod">
+        <pc:chgData name="Saurav Kumar" userId="73b870ab-df2a-4cbe-86d3-3b0524c69a82" providerId="ADAL" clId="{F9F94C7F-3592-44AE-96AF-6F19FA2C7A87}" dt="2023-07-05T15:03:21.773" v="521" actId="478"/>
+        <pc:sldMkLst>
+          <pc:docMk/>
+          <pc:sldMk cId="821891926" sldId="278"/>
+        </pc:sldMkLst>
+        <pc:spChg chg="mod">
+          <ac:chgData name="Saurav Kumar" userId="73b870ab-df2a-4cbe-86d3-3b0524c69a82" providerId="ADAL" clId="{F9F94C7F-3592-44AE-96AF-6F19FA2C7A87}" dt="2023-07-05T14:59:01.338" v="394" actId="1076"/>
+          <ac:spMkLst>
+            <pc:docMk/>
+            <pc:sldMk cId="821891926" sldId="278"/>
+            <ac:spMk id="2" creationId="{2A2800FD-EAA0-6206-4EC4-46D198004374}"/>
+          </ac:spMkLst>
+        </pc:spChg>
+        <pc:spChg chg="mod">
+          <ac:chgData name="Saurav Kumar" userId="73b870ab-df2a-4cbe-86d3-3b0524c69a82" providerId="ADAL" clId="{F9F94C7F-3592-44AE-96AF-6F19FA2C7A87}" dt="2023-07-05T15:03:09.309" v="517" actId="1076"/>
+          <ac:spMkLst>
+            <pc:docMk/>
+            <pc:sldMk cId="821891926" sldId="278"/>
+            <ac:spMk id="3" creationId="{BCFEE5FC-67E8-C70A-D7A4-D6778BA1B818}"/>
+          </ac:spMkLst>
+        </pc:spChg>
+        <pc:spChg chg="add del mod">
+          <ac:chgData name="Saurav Kumar" userId="73b870ab-df2a-4cbe-86d3-3b0524c69a82" providerId="ADAL" clId="{F9F94C7F-3592-44AE-96AF-6F19FA2C7A87}" dt="2023-07-05T15:03:19.314" v="520" actId="478"/>
+          <ac:spMkLst>
+            <pc:docMk/>
+            <pc:sldMk cId="821891926" sldId="278"/>
+            <ac:spMk id="4" creationId="{0A5B6E57-BD84-D60B-BF58-98A0E11B2EE7}"/>
+          </ac:spMkLst>
+        </pc:spChg>
+        <pc:spChg chg="add del mod">
+          <ac:chgData name="Saurav Kumar" userId="73b870ab-df2a-4cbe-86d3-3b0524c69a82" providerId="ADAL" clId="{F9F94C7F-3592-44AE-96AF-6F19FA2C7A87}" dt="2023-07-05T15:03:21.773" v="521" actId="478"/>
+          <ac:spMkLst>
+            <pc:docMk/>
+            <pc:sldMk cId="821891926" sldId="278"/>
+            <ac:spMk id="5" creationId="{DB3F62D6-D8AB-D99B-0816-499E1FFBC9A5}"/>
+          </ac:spMkLst>
+        </pc:spChg>
+        <pc:spChg chg="add del mod">
+          <ac:chgData name="Saurav Kumar" userId="73b870ab-df2a-4cbe-86d3-3b0524c69a82" providerId="ADAL" clId="{F9F94C7F-3592-44AE-96AF-6F19FA2C7A87}" dt="2023-07-05T15:03:16.450" v="518" actId="478"/>
+          <ac:spMkLst>
+            <pc:docMk/>
+            <pc:sldMk cId="821891926" sldId="278"/>
+            <ac:spMk id="6" creationId="{D531BA99-683F-5AF8-C0F7-3FB2F9CFA331}"/>
+          </ac:spMkLst>
+        </pc:spChg>
+      </pc:sldChg>
+    </pc:docChg>
+  </pc:docChgLst>
   <pc:docChgLst>
     <pc:chgData name="Saurav Kumar" userId="73b870ab-df2a-4cbe-86d3-3b0524c69a82" providerId="ADAL" clId="{93854073-F8DD-4C05-B23D-D48F5A6160A9}"/>
     <pc:docChg chg="undo custSel addSld modSld sldOrd">
@@ -738,7 +1313,7 @@
           <a:p>
             <a:fld id="{A278DCC9-8CB6-4D34-B4A4-149C647BC6C0}" type="datetimeFigureOut">
               <a:rPr lang="en-GB" smtClean="0"/>
-              <a:t>26/05/2023</a:t>
+              <a:t>05/07/2023</a:t>
             </a:fld>
             <a:endParaRPr lang="en-GB"/>
           </a:p>
@@ -938,7 +1513,7 @@
           <a:p>
             <a:fld id="{A278DCC9-8CB6-4D34-B4A4-149C647BC6C0}" type="datetimeFigureOut">
               <a:rPr lang="en-GB" smtClean="0"/>
-              <a:t>26/05/2023</a:t>
+              <a:t>05/07/2023</a:t>
             </a:fld>
             <a:endParaRPr lang="en-GB"/>
           </a:p>
@@ -1148,7 +1723,7 @@
           <a:p>
             <a:fld id="{A278DCC9-8CB6-4D34-B4A4-149C647BC6C0}" type="datetimeFigureOut">
               <a:rPr lang="en-GB" smtClean="0"/>
-              <a:t>26/05/2023</a:t>
+              <a:t>05/07/2023</a:t>
             </a:fld>
             <a:endParaRPr lang="en-GB"/>
           </a:p>
@@ -1348,7 +1923,7 @@
           <a:p>
             <a:fld id="{A278DCC9-8CB6-4D34-B4A4-149C647BC6C0}" type="datetimeFigureOut">
               <a:rPr lang="en-GB" smtClean="0"/>
-              <a:t>26/05/2023</a:t>
+              <a:t>05/07/2023</a:t>
             </a:fld>
             <a:endParaRPr lang="en-GB"/>
           </a:p>
@@ -1624,7 +2199,7 @@
           <a:p>
             <a:fld id="{A278DCC9-8CB6-4D34-B4A4-149C647BC6C0}" type="datetimeFigureOut">
               <a:rPr lang="en-GB" smtClean="0"/>
-              <a:t>26/05/2023</a:t>
+              <a:t>05/07/2023</a:t>
             </a:fld>
             <a:endParaRPr lang="en-GB"/>
           </a:p>
@@ -1892,7 +2467,7 @@
           <a:p>
             <a:fld id="{A278DCC9-8CB6-4D34-B4A4-149C647BC6C0}" type="datetimeFigureOut">
               <a:rPr lang="en-GB" smtClean="0"/>
-              <a:t>26/05/2023</a:t>
+              <a:t>05/07/2023</a:t>
             </a:fld>
             <a:endParaRPr lang="en-GB"/>
           </a:p>
@@ -2307,7 +2882,7 @@
           <a:p>
             <a:fld id="{A278DCC9-8CB6-4D34-B4A4-149C647BC6C0}" type="datetimeFigureOut">
               <a:rPr lang="en-GB" smtClean="0"/>
-              <a:t>26/05/2023</a:t>
+              <a:t>05/07/2023</a:t>
             </a:fld>
             <a:endParaRPr lang="en-GB"/>
           </a:p>
@@ -2449,7 +3024,7 @@
           <a:p>
             <a:fld id="{A278DCC9-8CB6-4D34-B4A4-149C647BC6C0}" type="datetimeFigureOut">
               <a:rPr lang="en-GB" smtClean="0"/>
-              <a:t>26/05/2023</a:t>
+              <a:t>05/07/2023</a:t>
             </a:fld>
             <a:endParaRPr lang="en-GB"/>
           </a:p>
@@ -2562,7 +3137,7 @@
           <a:p>
             <a:fld id="{A278DCC9-8CB6-4D34-B4A4-149C647BC6C0}" type="datetimeFigureOut">
               <a:rPr lang="en-GB" smtClean="0"/>
-              <a:t>26/05/2023</a:t>
+              <a:t>05/07/2023</a:t>
             </a:fld>
             <a:endParaRPr lang="en-GB"/>
           </a:p>
@@ -2875,7 +3450,7 @@
           <a:p>
             <a:fld id="{A278DCC9-8CB6-4D34-B4A4-149C647BC6C0}" type="datetimeFigureOut">
               <a:rPr lang="en-GB" smtClean="0"/>
-              <a:t>26/05/2023</a:t>
+              <a:t>05/07/2023</a:t>
             </a:fld>
             <a:endParaRPr lang="en-GB"/>
           </a:p>
@@ -3164,7 +3739,7 @@
           <a:p>
             <a:fld id="{A278DCC9-8CB6-4D34-B4A4-149C647BC6C0}" type="datetimeFigureOut">
               <a:rPr lang="en-GB" smtClean="0"/>
-              <a:t>26/05/2023</a:t>
+              <a:t>05/07/2023</a:t>
             </a:fld>
             <a:endParaRPr lang="en-GB"/>
           </a:p>
@@ -3407,7 +3982,7 @@
           <a:p>
             <a:fld id="{A278DCC9-8CB6-4D34-B4A4-149C647BC6C0}" type="datetimeFigureOut">
               <a:rPr lang="en-GB" smtClean="0"/>
-              <a:t>26/05/2023</a:t>
+              <a:t>05/07/2023</a:t>
             </a:fld>
             <a:endParaRPr lang="en-GB"/>
           </a:p>
@@ -3829,7 +4404,7 @@
           <p:cNvPr id="2" name="Title 1">
             <a:extLst>
               <a:ext uri="{FF2B5EF4-FFF2-40B4-BE49-F238E27FC236}">
-                <a16:creationId xmlns:a16="http://schemas.microsoft.com/office/drawing/2014/main" id="{46FD24DF-E69B-622D-B39E-3A28E66930C4}"/>
+                <a16:creationId xmlns:a16="http://schemas.microsoft.com/office/drawing/2014/main" id="{7C8D4FAE-61AD-B786-C139-AA543795008B}"/>
               </a:ext>
             </a:extLst>
           </p:cNvPr>
@@ -3842,17 +4417,141 @@
         </p:nvSpPr>
         <p:spPr>
           <a:xfrm>
-            <a:off x="3843793" y="1462405"/>
-            <a:ext cx="4361953" cy="1325563"/>
+            <a:off x="838200" y="373077"/>
+            <a:ext cx="10515600" cy="1325563"/>
           </a:xfrm>
         </p:spPr>
         <p:txBody>
-          <a:bodyPr/>
+          <a:bodyPr>
+            <a:normAutofit/>
+          </a:bodyPr>
           <a:lstStyle/>
           <a:p>
             <a:r>
               <a:rPr lang="en-GB" dirty="0"/>
-              <a:t>Clinically Relevant</a:t>
+              <a:t>VIF analysis</a:t>
+            </a:r>
+            <a:br>
+              <a:rPr lang="en-GB" dirty="0"/>
+            </a:br>
+            <a:r>
+              <a:rPr lang="en-GB" sz="1600" dirty="0"/>
+              <a:t>Checking multi collinearity among independent variable</a:t>
+            </a:r>
+          </a:p>
+        </p:txBody>
+      </p:sp>
+      <p:pic>
+        <p:nvPicPr>
+          <p:cNvPr id="5" name="Picture 4" descr="A picture containing text, screenshot, font, number&#10;&#10;Description automatically generated">
+            <a:extLst>
+              <a:ext uri="{FF2B5EF4-FFF2-40B4-BE49-F238E27FC236}">
+                <a16:creationId xmlns:a16="http://schemas.microsoft.com/office/drawing/2014/main" id="{7AFE5CEA-4B9C-E32B-5A16-6C3A54BF4B7A}"/>
+              </a:ext>
+            </a:extLst>
+          </p:cNvPr>
+          <p:cNvPicPr>
+            <a:picLocks noChangeAspect="1"/>
+          </p:cNvPicPr>
+          <p:nvPr/>
+        </p:nvPicPr>
+        <p:blipFill rotWithShape="1">
+          <a:blip r:embed="rId2">
+            <a:extLst>
+              <a:ext uri="{28A0092B-C50C-407E-A947-70E740481C1C}">
+                <a14:useLocalDpi xmlns:a14="http://schemas.microsoft.com/office/drawing/2010/main" val="0"/>
+              </a:ext>
+            </a:extLst>
+          </a:blip>
+          <a:srcRect l="13605"/>
+          <a:stretch/>
+        </p:blipFill>
+        <p:spPr>
+          <a:xfrm>
+            <a:off x="1081377" y="1904577"/>
+            <a:ext cx="4266866" cy="3632238"/>
+          </a:xfrm>
+          <a:prstGeom prst="rect">
+            <a:avLst/>
+          </a:prstGeom>
+        </p:spPr>
+      </p:pic>
+      <p:sp>
+        <p:nvSpPr>
+          <p:cNvPr id="6" name="TextBox 5">
+            <a:extLst>
+              <a:ext uri="{FF2B5EF4-FFF2-40B4-BE49-F238E27FC236}">
+                <a16:creationId xmlns:a16="http://schemas.microsoft.com/office/drawing/2014/main" id="{33916888-8A52-6209-D389-37B8D2F66E6B}"/>
+              </a:ext>
+            </a:extLst>
+          </p:cNvPr>
+          <p:cNvSpPr txBox="1"/>
+          <p:nvPr/>
+        </p:nvSpPr>
+        <p:spPr>
+          <a:xfrm>
+            <a:off x="7349657" y="474345"/>
+            <a:ext cx="3646997" cy="5909310"/>
+          </a:xfrm>
+          <a:prstGeom prst="rect">
+            <a:avLst/>
+          </a:prstGeom>
+          <a:noFill/>
+        </p:spPr>
+        <p:txBody>
+          <a:bodyPr wrap="square" rtlCol="0">
+            <a:spAutoFit/>
+          </a:bodyPr>
+          <a:lstStyle/>
+          <a:p>
+            <a:r>
+              <a:rPr lang="en-GB" dirty="0"/>
+              <a:t>Collinearity among the variables are high. Variables with high VIF means that variables can be predicted by other variables in the in the frame as well.</a:t>
+            </a:r>
+          </a:p>
+          <a:p>
+            <a:endParaRPr lang="en-GB" dirty="0"/>
+          </a:p>
+          <a:p>
+            <a:r>
+              <a:rPr lang="en-GB" dirty="0"/>
+              <a:t>We should drop the variable with high VIF, so that model can generalize the coefficient better. </a:t>
+            </a:r>
+          </a:p>
+          <a:p>
+            <a:endParaRPr lang="en-GB" dirty="0"/>
+          </a:p>
+          <a:p>
+            <a:pPr marL="342900" indent="-342900">
+              <a:buAutoNum type="arabicPeriod"/>
+            </a:pPr>
+            <a:r>
+              <a:rPr lang="en-GB" dirty="0"/>
+              <a:t>Heart Mass and CMR are highly corelated because CMR is a derived feature from heart mass</a:t>
+            </a:r>
+          </a:p>
+          <a:p>
+            <a:pPr marL="342900" indent="-342900">
+              <a:buAutoNum type="arabicPeriod"/>
+            </a:pPr>
+            <a:endParaRPr lang="en-GB" dirty="0"/>
+          </a:p>
+          <a:p>
+            <a:pPr marL="342900" indent="-342900">
+              <a:buAutoNum type="arabicPeriod"/>
+            </a:pPr>
+            <a:r>
+              <a:rPr lang="en-GB" dirty="0"/>
+              <a:t>Abdominal perimeter and thorax perimeter. During breathing the perimeter of thorax and abdomen kind of depends of diaphragm contraction and relaxation.</a:t>
+            </a:r>
+          </a:p>
+          <a:p>
+            <a:pPr marL="342900" indent="-342900">
+              <a:buAutoNum type="arabicPeriod"/>
+            </a:pPr>
+            <a:r>
+              <a:rPr lang="en-GB" dirty="0"/>
+              <a:t>BMI depends on the age as well</a:t>
             </a:r>
           </a:p>
         </p:txBody>
@@ -3860,7 +4559,7 @@
     </p:spTree>
     <p:extLst>
       <p:ext uri="{BB962C8B-B14F-4D97-AF65-F5344CB8AC3E}">
-        <p14:creationId xmlns:p14="http://schemas.microsoft.com/office/powerpoint/2010/main" val="926982687"/>
+        <p14:creationId xmlns:p14="http://schemas.microsoft.com/office/powerpoint/2010/main" val="2613499223"/>
       </p:ext>
     </p:extLst>
   </p:cSld>
@@ -3871,6 +4570,1778 @@
 </file>
 
 <file path=ppt/slides/slide10.xml><?xml version="1.0" encoding="utf-8"?>
+<p:sld xmlns:a="http://schemas.openxmlformats.org/drawingml/2006/main" xmlns:r="http://schemas.openxmlformats.org/officeDocument/2006/relationships" xmlns:p="http://schemas.openxmlformats.org/presentationml/2006/main">
+  <p:cSld>
+    <p:spTree>
+      <p:nvGrpSpPr>
+        <p:cNvPr id="1" name=""/>
+        <p:cNvGrpSpPr/>
+        <p:nvPr/>
+      </p:nvGrpSpPr>
+      <p:grpSpPr>
+        <a:xfrm>
+          <a:off x="0" y="0"/>
+          <a:ext cx="0" cy="0"/>
+          <a:chOff x="0" y="0"/>
+          <a:chExt cx="0" cy="0"/>
+        </a:xfrm>
+      </p:grpSpPr>
+      <p:sp>
+        <p:nvSpPr>
+          <p:cNvPr id="2" name="Title 1">
+            <a:extLst>
+              <a:ext uri="{FF2B5EF4-FFF2-40B4-BE49-F238E27FC236}">
+                <a16:creationId xmlns:a16="http://schemas.microsoft.com/office/drawing/2014/main" id="{50214DB3-FFFC-25C1-36FE-D123522FB8AF}"/>
+              </a:ext>
+            </a:extLst>
+          </p:cNvPr>
+          <p:cNvSpPr>
+            <a:spLocks noGrp="1"/>
+          </p:cNvSpPr>
+          <p:nvPr>
+            <p:ph type="title"/>
+          </p:nvPr>
+        </p:nvSpPr>
+        <p:spPr/>
+        <p:txBody>
+          <a:bodyPr/>
+          <a:lstStyle/>
+          <a:p>
+            <a:r>
+              <a:rPr lang="en-GB" dirty="0"/>
+              <a:t>Clinical relevant with CMR</a:t>
+            </a:r>
+          </a:p>
+        </p:txBody>
+      </p:sp>
+      <p:pic>
+        <p:nvPicPr>
+          <p:cNvPr id="6" name="Picture 5" descr="A screenshot of a graph&#10;&#10;Description automatically generated">
+            <a:extLst>
+              <a:ext uri="{FF2B5EF4-FFF2-40B4-BE49-F238E27FC236}">
+                <a16:creationId xmlns:a16="http://schemas.microsoft.com/office/drawing/2014/main" id="{2CC23ECA-3CD3-A776-34F1-DB3D72F3E5C2}"/>
+              </a:ext>
+            </a:extLst>
+          </p:cNvPr>
+          <p:cNvPicPr>
+            <a:picLocks noChangeAspect="1"/>
+          </p:cNvPicPr>
+          <p:nvPr/>
+        </p:nvPicPr>
+        <p:blipFill>
+          <a:blip r:embed="rId2">
+            <a:extLst>
+              <a:ext uri="{28A0092B-C50C-407E-A947-70E740481C1C}">
+                <a14:useLocalDpi xmlns:a14="http://schemas.microsoft.com/office/drawing/2010/main" val="0"/>
+              </a:ext>
+            </a:extLst>
+          </a:blip>
+          <a:stretch>
+            <a:fillRect/>
+          </a:stretch>
+        </p:blipFill>
+        <p:spPr>
+          <a:xfrm>
+            <a:off x="3104173" y="1413567"/>
+            <a:ext cx="4405582" cy="5079308"/>
+          </a:xfrm>
+          <a:prstGeom prst="rect">
+            <a:avLst/>
+          </a:prstGeom>
+        </p:spPr>
+      </p:pic>
+      <p:sp>
+        <p:nvSpPr>
+          <p:cNvPr id="8" name="TextBox 7">
+            <a:extLst>
+              <a:ext uri="{FF2B5EF4-FFF2-40B4-BE49-F238E27FC236}">
+                <a16:creationId xmlns:a16="http://schemas.microsoft.com/office/drawing/2014/main" id="{506611DB-0C68-5FC8-C08E-697D4ECB1D83}"/>
+              </a:ext>
+            </a:extLst>
+          </p:cNvPr>
+          <p:cNvSpPr txBox="1"/>
+          <p:nvPr/>
+        </p:nvSpPr>
+        <p:spPr>
+          <a:xfrm>
+            <a:off x="8220269" y="2948473"/>
+            <a:ext cx="1819470" cy="369332"/>
+          </a:xfrm>
+          <a:prstGeom prst="rect">
+            <a:avLst/>
+          </a:prstGeom>
+          <a:noFill/>
+        </p:spPr>
+        <p:txBody>
+          <a:bodyPr wrap="square" rtlCol="0">
+            <a:spAutoFit/>
+          </a:bodyPr>
+          <a:lstStyle/>
+          <a:p>
+            <a:r>
+              <a:rPr lang="en-GB" dirty="0"/>
+              <a:t>Wrong Prediction</a:t>
+            </a:r>
+          </a:p>
+        </p:txBody>
+      </p:sp>
+    </p:spTree>
+    <p:extLst>
+      <p:ext uri="{BB962C8B-B14F-4D97-AF65-F5344CB8AC3E}">
+        <p14:creationId xmlns:p14="http://schemas.microsoft.com/office/powerpoint/2010/main" val="4014545302"/>
+      </p:ext>
+    </p:extLst>
+  </p:cSld>
+  <p:clrMapOvr>
+    <a:masterClrMapping/>
+  </p:clrMapOvr>
+</p:sld>
+</file>
+
+<file path=ppt/slides/slide11.xml><?xml version="1.0" encoding="utf-8"?>
+<p:sld xmlns:a="http://schemas.openxmlformats.org/drawingml/2006/main" xmlns:r="http://schemas.openxmlformats.org/officeDocument/2006/relationships" xmlns:p="http://schemas.openxmlformats.org/presentationml/2006/main">
+  <p:cSld>
+    <p:spTree>
+      <p:nvGrpSpPr>
+        <p:cNvPr id="1" name=""/>
+        <p:cNvGrpSpPr/>
+        <p:nvPr/>
+      </p:nvGrpSpPr>
+      <p:grpSpPr>
+        <a:xfrm>
+          <a:off x="0" y="0"/>
+          <a:ext cx="0" cy="0"/>
+          <a:chOff x="0" y="0"/>
+          <a:chExt cx="0" cy="0"/>
+        </a:xfrm>
+      </p:grpSpPr>
+      <p:sp>
+        <p:nvSpPr>
+          <p:cNvPr id="3" name="Title 1">
+            <a:extLst>
+              <a:ext uri="{FF2B5EF4-FFF2-40B4-BE49-F238E27FC236}">
+                <a16:creationId xmlns:a16="http://schemas.microsoft.com/office/drawing/2014/main" id="{275E8E4E-BDFB-C8B6-F698-A72D81C7C0BB}"/>
+              </a:ext>
+            </a:extLst>
+          </p:cNvPr>
+          <p:cNvSpPr txBox="1">
+            <a:spLocks/>
+          </p:cNvSpPr>
+          <p:nvPr/>
+        </p:nvSpPr>
+        <p:spPr>
+          <a:xfrm>
+            <a:off x="3064565" y="2617334"/>
+            <a:ext cx="4751568" cy="811666"/>
+          </a:xfrm>
+          <a:prstGeom prst="rect">
+            <a:avLst/>
+          </a:prstGeom>
+        </p:spPr>
+        <p:txBody>
+          <a:bodyPr vert="horz" lIns="91440" tIns="45720" rIns="91440" bIns="45720" rtlCol="0" anchor="ctr">
+            <a:normAutofit/>
+          </a:bodyPr>
+          <a:lstStyle>
+            <a:lvl1pPr algn="l" defTabSz="914400" rtl="0" eaLnBrk="1" latinLnBrk="0" hangingPunct="1">
+              <a:lnSpc>
+                <a:spcPct val="90000"/>
+              </a:lnSpc>
+              <a:spcBef>
+                <a:spcPct val="0"/>
+              </a:spcBef>
+              <a:buNone/>
+              <a:defRPr sz="4400" kern="1200">
+                <a:solidFill>
+                  <a:schemeClr val="tx1"/>
+                </a:solidFill>
+                <a:latin typeface="+mj-lt"/>
+                <a:ea typeface="+mj-ea"/>
+                <a:cs typeface="+mj-cs"/>
+              </a:defRPr>
+            </a:lvl1pPr>
+          </a:lstStyle>
+          <a:p>
+            <a:r>
+              <a:rPr lang="en-GB" dirty="0"/>
+              <a:t>Significant variable</a:t>
+            </a:r>
+          </a:p>
+        </p:txBody>
+      </p:sp>
+    </p:spTree>
+    <p:extLst>
+      <p:ext uri="{BB962C8B-B14F-4D97-AF65-F5344CB8AC3E}">
+        <p14:creationId xmlns:p14="http://schemas.microsoft.com/office/powerpoint/2010/main" val="1155832797"/>
+      </p:ext>
+    </p:extLst>
+  </p:cSld>
+  <p:clrMapOvr>
+    <a:masterClrMapping/>
+  </p:clrMapOvr>
+</p:sld>
+</file>
+
+<file path=ppt/slides/slide12.xml><?xml version="1.0" encoding="utf-8"?>
+<p:sld xmlns:a="http://schemas.openxmlformats.org/drawingml/2006/main" xmlns:r="http://schemas.openxmlformats.org/officeDocument/2006/relationships" xmlns:p="http://schemas.openxmlformats.org/presentationml/2006/main">
+  <p:cSld>
+    <p:spTree>
+      <p:nvGrpSpPr>
+        <p:cNvPr id="1" name=""/>
+        <p:cNvGrpSpPr/>
+        <p:nvPr/>
+      </p:nvGrpSpPr>
+      <p:grpSpPr>
+        <a:xfrm>
+          <a:off x="0" y="0"/>
+          <a:ext cx="0" cy="0"/>
+          <a:chOff x="0" y="0"/>
+          <a:chExt cx="0" cy="0"/>
+        </a:xfrm>
+      </p:grpSpPr>
+      <p:sp>
+        <p:nvSpPr>
+          <p:cNvPr id="2" name="Title 1">
+            <a:extLst>
+              <a:ext uri="{FF2B5EF4-FFF2-40B4-BE49-F238E27FC236}">
+                <a16:creationId xmlns:a16="http://schemas.microsoft.com/office/drawing/2014/main" id="{46FD24DF-E69B-622D-B39E-3A28E66930C4}"/>
+              </a:ext>
+            </a:extLst>
+          </p:cNvPr>
+          <p:cNvSpPr>
+            <a:spLocks noGrp="1"/>
+          </p:cNvSpPr>
+          <p:nvPr>
+            <p:ph type="title"/>
+          </p:nvPr>
+        </p:nvSpPr>
+        <p:spPr>
+          <a:xfrm>
+            <a:off x="818984" y="1120932"/>
+            <a:ext cx="1240403" cy="644056"/>
+          </a:xfrm>
+        </p:spPr>
+        <p:txBody>
+          <a:bodyPr>
+            <a:normAutofit fontScale="90000"/>
+          </a:bodyPr>
+          <a:lstStyle/>
+          <a:p>
+            <a:r>
+              <a:rPr lang="en-GB" dirty="0"/>
+              <a:t>CMR</a:t>
+            </a:r>
+          </a:p>
+        </p:txBody>
+      </p:sp>
+      <p:pic>
+        <p:nvPicPr>
+          <p:cNvPr id="4" name="Picture 3" descr="A picture containing text, screenshot, diagram, line&#10;&#10;Description automatically generated">
+            <a:extLst>
+              <a:ext uri="{FF2B5EF4-FFF2-40B4-BE49-F238E27FC236}">
+                <a16:creationId xmlns:a16="http://schemas.microsoft.com/office/drawing/2014/main" id="{547C2782-5447-BFC5-CF2C-E2AA3F08AA81}"/>
+              </a:ext>
+            </a:extLst>
+          </p:cNvPr>
+          <p:cNvPicPr>
+            <a:picLocks noChangeAspect="1"/>
+          </p:cNvPicPr>
+          <p:nvPr/>
+        </p:nvPicPr>
+        <p:blipFill>
+          <a:blip r:embed="rId2">
+            <a:extLst>
+              <a:ext uri="{28A0092B-C50C-407E-A947-70E740481C1C}">
+                <a14:useLocalDpi xmlns:a14="http://schemas.microsoft.com/office/drawing/2010/main" val="0"/>
+              </a:ext>
+            </a:extLst>
+          </a:blip>
+          <a:stretch>
+            <a:fillRect/>
+          </a:stretch>
+        </p:blipFill>
+        <p:spPr>
+          <a:xfrm>
+            <a:off x="384969" y="2183686"/>
+            <a:ext cx="4605320" cy="3453990"/>
+          </a:xfrm>
+          <a:prstGeom prst="rect">
+            <a:avLst/>
+          </a:prstGeom>
+        </p:spPr>
+      </p:pic>
+      <p:graphicFrame>
+        <p:nvGraphicFramePr>
+          <p:cNvPr id="7" name="Table 10">
+            <a:extLst>
+              <a:ext uri="{FF2B5EF4-FFF2-40B4-BE49-F238E27FC236}">
+                <a16:creationId xmlns:a16="http://schemas.microsoft.com/office/drawing/2014/main" id="{015B6EE4-FB67-3D06-7439-73150A4D914D}"/>
+              </a:ext>
+            </a:extLst>
+          </p:cNvPr>
+          <p:cNvGraphicFramePr>
+            <a:graphicFrameLocks noGrp="1"/>
+          </p:cNvGraphicFramePr>
+          <p:nvPr>
+            <p:extLst>
+              <p:ext uri="{D42A27DB-BD31-4B8C-83A1-F6EECF244321}">
+                <p14:modId xmlns:p14="http://schemas.microsoft.com/office/powerpoint/2010/main" val="3357279134"/>
+              </p:ext>
+            </p:extLst>
+          </p:nvPr>
+        </p:nvGraphicFramePr>
+        <p:xfrm>
+          <a:off x="6500465" y="3429000"/>
+          <a:ext cx="4408557" cy="2560320"/>
+        </p:xfrm>
+        <a:graphic>
+          <a:graphicData uri="http://schemas.openxmlformats.org/drawingml/2006/table">
+            <a:tbl>
+              <a:tblPr firstRow="1" bandRow="1">
+                <a:tableStyleId>{5C22544A-7EE6-4342-B048-85BDC9FD1C3A}</a:tableStyleId>
+              </a:tblPr>
+              <a:tblGrid>
+                <a:gridCol w="1469519">
+                  <a:extLst>
+                    <a:ext uri="{9D8B030D-6E8A-4147-A177-3AD203B41FA5}">
+                      <a16:colId xmlns:a16="http://schemas.microsoft.com/office/drawing/2014/main" val="3143521419"/>
+                    </a:ext>
+                  </a:extLst>
+                </a:gridCol>
+                <a:gridCol w="1469519">
+                  <a:extLst>
+                    <a:ext uri="{9D8B030D-6E8A-4147-A177-3AD203B41FA5}">
+                      <a16:colId xmlns:a16="http://schemas.microsoft.com/office/drawing/2014/main" val="2214148125"/>
+                    </a:ext>
+                  </a:extLst>
+                </a:gridCol>
+                <a:gridCol w="1469519">
+                  <a:extLst>
+                    <a:ext uri="{9D8B030D-6E8A-4147-A177-3AD203B41FA5}">
+                      <a16:colId xmlns:a16="http://schemas.microsoft.com/office/drawing/2014/main" val="3197330043"/>
+                    </a:ext>
+                  </a:extLst>
+                </a:gridCol>
+              </a:tblGrid>
+              <a:tr h="160929">
+                <a:tc>
+                  <a:txBody>
+                    <a:bodyPr/>
+                    <a:lstStyle/>
+                    <a:p>
+                      <a:r>
+                        <a:rPr lang="en-GB" dirty="0"/>
+                        <a:t>Metrics</a:t>
+                      </a:r>
+                    </a:p>
+                  </a:txBody>
+                  <a:tcPr/>
+                </a:tc>
+                <a:tc>
+                  <a:txBody>
+                    <a:bodyPr/>
+                    <a:lstStyle/>
+                    <a:p>
+                      <a:r>
+                        <a:rPr lang="en-GB" dirty="0"/>
+                        <a:t>Train</a:t>
+                      </a:r>
+                    </a:p>
+                  </a:txBody>
+                  <a:tcPr/>
+                </a:tc>
+                <a:tc>
+                  <a:txBody>
+                    <a:bodyPr/>
+                    <a:lstStyle/>
+                    <a:p>
+                      <a:r>
+                        <a:rPr lang="en-GB" dirty="0"/>
+                        <a:t>Test</a:t>
+                      </a:r>
+                    </a:p>
+                  </a:txBody>
+                  <a:tcPr/>
+                </a:tc>
+                <a:extLst>
+                  <a:ext uri="{0D108BD9-81ED-4DB2-BD59-A6C34878D82A}">
+                    <a16:rowId xmlns:a16="http://schemas.microsoft.com/office/drawing/2014/main" val="1454928843"/>
+                  </a:ext>
+                </a:extLst>
+              </a:tr>
+              <a:tr h="250211">
+                <a:tc>
+                  <a:txBody>
+                    <a:bodyPr/>
+                    <a:lstStyle/>
+                    <a:p>
+                      <a:r>
+                        <a:rPr lang="en-GB" dirty="0"/>
+                        <a:t>Accuracy</a:t>
+                      </a:r>
+                    </a:p>
+                  </a:txBody>
+                  <a:tcPr/>
+                </a:tc>
+                <a:tc>
+                  <a:txBody>
+                    <a:bodyPr/>
+                    <a:lstStyle/>
+                    <a:p>
+                      <a:r>
+                        <a:rPr lang="en-GB" dirty="0"/>
+                        <a:t>0.72</a:t>
+                      </a:r>
+                    </a:p>
+                  </a:txBody>
+                  <a:tcPr/>
+                </a:tc>
+                <a:tc>
+                  <a:txBody>
+                    <a:bodyPr/>
+                    <a:lstStyle/>
+                    <a:p>
+                      <a:r>
+                        <a:rPr lang="en-GB" dirty="0"/>
+                        <a:t>0.55</a:t>
+                      </a:r>
+                    </a:p>
+                  </a:txBody>
+                  <a:tcPr/>
+                </a:tc>
+                <a:extLst>
+                  <a:ext uri="{0D108BD9-81ED-4DB2-BD59-A6C34878D82A}">
+                    <a16:rowId xmlns:a16="http://schemas.microsoft.com/office/drawing/2014/main" val="2409411029"/>
+                  </a:ext>
+                </a:extLst>
+              </a:tr>
+              <a:tr h="250211">
+                <a:tc>
+                  <a:txBody>
+                    <a:bodyPr/>
+                    <a:lstStyle/>
+                    <a:p>
+                      <a:r>
+                        <a:rPr lang="en-GB" dirty="0"/>
+                        <a:t>F1</a:t>
+                      </a:r>
+                    </a:p>
+                  </a:txBody>
+                  <a:tcPr/>
+                </a:tc>
+                <a:tc>
+                  <a:txBody>
+                    <a:bodyPr/>
+                    <a:lstStyle/>
+                    <a:p>
+                      <a:r>
+                        <a:rPr lang="en-GB" dirty="0"/>
+                        <a:t>0.80</a:t>
+                      </a:r>
+                    </a:p>
+                  </a:txBody>
+                  <a:tcPr/>
+                </a:tc>
+                <a:tc>
+                  <a:txBody>
+                    <a:bodyPr/>
+                    <a:lstStyle/>
+                    <a:p>
+                      <a:r>
+                        <a:rPr lang="en-GB" dirty="0"/>
+                        <a:t>0.68</a:t>
+                      </a:r>
+                    </a:p>
+                  </a:txBody>
+                  <a:tcPr/>
+                </a:tc>
+                <a:extLst>
+                  <a:ext uri="{0D108BD9-81ED-4DB2-BD59-A6C34878D82A}">
+                    <a16:rowId xmlns:a16="http://schemas.microsoft.com/office/drawing/2014/main" val="4031509141"/>
+                  </a:ext>
+                </a:extLst>
+              </a:tr>
+              <a:tr h="250211">
+                <a:tc>
+                  <a:txBody>
+                    <a:bodyPr/>
+                    <a:lstStyle/>
+                    <a:p>
+                      <a:r>
+                        <a:rPr lang="en-GB" dirty="0"/>
+                        <a:t>Recall</a:t>
+                      </a:r>
+                    </a:p>
+                  </a:txBody>
+                  <a:tcPr/>
+                </a:tc>
+                <a:tc>
+                  <a:txBody>
+                    <a:bodyPr/>
+                    <a:lstStyle/>
+                    <a:p>
+                      <a:r>
+                        <a:rPr lang="en-GB" dirty="0"/>
+                        <a:t>0.76</a:t>
+                      </a:r>
+                    </a:p>
+                  </a:txBody>
+                  <a:tcPr/>
+                </a:tc>
+                <a:tc>
+                  <a:txBody>
+                    <a:bodyPr/>
+                    <a:lstStyle/>
+                    <a:p>
+                      <a:r>
+                        <a:rPr lang="en-GB" dirty="0"/>
+                        <a:t>0.63</a:t>
+                      </a:r>
+                    </a:p>
+                  </a:txBody>
+                  <a:tcPr/>
+                </a:tc>
+                <a:extLst>
+                  <a:ext uri="{0D108BD9-81ED-4DB2-BD59-A6C34878D82A}">
+                    <a16:rowId xmlns:a16="http://schemas.microsoft.com/office/drawing/2014/main" val="553058481"/>
+                  </a:ext>
+                </a:extLst>
+              </a:tr>
+              <a:tr h="250211">
+                <a:tc>
+                  <a:txBody>
+                    <a:bodyPr/>
+                    <a:lstStyle/>
+                    <a:p>
+                      <a:r>
+                        <a:rPr lang="en-GB" dirty="0"/>
+                        <a:t>Precision</a:t>
+                      </a:r>
+                    </a:p>
+                  </a:txBody>
+                  <a:tcPr/>
+                </a:tc>
+                <a:tc>
+                  <a:txBody>
+                    <a:bodyPr/>
+                    <a:lstStyle/>
+                    <a:p>
+                      <a:r>
+                        <a:rPr lang="en-GB" dirty="0"/>
+                        <a:t>0.85</a:t>
+                      </a:r>
+                    </a:p>
+                  </a:txBody>
+                  <a:tcPr/>
+                </a:tc>
+                <a:tc>
+                  <a:txBody>
+                    <a:bodyPr/>
+                    <a:lstStyle/>
+                    <a:p>
+                      <a:r>
+                        <a:rPr lang="en-GB" dirty="0"/>
+                        <a:t>0.75</a:t>
+                      </a:r>
+                    </a:p>
+                  </a:txBody>
+                  <a:tcPr/>
+                </a:tc>
+                <a:extLst>
+                  <a:ext uri="{0D108BD9-81ED-4DB2-BD59-A6C34878D82A}">
+                    <a16:rowId xmlns:a16="http://schemas.microsoft.com/office/drawing/2014/main" val="3637762993"/>
+                  </a:ext>
+                </a:extLst>
+              </a:tr>
+              <a:tr h="250211">
+                <a:tc>
+                  <a:txBody>
+                    <a:bodyPr/>
+                    <a:lstStyle/>
+                    <a:p>
+                      <a:r>
+                        <a:rPr lang="en-GB" dirty="0"/>
+                        <a:t>MCC</a:t>
+                      </a:r>
+                    </a:p>
+                  </a:txBody>
+                  <a:tcPr/>
+                </a:tc>
+                <a:tc>
+                  <a:txBody>
+                    <a:bodyPr/>
+                    <a:lstStyle/>
+                    <a:p>
+                      <a:r>
+                        <a:rPr lang="en-GB" dirty="0"/>
+                        <a:t>0.37</a:t>
+                      </a:r>
+                    </a:p>
+                  </a:txBody>
+                  <a:tcPr/>
+                </a:tc>
+                <a:tc>
+                  <a:txBody>
+                    <a:bodyPr/>
+                    <a:lstStyle/>
+                    <a:p>
+                      <a:r>
+                        <a:rPr lang="en-GB" dirty="0"/>
+                        <a:t>-0.07</a:t>
+                      </a:r>
+                    </a:p>
+                  </a:txBody>
+                  <a:tcPr/>
+                </a:tc>
+                <a:extLst>
+                  <a:ext uri="{0D108BD9-81ED-4DB2-BD59-A6C34878D82A}">
+                    <a16:rowId xmlns:a16="http://schemas.microsoft.com/office/drawing/2014/main" val="1632963352"/>
+                  </a:ext>
+                </a:extLst>
+              </a:tr>
+              <a:tr h="250211">
+                <a:tc>
+                  <a:txBody>
+                    <a:bodyPr/>
+                    <a:lstStyle/>
+                    <a:p>
+                      <a:r>
+                        <a:rPr lang="en-GB" dirty="0"/>
+                        <a:t>ROC</a:t>
+                      </a:r>
+                    </a:p>
+                  </a:txBody>
+                  <a:tcPr/>
+                </a:tc>
+                <a:tc>
+                  <a:txBody>
+                    <a:bodyPr/>
+                    <a:lstStyle/>
+                    <a:p>
+                      <a:r>
+                        <a:rPr lang="en-GB" dirty="0"/>
+                        <a:t>0.70</a:t>
+                      </a:r>
+                    </a:p>
+                  </a:txBody>
+                  <a:tcPr/>
+                </a:tc>
+                <a:tc>
+                  <a:txBody>
+                    <a:bodyPr/>
+                    <a:lstStyle/>
+                    <a:p>
+                      <a:r>
+                        <a:rPr lang="en-GB" dirty="0"/>
+                        <a:t>0.45</a:t>
+                      </a:r>
+                    </a:p>
+                  </a:txBody>
+                  <a:tcPr/>
+                </a:tc>
+                <a:extLst>
+                  <a:ext uri="{0D108BD9-81ED-4DB2-BD59-A6C34878D82A}">
+                    <a16:rowId xmlns:a16="http://schemas.microsoft.com/office/drawing/2014/main" val="1632316086"/>
+                  </a:ext>
+                </a:extLst>
+              </a:tr>
+            </a:tbl>
+          </a:graphicData>
+        </a:graphic>
+      </p:graphicFrame>
+      <p:sp>
+        <p:nvSpPr>
+          <p:cNvPr id="5" name="TextBox 4">
+            <a:extLst>
+              <a:ext uri="{FF2B5EF4-FFF2-40B4-BE49-F238E27FC236}">
+                <a16:creationId xmlns:a16="http://schemas.microsoft.com/office/drawing/2014/main" id="{78FB385F-ABDD-6778-5507-61BABE57B8C2}"/>
+              </a:ext>
+            </a:extLst>
+          </p:cNvPr>
+          <p:cNvSpPr txBox="1"/>
+          <p:nvPr/>
+        </p:nvSpPr>
+        <p:spPr>
+          <a:xfrm>
+            <a:off x="6285800" y="2923161"/>
+            <a:ext cx="2480554" cy="369332"/>
+          </a:xfrm>
+          <a:prstGeom prst="rect">
+            <a:avLst/>
+          </a:prstGeom>
+          <a:noFill/>
+        </p:spPr>
+        <p:txBody>
+          <a:bodyPr wrap="square" rtlCol="0">
+            <a:spAutoFit/>
+          </a:bodyPr>
+          <a:lstStyle/>
+          <a:p>
+            <a:r>
+              <a:rPr lang="en-GB" dirty="0"/>
+              <a:t>3 Fold cross validation</a:t>
+            </a:r>
+          </a:p>
+        </p:txBody>
+      </p:sp>
+    </p:spTree>
+    <p:extLst>
+      <p:ext uri="{BB962C8B-B14F-4D97-AF65-F5344CB8AC3E}">
+        <p14:creationId xmlns:p14="http://schemas.microsoft.com/office/powerpoint/2010/main" val="2753204257"/>
+      </p:ext>
+    </p:extLst>
+  </p:cSld>
+  <p:clrMapOvr>
+    <a:masterClrMapping/>
+  </p:clrMapOvr>
+</p:sld>
+</file>
+
+<file path=ppt/slides/slide13.xml><?xml version="1.0" encoding="utf-8"?>
+<p:sld xmlns:a="http://schemas.openxmlformats.org/drawingml/2006/main" xmlns:r="http://schemas.openxmlformats.org/officeDocument/2006/relationships" xmlns:p="http://schemas.openxmlformats.org/presentationml/2006/main">
+  <p:cSld>
+    <p:spTree>
+      <p:nvGrpSpPr>
+        <p:cNvPr id="1" name=""/>
+        <p:cNvGrpSpPr/>
+        <p:nvPr/>
+      </p:nvGrpSpPr>
+      <p:grpSpPr>
+        <a:xfrm>
+          <a:off x="0" y="0"/>
+          <a:ext cx="0" cy="0"/>
+          <a:chOff x="0" y="0"/>
+          <a:chExt cx="0" cy="0"/>
+        </a:xfrm>
+      </p:grpSpPr>
+      <p:sp>
+        <p:nvSpPr>
+          <p:cNvPr id="2" name="Title 1">
+            <a:extLst>
+              <a:ext uri="{FF2B5EF4-FFF2-40B4-BE49-F238E27FC236}">
+                <a16:creationId xmlns:a16="http://schemas.microsoft.com/office/drawing/2014/main" id="{50214DB3-FFFC-25C1-36FE-D123522FB8AF}"/>
+              </a:ext>
+            </a:extLst>
+          </p:cNvPr>
+          <p:cNvSpPr>
+            <a:spLocks noGrp="1"/>
+          </p:cNvSpPr>
+          <p:nvPr>
+            <p:ph type="title"/>
+          </p:nvPr>
+        </p:nvSpPr>
+        <p:spPr>
+          <a:xfrm>
+            <a:off x="0" y="104520"/>
+            <a:ext cx="8529403" cy="955334"/>
+          </a:xfrm>
+        </p:spPr>
+        <p:txBody>
+          <a:bodyPr/>
+          <a:lstStyle/>
+          <a:p>
+            <a:r>
+              <a:rPr lang="en-GB" dirty="0"/>
+              <a:t>Significant variable with CMR</a:t>
+            </a:r>
+          </a:p>
+        </p:txBody>
+      </p:sp>
+      <p:pic>
+        <p:nvPicPr>
+          <p:cNvPr id="7" name="Picture 6" descr="A diagram of a diagram&#10;&#10;Description automatically generated">
+            <a:extLst>
+              <a:ext uri="{FF2B5EF4-FFF2-40B4-BE49-F238E27FC236}">
+                <a16:creationId xmlns:a16="http://schemas.microsoft.com/office/drawing/2014/main" id="{CD576EEB-88FE-2850-355D-2557BEE01DAB}"/>
+              </a:ext>
+            </a:extLst>
+          </p:cNvPr>
+          <p:cNvPicPr>
+            <a:picLocks noChangeAspect="1"/>
+          </p:cNvPicPr>
+          <p:nvPr/>
+        </p:nvPicPr>
+        <p:blipFill>
+          <a:blip r:embed="rId2">
+            <a:extLst>
+              <a:ext uri="{28A0092B-C50C-407E-A947-70E740481C1C}">
+                <a14:useLocalDpi xmlns:a14="http://schemas.microsoft.com/office/drawing/2010/main" val="0"/>
+              </a:ext>
+            </a:extLst>
+          </a:blip>
+          <a:stretch>
+            <a:fillRect/>
+          </a:stretch>
+        </p:blipFill>
+        <p:spPr>
+          <a:xfrm>
+            <a:off x="3447643" y="1264461"/>
+            <a:ext cx="4723591" cy="5042322"/>
+          </a:xfrm>
+          <a:prstGeom prst="rect">
+            <a:avLst/>
+          </a:prstGeom>
+        </p:spPr>
+      </p:pic>
+    </p:spTree>
+    <p:extLst>
+      <p:ext uri="{BB962C8B-B14F-4D97-AF65-F5344CB8AC3E}">
+        <p14:creationId xmlns:p14="http://schemas.microsoft.com/office/powerpoint/2010/main" val="74622774"/>
+      </p:ext>
+    </p:extLst>
+  </p:cSld>
+  <p:clrMapOvr>
+    <a:masterClrMapping/>
+  </p:clrMapOvr>
+</p:sld>
+</file>
+
+<file path=ppt/slides/slide14.xml><?xml version="1.0" encoding="utf-8"?>
+<p:sld xmlns:a="http://schemas.openxmlformats.org/drawingml/2006/main" xmlns:r="http://schemas.openxmlformats.org/officeDocument/2006/relationships" xmlns:p="http://schemas.openxmlformats.org/presentationml/2006/main">
+  <p:cSld>
+    <p:spTree>
+      <p:nvGrpSpPr>
+        <p:cNvPr id="1" name=""/>
+        <p:cNvGrpSpPr/>
+        <p:nvPr/>
+      </p:nvGrpSpPr>
+      <p:grpSpPr>
+        <a:xfrm>
+          <a:off x="0" y="0"/>
+          <a:ext cx="0" cy="0"/>
+          <a:chOff x="0" y="0"/>
+          <a:chExt cx="0" cy="0"/>
+        </a:xfrm>
+      </p:grpSpPr>
+      <p:sp>
+        <p:nvSpPr>
+          <p:cNvPr id="2" name="Title 1">
+            <a:extLst>
+              <a:ext uri="{FF2B5EF4-FFF2-40B4-BE49-F238E27FC236}">
+                <a16:creationId xmlns:a16="http://schemas.microsoft.com/office/drawing/2014/main" id="{50214DB3-FFFC-25C1-36FE-D123522FB8AF}"/>
+              </a:ext>
+            </a:extLst>
+          </p:cNvPr>
+          <p:cNvSpPr>
+            <a:spLocks noGrp="1"/>
+          </p:cNvSpPr>
+          <p:nvPr>
+            <p:ph type="title"/>
+          </p:nvPr>
+        </p:nvSpPr>
+        <p:spPr/>
+        <p:txBody>
+          <a:bodyPr/>
+          <a:lstStyle/>
+          <a:p>
+            <a:r>
+              <a:rPr lang="en-GB" dirty="0"/>
+              <a:t>Significant variable with CMR</a:t>
+            </a:r>
+          </a:p>
+        </p:txBody>
+      </p:sp>
+      <p:pic>
+        <p:nvPicPr>
+          <p:cNvPr id="7" name="Picture 6" descr="A diagram of a graph&#10;&#10;Description automatically generated">
+            <a:extLst>
+              <a:ext uri="{FF2B5EF4-FFF2-40B4-BE49-F238E27FC236}">
+                <a16:creationId xmlns:a16="http://schemas.microsoft.com/office/drawing/2014/main" id="{B7DFAD10-5654-C035-86BC-49FB2C6F955A}"/>
+              </a:ext>
+            </a:extLst>
+          </p:cNvPr>
+          <p:cNvPicPr>
+            <a:picLocks noChangeAspect="1"/>
+          </p:cNvPicPr>
+          <p:nvPr/>
+        </p:nvPicPr>
+        <p:blipFill>
+          <a:blip r:embed="rId2">
+            <a:extLst>
+              <a:ext uri="{28A0092B-C50C-407E-A947-70E740481C1C}">
+                <a14:useLocalDpi xmlns:a14="http://schemas.microsoft.com/office/drawing/2010/main" val="0"/>
+              </a:ext>
+            </a:extLst>
+          </a:blip>
+          <a:stretch>
+            <a:fillRect/>
+          </a:stretch>
+        </p:blipFill>
+        <p:spPr>
+          <a:xfrm>
+            <a:off x="3249038" y="1803763"/>
+            <a:ext cx="5350213" cy="4604511"/>
+          </a:xfrm>
+          <a:prstGeom prst="rect">
+            <a:avLst/>
+          </a:prstGeom>
+        </p:spPr>
+      </p:pic>
+      <p:sp>
+        <p:nvSpPr>
+          <p:cNvPr id="8" name="TextBox 7">
+            <a:extLst>
+              <a:ext uri="{FF2B5EF4-FFF2-40B4-BE49-F238E27FC236}">
+                <a16:creationId xmlns:a16="http://schemas.microsoft.com/office/drawing/2014/main" id="{81C49731-F0C2-C518-CA85-F023E303044F}"/>
+              </a:ext>
+            </a:extLst>
+          </p:cNvPr>
+          <p:cNvSpPr txBox="1"/>
+          <p:nvPr/>
+        </p:nvSpPr>
+        <p:spPr>
+          <a:xfrm>
+            <a:off x="8220269" y="2948473"/>
+            <a:ext cx="2192694" cy="369332"/>
+          </a:xfrm>
+          <a:prstGeom prst="rect">
+            <a:avLst/>
+          </a:prstGeom>
+          <a:noFill/>
+        </p:spPr>
+        <p:txBody>
+          <a:bodyPr wrap="square" rtlCol="0">
+            <a:spAutoFit/>
+          </a:bodyPr>
+          <a:lstStyle/>
+          <a:p>
+            <a:r>
+              <a:rPr lang="en-GB" dirty="0"/>
+              <a:t>Correct Prediction</a:t>
+            </a:r>
+          </a:p>
+        </p:txBody>
+      </p:sp>
+    </p:spTree>
+    <p:extLst>
+      <p:ext uri="{BB962C8B-B14F-4D97-AF65-F5344CB8AC3E}">
+        <p14:creationId xmlns:p14="http://schemas.microsoft.com/office/powerpoint/2010/main" val="2762346989"/>
+      </p:ext>
+    </p:extLst>
+  </p:cSld>
+  <p:clrMapOvr>
+    <a:masterClrMapping/>
+  </p:clrMapOvr>
+</p:sld>
+</file>
+
+<file path=ppt/slides/slide15.xml><?xml version="1.0" encoding="utf-8"?>
+<p:sld xmlns:a="http://schemas.openxmlformats.org/drawingml/2006/main" xmlns:r="http://schemas.openxmlformats.org/officeDocument/2006/relationships" xmlns:p="http://schemas.openxmlformats.org/presentationml/2006/main">
+  <p:cSld>
+    <p:spTree>
+      <p:nvGrpSpPr>
+        <p:cNvPr id="1" name=""/>
+        <p:cNvGrpSpPr/>
+        <p:nvPr/>
+      </p:nvGrpSpPr>
+      <p:grpSpPr>
+        <a:xfrm>
+          <a:off x="0" y="0"/>
+          <a:ext cx="0" cy="0"/>
+          <a:chOff x="0" y="0"/>
+          <a:chExt cx="0" cy="0"/>
+        </a:xfrm>
+      </p:grpSpPr>
+      <p:sp>
+        <p:nvSpPr>
+          <p:cNvPr id="2" name="Title 1">
+            <a:extLst>
+              <a:ext uri="{FF2B5EF4-FFF2-40B4-BE49-F238E27FC236}">
+                <a16:creationId xmlns:a16="http://schemas.microsoft.com/office/drawing/2014/main" id="{46FD24DF-E69B-622D-B39E-3A28E66930C4}"/>
+              </a:ext>
+            </a:extLst>
+          </p:cNvPr>
+          <p:cNvSpPr>
+            <a:spLocks noGrp="1"/>
+          </p:cNvSpPr>
+          <p:nvPr>
+            <p:ph type="title"/>
+          </p:nvPr>
+        </p:nvSpPr>
+        <p:spPr>
+          <a:xfrm>
+            <a:off x="818984" y="1120932"/>
+            <a:ext cx="2886324" cy="644056"/>
+          </a:xfrm>
+        </p:spPr>
+        <p:txBody>
+          <a:bodyPr>
+            <a:normAutofit fontScale="90000"/>
+          </a:bodyPr>
+          <a:lstStyle/>
+          <a:p>
+            <a:r>
+              <a:rPr lang="en-GB" dirty="0"/>
+              <a:t>Heart Mass</a:t>
+            </a:r>
+          </a:p>
+        </p:txBody>
+      </p:sp>
+      <p:graphicFrame>
+        <p:nvGraphicFramePr>
+          <p:cNvPr id="7" name="Table 10">
+            <a:extLst>
+              <a:ext uri="{FF2B5EF4-FFF2-40B4-BE49-F238E27FC236}">
+                <a16:creationId xmlns:a16="http://schemas.microsoft.com/office/drawing/2014/main" id="{015B6EE4-FB67-3D06-7439-73150A4D914D}"/>
+              </a:ext>
+            </a:extLst>
+          </p:cNvPr>
+          <p:cNvGraphicFramePr>
+            <a:graphicFrameLocks noGrp="1"/>
+          </p:cNvGraphicFramePr>
+          <p:nvPr>
+            <p:extLst>
+              <p:ext uri="{D42A27DB-BD31-4B8C-83A1-F6EECF244321}">
+                <p14:modId xmlns:p14="http://schemas.microsoft.com/office/powerpoint/2010/main" val="1807149859"/>
+              </p:ext>
+            </p:extLst>
+          </p:nvPr>
+        </p:nvGraphicFramePr>
+        <p:xfrm>
+          <a:off x="6500465" y="3448963"/>
+          <a:ext cx="4408557" cy="2560320"/>
+        </p:xfrm>
+        <a:graphic>
+          <a:graphicData uri="http://schemas.openxmlformats.org/drawingml/2006/table">
+            <a:tbl>
+              <a:tblPr firstRow="1" bandRow="1">
+                <a:tableStyleId>{5C22544A-7EE6-4342-B048-85BDC9FD1C3A}</a:tableStyleId>
+              </a:tblPr>
+              <a:tblGrid>
+                <a:gridCol w="1469519">
+                  <a:extLst>
+                    <a:ext uri="{9D8B030D-6E8A-4147-A177-3AD203B41FA5}">
+                      <a16:colId xmlns:a16="http://schemas.microsoft.com/office/drawing/2014/main" val="3143521419"/>
+                    </a:ext>
+                  </a:extLst>
+                </a:gridCol>
+                <a:gridCol w="1469519">
+                  <a:extLst>
+                    <a:ext uri="{9D8B030D-6E8A-4147-A177-3AD203B41FA5}">
+                      <a16:colId xmlns:a16="http://schemas.microsoft.com/office/drawing/2014/main" val="2214148125"/>
+                    </a:ext>
+                  </a:extLst>
+                </a:gridCol>
+                <a:gridCol w="1469519">
+                  <a:extLst>
+                    <a:ext uri="{9D8B030D-6E8A-4147-A177-3AD203B41FA5}">
+                      <a16:colId xmlns:a16="http://schemas.microsoft.com/office/drawing/2014/main" val="3197330043"/>
+                    </a:ext>
+                  </a:extLst>
+                </a:gridCol>
+              </a:tblGrid>
+              <a:tr h="345797">
+                <a:tc>
+                  <a:txBody>
+                    <a:bodyPr/>
+                    <a:lstStyle/>
+                    <a:p>
+                      <a:r>
+                        <a:rPr lang="en-GB" dirty="0"/>
+                        <a:t>Metrics</a:t>
+                      </a:r>
+                    </a:p>
+                  </a:txBody>
+                  <a:tcPr/>
+                </a:tc>
+                <a:tc>
+                  <a:txBody>
+                    <a:bodyPr/>
+                    <a:lstStyle/>
+                    <a:p>
+                      <a:r>
+                        <a:rPr lang="en-GB" dirty="0"/>
+                        <a:t>Train</a:t>
+                      </a:r>
+                    </a:p>
+                  </a:txBody>
+                  <a:tcPr/>
+                </a:tc>
+                <a:tc>
+                  <a:txBody>
+                    <a:bodyPr/>
+                    <a:lstStyle/>
+                    <a:p>
+                      <a:r>
+                        <a:rPr lang="en-GB" dirty="0"/>
+                        <a:t>Test</a:t>
+                      </a:r>
+                    </a:p>
+                  </a:txBody>
+                  <a:tcPr/>
+                </a:tc>
+                <a:extLst>
+                  <a:ext uri="{0D108BD9-81ED-4DB2-BD59-A6C34878D82A}">
+                    <a16:rowId xmlns:a16="http://schemas.microsoft.com/office/drawing/2014/main" val="1454928843"/>
+                  </a:ext>
+                </a:extLst>
+              </a:tr>
+              <a:tr h="250211">
+                <a:tc>
+                  <a:txBody>
+                    <a:bodyPr/>
+                    <a:lstStyle/>
+                    <a:p>
+                      <a:r>
+                        <a:rPr lang="en-GB" dirty="0"/>
+                        <a:t>Accuracy</a:t>
+                      </a:r>
+                    </a:p>
+                  </a:txBody>
+                  <a:tcPr/>
+                </a:tc>
+                <a:tc>
+                  <a:txBody>
+                    <a:bodyPr/>
+                    <a:lstStyle/>
+                    <a:p>
+                      <a:r>
+                        <a:rPr lang="en-GB" dirty="0"/>
+                        <a:t>0.72</a:t>
+                      </a:r>
+                    </a:p>
+                  </a:txBody>
+                  <a:tcPr/>
+                </a:tc>
+                <a:tc>
+                  <a:txBody>
+                    <a:bodyPr/>
+                    <a:lstStyle/>
+                    <a:p>
+                      <a:r>
+                        <a:rPr lang="en-GB" dirty="0"/>
+                        <a:t>0.58</a:t>
+                      </a:r>
+                    </a:p>
+                  </a:txBody>
+                  <a:tcPr/>
+                </a:tc>
+                <a:extLst>
+                  <a:ext uri="{0D108BD9-81ED-4DB2-BD59-A6C34878D82A}">
+                    <a16:rowId xmlns:a16="http://schemas.microsoft.com/office/drawing/2014/main" val="2409411029"/>
+                  </a:ext>
+                </a:extLst>
+              </a:tr>
+              <a:tr h="250211">
+                <a:tc>
+                  <a:txBody>
+                    <a:bodyPr/>
+                    <a:lstStyle/>
+                    <a:p>
+                      <a:r>
+                        <a:rPr lang="en-GB" dirty="0"/>
+                        <a:t>F1</a:t>
+                      </a:r>
+                    </a:p>
+                  </a:txBody>
+                  <a:tcPr/>
+                </a:tc>
+                <a:tc>
+                  <a:txBody>
+                    <a:bodyPr/>
+                    <a:lstStyle/>
+                    <a:p>
+                      <a:r>
+                        <a:rPr lang="en-GB" dirty="0"/>
+                        <a:t>0.80</a:t>
+                      </a:r>
+                    </a:p>
+                  </a:txBody>
+                  <a:tcPr/>
+                </a:tc>
+                <a:tc>
+                  <a:txBody>
+                    <a:bodyPr/>
+                    <a:lstStyle/>
+                    <a:p>
+                      <a:r>
+                        <a:rPr lang="en-GB" dirty="0"/>
+                        <a:t>0.70</a:t>
+                      </a:r>
+                    </a:p>
+                  </a:txBody>
+                  <a:tcPr/>
+                </a:tc>
+                <a:extLst>
+                  <a:ext uri="{0D108BD9-81ED-4DB2-BD59-A6C34878D82A}">
+                    <a16:rowId xmlns:a16="http://schemas.microsoft.com/office/drawing/2014/main" val="4031509141"/>
+                  </a:ext>
+                </a:extLst>
+              </a:tr>
+              <a:tr h="250211">
+                <a:tc>
+                  <a:txBody>
+                    <a:bodyPr/>
+                    <a:lstStyle/>
+                    <a:p>
+                      <a:r>
+                        <a:rPr lang="en-GB" dirty="0"/>
+                        <a:t>Recall</a:t>
+                      </a:r>
+                    </a:p>
+                  </a:txBody>
+                  <a:tcPr/>
+                </a:tc>
+                <a:tc>
+                  <a:txBody>
+                    <a:bodyPr/>
+                    <a:lstStyle/>
+                    <a:p>
+                      <a:r>
+                        <a:rPr lang="en-GB" dirty="0"/>
+                        <a:t>0.74</a:t>
+                      </a:r>
+                    </a:p>
+                  </a:txBody>
+                  <a:tcPr/>
+                </a:tc>
+                <a:tc>
+                  <a:txBody>
+                    <a:bodyPr/>
+                    <a:lstStyle/>
+                    <a:p>
+                      <a:r>
+                        <a:rPr lang="en-GB" dirty="0"/>
+                        <a:t>0.64</a:t>
+                      </a:r>
+                    </a:p>
+                  </a:txBody>
+                  <a:tcPr/>
+                </a:tc>
+                <a:extLst>
+                  <a:ext uri="{0D108BD9-81ED-4DB2-BD59-A6C34878D82A}">
+                    <a16:rowId xmlns:a16="http://schemas.microsoft.com/office/drawing/2014/main" val="553058481"/>
+                  </a:ext>
+                </a:extLst>
+              </a:tr>
+              <a:tr h="250211">
+                <a:tc>
+                  <a:txBody>
+                    <a:bodyPr/>
+                    <a:lstStyle/>
+                    <a:p>
+                      <a:r>
+                        <a:rPr lang="en-GB" dirty="0"/>
+                        <a:t>Precision</a:t>
+                      </a:r>
+                    </a:p>
+                  </a:txBody>
+                  <a:tcPr/>
+                </a:tc>
+                <a:tc>
+                  <a:txBody>
+                    <a:bodyPr/>
+                    <a:lstStyle/>
+                    <a:p>
+                      <a:r>
+                        <a:rPr lang="en-GB" dirty="0"/>
+                        <a:t>0.88</a:t>
+                      </a:r>
+                    </a:p>
+                  </a:txBody>
+                  <a:tcPr/>
+                </a:tc>
+                <a:tc>
+                  <a:txBody>
+                    <a:bodyPr/>
+                    <a:lstStyle/>
+                    <a:p>
+                      <a:r>
+                        <a:rPr lang="en-GB" dirty="0"/>
+                        <a:t>0.77</a:t>
+                      </a:r>
+                    </a:p>
+                  </a:txBody>
+                  <a:tcPr/>
+                </a:tc>
+                <a:extLst>
+                  <a:ext uri="{0D108BD9-81ED-4DB2-BD59-A6C34878D82A}">
+                    <a16:rowId xmlns:a16="http://schemas.microsoft.com/office/drawing/2014/main" val="3637762993"/>
+                  </a:ext>
+                </a:extLst>
+              </a:tr>
+              <a:tr h="250211">
+                <a:tc>
+                  <a:txBody>
+                    <a:bodyPr/>
+                    <a:lstStyle/>
+                    <a:p>
+                      <a:r>
+                        <a:rPr lang="en-GB" dirty="0"/>
+                        <a:t>MCC</a:t>
+                      </a:r>
+                    </a:p>
+                  </a:txBody>
+                  <a:tcPr/>
+                </a:tc>
+                <a:tc>
+                  <a:txBody>
+                    <a:bodyPr/>
+                    <a:lstStyle/>
+                    <a:p>
+                      <a:r>
+                        <a:rPr lang="en-GB" dirty="0"/>
+                        <a:t>0.36</a:t>
+                      </a:r>
+                    </a:p>
+                  </a:txBody>
+                  <a:tcPr/>
+                </a:tc>
+                <a:tc>
+                  <a:txBody>
+                    <a:bodyPr/>
+                    <a:lstStyle/>
+                    <a:p>
+                      <a:r>
+                        <a:rPr lang="en-GB" dirty="0"/>
+                        <a:t>-0.006</a:t>
+                      </a:r>
+                    </a:p>
+                  </a:txBody>
+                  <a:tcPr/>
+                </a:tc>
+                <a:extLst>
+                  <a:ext uri="{0D108BD9-81ED-4DB2-BD59-A6C34878D82A}">
+                    <a16:rowId xmlns:a16="http://schemas.microsoft.com/office/drawing/2014/main" val="1632963352"/>
+                  </a:ext>
+                </a:extLst>
+              </a:tr>
+              <a:tr h="250211">
+                <a:tc>
+                  <a:txBody>
+                    <a:bodyPr/>
+                    <a:lstStyle/>
+                    <a:p>
+                      <a:r>
+                        <a:rPr lang="en-GB" dirty="0"/>
+                        <a:t>ROC</a:t>
+                      </a:r>
+                    </a:p>
+                  </a:txBody>
+                  <a:tcPr/>
+                </a:tc>
+                <a:tc>
+                  <a:txBody>
+                    <a:bodyPr/>
+                    <a:lstStyle/>
+                    <a:p>
+                      <a:r>
+                        <a:rPr lang="en-GB" dirty="0"/>
+                        <a:t>0.71</a:t>
+                      </a:r>
+                    </a:p>
+                  </a:txBody>
+                  <a:tcPr/>
+                </a:tc>
+                <a:tc>
+                  <a:txBody>
+                    <a:bodyPr/>
+                    <a:lstStyle/>
+                    <a:p>
+                      <a:r>
+                        <a:rPr lang="en-GB" dirty="0"/>
+                        <a:t>0.49</a:t>
+                      </a:r>
+                    </a:p>
+                  </a:txBody>
+                  <a:tcPr/>
+                </a:tc>
+                <a:extLst>
+                  <a:ext uri="{0D108BD9-81ED-4DB2-BD59-A6C34878D82A}">
+                    <a16:rowId xmlns:a16="http://schemas.microsoft.com/office/drawing/2014/main" val="1632316086"/>
+                  </a:ext>
+                </a:extLst>
+              </a:tr>
+            </a:tbl>
+          </a:graphicData>
+        </a:graphic>
+      </p:graphicFrame>
+      <p:pic>
+        <p:nvPicPr>
+          <p:cNvPr id="9" name="Picture 8" descr="A picture containing text, diagram, screenshot, line&#10;&#10;Description automatically generated">
+            <a:extLst>
+              <a:ext uri="{FF2B5EF4-FFF2-40B4-BE49-F238E27FC236}">
+                <a16:creationId xmlns:a16="http://schemas.microsoft.com/office/drawing/2014/main" id="{9EEC6D7F-32B0-2351-1B37-C3F2FA8DB30B}"/>
+              </a:ext>
+            </a:extLst>
+          </p:cNvPr>
+          <p:cNvPicPr>
+            <a:picLocks noChangeAspect="1"/>
+          </p:cNvPicPr>
+          <p:nvPr/>
+        </p:nvPicPr>
+        <p:blipFill>
+          <a:blip r:embed="rId2">
+            <a:extLst>
+              <a:ext uri="{28A0092B-C50C-407E-A947-70E740481C1C}">
+                <a14:useLocalDpi xmlns:a14="http://schemas.microsoft.com/office/drawing/2010/main" val="0"/>
+              </a:ext>
+            </a:extLst>
+          </a:blip>
+          <a:stretch>
+            <a:fillRect/>
+          </a:stretch>
+        </p:blipFill>
+        <p:spPr>
+          <a:xfrm>
+            <a:off x="164321" y="2262147"/>
+            <a:ext cx="4633228" cy="3474921"/>
+          </a:xfrm>
+          <a:prstGeom prst="rect">
+            <a:avLst/>
+          </a:prstGeom>
+        </p:spPr>
+      </p:pic>
+      <p:sp>
+        <p:nvSpPr>
+          <p:cNvPr id="10" name="TextBox 9">
+            <a:extLst>
+              <a:ext uri="{FF2B5EF4-FFF2-40B4-BE49-F238E27FC236}">
+                <a16:creationId xmlns:a16="http://schemas.microsoft.com/office/drawing/2014/main" id="{B9AB2822-9926-17DB-5598-1B02536489EE}"/>
+              </a:ext>
+            </a:extLst>
+          </p:cNvPr>
+          <p:cNvSpPr txBox="1"/>
+          <p:nvPr/>
+        </p:nvSpPr>
+        <p:spPr>
+          <a:xfrm>
+            <a:off x="6393843" y="3039705"/>
+            <a:ext cx="2480554" cy="369332"/>
+          </a:xfrm>
+          <a:prstGeom prst="rect">
+            <a:avLst/>
+          </a:prstGeom>
+          <a:noFill/>
+        </p:spPr>
+        <p:txBody>
+          <a:bodyPr wrap="square" rtlCol="0">
+            <a:spAutoFit/>
+          </a:bodyPr>
+          <a:lstStyle/>
+          <a:p>
+            <a:r>
+              <a:rPr lang="en-GB" dirty="0"/>
+              <a:t>3 Fold cross validation</a:t>
+            </a:r>
+          </a:p>
+        </p:txBody>
+      </p:sp>
+    </p:spTree>
+    <p:extLst>
+      <p:ext uri="{BB962C8B-B14F-4D97-AF65-F5344CB8AC3E}">
+        <p14:creationId xmlns:p14="http://schemas.microsoft.com/office/powerpoint/2010/main" val="929473914"/>
+      </p:ext>
+    </p:extLst>
+  </p:cSld>
+  <p:clrMapOvr>
+    <a:masterClrMapping/>
+  </p:clrMapOvr>
+</p:sld>
+</file>
+
+<file path=ppt/slides/slide16.xml><?xml version="1.0" encoding="utf-8"?>
+<p:sld xmlns:a="http://schemas.openxmlformats.org/drawingml/2006/main" xmlns:r="http://schemas.openxmlformats.org/officeDocument/2006/relationships" xmlns:p="http://schemas.openxmlformats.org/presentationml/2006/main">
+  <p:cSld>
+    <p:spTree>
+      <p:nvGrpSpPr>
+        <p:cNvPr id="1" name=""/>
+        <p:cNvGrpSpPr/>
+        <p:nvPr/>
+      </p:nvGrpSpPr>
+      <p:grpSpPr>
+        <a:xfrm>
+          <a:off x="0" y="0"/>
+          <a:ext cx="0" cy="0"/>
+          <a:chOff x="0" y="0"/>
+          <a:chExt cx="0" cy="0"/>
+        </a:xfrm>
+      </p:grpSpPr>
+      <p:sp>
+        <p:nvSpPr>
+          <p:cNvPr id="2" name="Title 1">
+            <a:extLst>
+              <a:ext uri="{FF2B5EF4-FFF2-40B4-BE49-F238E27FC236}">
+                <a16:creationId xmlns:a16="http://schemas.microsoft.com/office/drawing/2014/main" id="{50214DB3-FFFC-25C1-36FE-D123522FB8AF}"/>
+              </a:ext>
+            </a:extLst>
+          </p:cNvPr>
+          <p:cNvSpPr>
+            <a:spLocks noGrp="1"/>
+          </p:cNvSpPr>
+          <p:nvPr>
+            <p:ph type="title"/>
+          </p:nvPr>
+        </p:nvSpPr>
+        <p:spPr/>
+        <p:txBody>
+          <a:bodyPr/>
+          <a:lstStyle/>
+          <a:p>
+            <a:r>
+              <a:rPr lang="en-GB" dirty="0"/>
+              <a:t>Significant variable with Heart Mass</a:t>
+            </a:r>
+          </a:p>
+        </p:txBody>
+      </p:sp>
+      <p:pic>
+        <p:nvPicPr>
+          <p:cNvPr id="7" name="Picture 6" descr="A diagram of a algorithm&#10;&#10;Description automatically generated">
+            <a:extLst>
+              <a:ext uri="{FF2B5EF4-FFF2-40B4-BE49-F238E27FC236}">
+                <a16:creationId xmlns:a16="http://schemas.microsoft.com/office/drawing/2014/main" id="{64D45D17-0F8E-D6CA-5BF6-B17E0E2FC5DA}"/>
+              </a:ext>
+            </a:extLst>
+          </p:cNvPr>
+          <p:cNvPicPr>
+            <a:picLocks noChangeAspect="1"/>
+          </p:cNvPicPr>
+          <p:nvPr/>
+        </p:nvPicPr>
+        <p:blipFill>
+          <a:blip r:embed="rId2">
+            <a:extLst>
+              <a:ext uri="{28A0092B-C50C-407E-A947-70E740481C1C}">
+                <a14:useLocalDpi xmlns:a14="http://schemas.microsoft.com/office/drawing/2010/main" val="0"/>
+              </a:ext>
+            </a:extLst>
+          </a:blip>
+          <a:stretch>
+            <a:fillRect/>
+          </a:stretch>
+        </p:blipFill>
+        <p:spPr>
+          <a:xfrm>
+            <a:off x="3512019" y="1669096"/>
+            <a:ext cx="3744815" cy="4969453"/>
+          </a:xfrm>
+          <a:prstGeom prst="rect">
+            <a:avLst/>
+          </a:prstGeom>
+        </p:spPr>
+      </p:pic>
+    </p:spTree>
+    <p:extLst>
+      <p:ext uri="{BB962C8B-B14F-4D97-AF65-F5344CB8AC3E}">
+        <p14:creationId xmlns:p14="http://schemas.microsoft.com/office/powerpoint/2010/main" val="803460390"/>
+      </p:ext>
+    </p:extLst>
+  </p:cSld>
+  <p:clrMapOvr>
+    <a:masterClrMapping/>
+  </p:clrMapOvr>
+</p:sld>
+</file>
+
+<file path=ppt/slides/slide17.xml><?xml version="1.0" encoding="utf-8"?>
+<p:sld xmlns:a="http://schemas.openxmlformats.org/drawingml/2006/main" xmlns:r="http://schemas.openxmlformats.org/officeDocument/2006/relationships" xmlns:p="http://schemas.openxmlformats.org/presentationml/2006/main">
+  <p:cSld>
+    <p:spTree>
+      <p:nvGrpSpPr>
+        <p:cNvPr id="1" name=""/>
+        <p:cNvGrpSpPr/>
+        <p:nvPr/>
+      </p:nvGrpSpPr>
+      <p:grpSpPr>
+        <a:xfrm>
+          <a:off x="0" y="0"/>
+          <a:ext cx="0" cy="0"/>
+          <a:chOff x="0" y="0"/>
+          <a:chExt cx="0" cy="0"/>
+        </a:xfrm>
+      </p:grpSpPr>
+      <p:sp>
+        <p:nvSpPr>
+          <p:cNvPr id="2" name="Title 1">
+            <a:extLst>
+              <a:ext uri="{FF2B5EF4-FFF2-40B4-BE49-F238E27FC236}">
+                <a16:creationId xmlns:a16="http://schemas.microsoft.com/office/drawing/2014/main" id="{50214DB3-FFFC-25C1-36FE-D123522FB8AF}"/>
+              </a:ext>
+            </a:extLst>
+          </p:cNvPr>
+          <p:cNvSpPr>
+            <a:spLocks noGrp="1"/>
+          </p:cNvSpPr>
+          <p:nvPr>
+            <p:ph type="title"/>
+          </p:nvPr>
+        </p:nvSpPr>
+        <p:spPr/>
+        <p:txBody>
+          <a:bodyPr/>
+          <a:lstStyle/>
+          <a:p>
+            <a:r>
+              <a:rPr lang="en-GB" dirty="0"/>
+              <a:t>Significant variable with Heart Mass</a:t>
+            </a:r>
+          </a:p>
+        </p:txBody>
+      </p:sp>
+      <p:pic>
+        <p:nvPicPr>
+          <p:cNvPr id="7" name="Picture 6">
+            <a:extLst>
+              <a:ext uri="{FF2B5EF4-FFF2-40B4-BE49-F238E27FC236}">
+                <a16:creationId xmlns:a16="http://schemas.microsoft.com/office/drawing/2014/main" id="{1AE80077-77B4-56CD-EF35-F2C16CB78B32}"/>
+              </a:ext>
+            </a:extLst>
+          </p:cNvPr>
+          <p:cNvPicPr>
+            <a:picLocks noChangeAspect="1"/>
+          </p:cNvPicPr>
+          <p:nvPr/>
+        </p:nvPicPr>
+        <p:blipFill>
+          <a:blip r:embed="rId2"/>
+          <a:stretch>
+            <a:fillRect/>
+          </a:stretch>
+        </p:blipFill>
+        <p:spPr>
+          <a:xfrm>
+            <a:off x="3073940" y="1862320"/>
+            <a:ext cx="5233481" cy="4450470"/>
+          </a:xfrm>
+          <a:prstGeom prst="rect">
+            <a:avLst/>
+          </a:prstGeom>
+        </p:spPr>
+      </p:pic>
+      <p:sp>
+        <p:nvSpPr>
+          <p:cNvPr id="9" name="TextBox 8">
+            <a:extLst>
+              <a:ext uri="{FF2B5EF4-FFF2-40B4-BE49-F238E27FC236}">
+                <a16:creationId xmlns:a16="http://schemas.microsoft.com/office/drawing/2014/main" id="{FD537C15-6232-5D89-A51B-33426EFA8121}"/>
+              </a:ext>
+            </a:extLst>
+          </p:cNvPr>
+          <p:cNvSpPr txBox="1"/>
+          <p:nvPr/>
+        </p:nvSpPr>
+        <p:spPr>
+          <a:xfrm>
+            <a:off x="8397550" y="3718223"/>
+            <a:ext cx="2192694" cy="369332"/>
+          </a:xfrm>
+          <a:prstGeom prst="rect">
+            <a:avLst/>
+          </a:prstGeom>
+          <a:noFill/>
+        </p:spPr>
+        <p:txBody>
+          <a:bodyPr wrap="square" rtlCol="0">
+            <a:spAutoFit/>
+          </a:bodyPr>
+          <a:lstStyle/>
+          <a:p>
+            <a:r>
+              <a:rPr lang="en-GB" dirty="0"/>
+              <a:t>Correct Prediction</a:t>
+            </a:r>
+          </a:p>
+        </p:txBody>
+      </p:sp>
+    </p:spTree>
+    <p:extLst>
+      <p:ext uri="{BB962C8B-B14F-4D97-AF65-F5344CB8AC3E}">
+        <p14:creationId xmlns:p14="http://schemas.microsoft.com/office/powerpoint/2010/main" val="2590502413"/>
+      </p:ext>
+    </p:extLst>
+  </p:cSld>
+  <p:clrMapOvr>
+    <a:masterClrMapping/>
+  </p:clrMapOvr>
+</p:sld>
+</file>
+
+<file path=ppt/slides/slide18.xml><?xml version="1.0" encoding="utf-8"?>
+<p:sld xmlns:a="http://schemas.openxmlformats.org/drawingml/2006/main" xmlns:r="http://schemas.openxmlformats.org/officeDocument/2006/relationships" xmlns:p="http://schemas.openxmlformats.org/presentationml/2006/main">
+  <p:cSld>
+    <p:spTree>
+      <p:nvGrpSpPr>
+        <p:cNvPr id="1" name=""/>
+        <p:cNvGrpSpPr/>
+        <p:nvPr/>
+      </p:nvGrpSpPr>
+      <p:grpSpPr>
+        <a:xfrm>
+          <a:off x="0" y="0"/>
+          <a:ext cx="0" cy="0"/>
+          <a:chOff x="0" y="0"/>
+          <a:chExt cx="0" cy="0"/>
+        </a:xfrm>
+      </p:grpSpPr>
+      <p:sp>
+        <p:nvSpPr>
+          <p:cNvPr id="3" name="Title 1">
+            <a:extLst>
+              <a:ext uri="{FF2B5EF4-FFF2-40B4-BE49-F238E27FC236}">
+                <a16:creationId xmlns:a16="http://schemas.microsoft.com/office/drawing/2014/main" id="{275E8E4E-BDFB-C8B6-F698-A72D81C7C0BB}"/>
+              </a:ext>
+            </a:extLst>
+          </p:cNvPr>
+          <p:cNvSpPr txBox="1">
+            <a:spLocks/>
+          </p:cNvSpPr>
+          <p:nvPr/>
+        </p:nvSpPr>
+        <p:spPr>
+          <a:xfrm>
+            <a:off x="3064565" y="2617334"/>
+            <a:ext cx="4751568" cy="811666"/>
+          </a:xfrm>
+          <a:prstGeom prst="rect">
+            <a:avLst/>
+          </a:prstGeom>
+        </p:spPr>
+        <p:txBody>
+          <a:bodyPr vert="horz" lIns="91440" tIns="45720" rIns="91440" bIns="45720" rtlCol="0" anchor="ctr">
+            <a:normAutofit fontScale="85000" lnSpcReduction="10000"/>
+          </a:bodyPr>
+          <a:lstStyle>
+            <a:lvl1pPr algn="l" defTabSz="914400" rtl="0" eaLnBrk="1" latinLnBrk="0" hangingPunct="1">
+              <a:lnSpc>
+                <a:spcPct val="90000"/>
+              </a:lnSpc>
+              <a:spcBef>
+                <a:spcPct val="0"/>
+              </a:spcBef>
+              <a:buNone/>
+              <a:defRPr sz="4400" kern="1200">
+                <a:solidFill>
+                  <a:schemeClr val="tx1"/>
+                </a:solidFill>
+                <a:latin typeface="+mj-lt"/>
+                <a:ea typeface="+mj-ea"/>
+                <a:cs typeface="+mj-cs"/>
+              </a:defRPr>
+            </a:lvl1pPr>
+          </a:lstStyle>
+          <a:p>
+            <a:r>
+              <a:rPr lang="en-GB" dirty="0"/>
+              <a:t>Automatically selected</a:t>
+            </a:r>
+          </a:p>
+        </p:txBody>
+      </p:sp>
+    </p:spTree>
+    <p:extLst>
+      <p:ext uri="{BB962C8B-B14F-4D97-AF65-F5344CB8AC3E}">
+        <p14:creationId xmlns:p14="http://schemas.microsoft.com/office/powerpoint/2010/main" val="3103472330"/>
+      </p:ext>
+    </p:extLst>
+  </p:cSld>
+  <p:clrMapOvr>
+    <a:masterClrMapping/>
+  </p:clrMapOvr>
+</p:sld>
+</file>
+
+<file path=ppt/slides/slide19.xml><?xml version="1.0" encoding="utf-8"?>
 <p:sld xmlns:a="http://schemas.openxmlformats.org/drawingml/2006/main" xmlns:r="http://schemas.openxmlformats.org/officeDocument/2006/relationships" xmlns:p="http://schemas.openxmlformats.org/presentationml/2006/main">
   <p:cSld>
     <p:spTree>
@@ -4408,7 +6879,116 @@
 </p:sld>
 </file>
 
-<file path=ppt/slides/slide11.xml><?xml version="1.0" encoding="utf-8"?>
+<file path=ppt/slides/slide2.xml><?xml version="1.0" encoding="utf-8"?>
+<p:sld xmlns:a="http://schemas.openxmlformats.org/drawingml/2006/main" xmlns:r="http://schemas.openxmlformats.org/officeDocument/2006/relationships" xmlns:p="http://schemas.openxmlformats.org/presentationml/2006/main">
+  <p:cSld>
+    <p:bg>
+      <p:bgPr>
+        <a:solidFill>
+          <a:schemeClr val="bg1"/>
+        </a:solidFill>
+        <a:effectLst/>
+      </p:bgPr>
+    </p:bg>
+    <p:spTree>
+      <p:nvGrpSpPr>
+        <p:cNvPr id="1" name=""/>
+        <p:cNvGrpSpPr/>
+        <p:nvPr/>
+      </p:nvGrpSpPr>
+      <p:grpSpPr>
+        <a:xfrm>
+          <a:off x="0" y="0"/>
+          <a:ext cx="0" cy="0"/>
+          <a:chOff x="0" y="0"/>
+          <a:chExt cx="0" cy="0"/>
+        </a:xfrm>
+      </p:grpSpPr>
+      <p:pic>
+        <p:nvPicPr>
+          <p:cNvPr id="5" name="Picture 4" descr="A picture containing text, screenshot&#10;&#10;Description automatically generated">
+            <a:extLst>
+              <a:ext uri="{FF2B5EF4-FFF2-40B4-BE49-F238E27FC236}">
+                <a16:creationId xmlns:a16="http://schemas.microsoft.com/office/drawing/2014/main" id="{B5B5691C-F745-4169-B481-9386E4B8F23B}"/>
+              </a:ext>
+            </a:extLst>
+          </p:cNvPr>
+          <p:cNvPicPr>
+            <a:picLocks noChangeAspect="1"/>
+          </p:cNvPicPr>
+          <p:nvPr/>
+        </p:nvPicPr>
+        <p:blipFill>
+          <a:blip r:embed="rId2">
+            <a:extLst>
+              <a:ext uri="{28A0092B-C50C-407E-A947-70E740481C1C}">
+                <a14:useLocalDpi xmlns:a14="http://schemas.microsoft.com/office/drawing/2010/main" val="0"/>
+              </a:ext>
+            </a:extLst>
+          </a:blip>
+          <a:stretch>
+            <a:fillRect/>
+          </a:stretch>
+        </p:blipFill>
+        <p:spPr>
+          <a:xfrm>
+            <a:off x="2657070" y="643466"/>
+            <a:ext cx="6877860" cy="5571067"/>
+          </a:xfrm>
+          <a:prstGeom prst="rect">
+            <a:avLst/>
+          </a:prstGeom>
+        </p:spPr>
+      </p:pic>
+      <p:sp>
+        <p:nvSpPr>
+          <p:cNvPr id="6" name="TextBox 5">
+            <a:extLst>
+              <a:ext uri="{FF2B5EF4-FFF2-40B4-BE49-F238E27FC236}">
+                <a16:creationId xmlns:a16="http://schemas.microsoft.com/office/drawing/2014/main" id="{72BFB496-87FD-F5ED-F5B5-5AD7C82E9B63}"/>
+              </a:ext>
+            </a:extLst>
+          </p:cNvPr>
+          <p:cNvSpPr txBox="1"/>
+          <p:nvPr/>
+        </p:nvSpPr>
+        <p:spPr>
+          <a:xfrm>
+            <a:off x="1558456" y="5748793"/>
+            <a:ext cx="3633746" cy="369332"/>
+          </a:xfrm>
+          <a:prstGeom prst="rect">
+            <a:avLst/>
+          </a:prstGeom>
+          <a:noFill/>
+        </p:spPr>
+        <p:txBody>
+          <a:bodyPr wrap="square" rtlCol="0">
+            <a:spAutoFit/>
+          </a:bodyPr>
+          <a:lstStyle/>
+          <a:p>
+            <a:r>
+              <a:rPr lang="en-GB" dirty="0"/>
+              <a:t>Pearson correlation among variables</a:t>
+            </a:r>
+          </a:p>
+        </p:txBody>
+      </p:sp>
+    </p:spTree>
+    <p:extLst>
+      <p:ext uri="{BB962C8B-B14F-4D97-AF65-F5344CB8AC3E}">
+        <p14:creationId xmlns:p14="http://schemas.microsoft.com/office/powerpoint/2010/main" val="1542791737"/>
+      </p:ext>
+    </p:extLst>
+  </p:cSld>
+  <p:clrMapOvr>
+    <a:masterClrMapping/>
+  </p:clrMapOvr>
+</p:sld>
+</file>
+
+<file path=ppt/slides/slide20.xml><?xml version="1.0" encoding="utf-8"?>
 <p:sld xmlns:a="http://schemas.openxmlformats.org/drawingml/2006/main" xmlns:r="http://schemas.openxmlformats.org/officeDocument/2006/relationships" xmlns:p="http://schemas.openxmlformats.org/presentationml/2006/main">
   <p:cSld>
     <p:bg>
@@ -4461,8 +7041,8 @@
         </p:blipFill>
         <p:spPr>
           <a:xfrm>
-            <a:off x="1616233" y="756301"/>
-            <a:ext cx="9360394" cy="4671733"/>
+            <a:off x="1616233" y="756302"/>
+            <a:ext cx="8049361" cy="4017402"/>
           </a:xfrm>
           <a:prstGeom prst="rect">
             <a:avLst/>
@@ -4483,7 +7063,7 @@
         </p:nvSpPr>
         <p:spPr>
           <a:xfrm>
-            <a:off x="4691503" y="5680953"/>
+            <a:off x="3854376" y="4946858"/>
             <a:ext cx="3791016" cy="369332"/>
           </a:xfrm>
           <a:prstGeom prst="rect">
@@ -4501,6 +7081,56 @@
               <a:rPr lang="en-GB" dirty="0"/>
               <a:t>Automated selected feature table</a:t>
             </a:r>
+          </a:p>
+        </p:txBody>
+      </p:sp>
+      <p:sp>
+        <p:nvSpPr>
+          <p:cNvPr id="2" name="Rectangle: Rounded Corners 1">
+            <a:extLst>
+              <a:ext uri="{FF2B5EF4-FFF2-40B4-BE49-F238E27FC236}">
+                <a16:creationId xmlns:a16="http://schemas.microsoft.com/office/drawing/2014/main" id="{7BC4E9CD-F828-60EF-F7CC-DE5632E23134}"/>
+              </a:ext>
+            </a:extLst>
+          </p:cNvPr>
+          <p:cNvSpPr/>
+          <p:nvPr/>
+        </p:nvSpPr>
+        <p:spPr>
+          <a:xfrm>
+            <a:off x="1615313" y="1235412"/>
+            <a:ext cx="7865977" cy="2319551"/>
+          </a:xfrm>
+          <a:prstGeom prst="roundRect">
+            <a:avLst/>
+          </a:prstGeom>
+          <a:noFill/>
+          <a:ln w="28575">
+            <a:solidFill>
+              <a:srgbClr val="FF0000"/>
+            </a:solidFill>
+          </a:ln>
+        </p:spPr>
+        <p:style>
+          <a:lnRef idx="2">
+            <a:schemeClr val="accent6"/>
+          </a:lnRef>
+          <a:fillRef idx="1">
+            <a:schemeClr val="lt1"/>
+          </a:fillRef>
+          <a:effectRef idx="0">
+            <a:schemeClr val="accent6"/>
+          </a:effectRef>
+          <a:fontRef idx="minor">
+            <a:schemeClr val="dk1"/>
+          </a:fontRef>
+        </p:style>
+        <p:txBody>
+          <a:bodyPr rtlCol="0" anchor="ctr"/>
+          <a:lstStyle/>
+          <a:p>
+            <a:pPr algn="ctr"/>
+            <a:endParaRPr lang="en-GB"/>
           </a:p>
         </p:txBody>
       </p:sp>
@@ -4517,7 +7147,7 @@
 </p:sld>
 </file>
 
-<file path=ppt/slides/slide12.xml><?xml version="1.0" encoding="utf-8"?>
+<file path=ppt/slides/slide21.xml><?xml version="1.0" encoding="utf-8"?>
 <p:sld xmlns:a="http://schemas.openxmlformats.org/drawingml/2006/main" xmlns:r="http://schemas.openxmlformats.org/officeDocument/2006/relationships" xmlns:p="http://schemas.openxmlformats.org/presentationml/2006/main">
   <p:cSld>
     <p:spTree>
@@ -4997,7 +7627,7 @@
 </p:sld>
 </file>
 
-<file path=ppt/slides/slide2.xml><?xml version="1.0" encoding="utf-8"?>
+<file path=ppt/slides/slide22.xml><?xml version="1.0" encoding="utf-8"?>
 <p:sld xmlns:a="http://schemas.openxmlformats.org/drawingml/2006/main" xmlns:r="http://schemas.openxmlformats.org/officeDocument/2006/relationships" xmlns:p="http://schemas.openxmlformats.org/presentationml/2006/main">
   <p:cSld>
     <p:spTree>
@@ -5019,7 +7649,7 @@
           <p:cNvPr id="2" name="Title 1">
             <a:extLst>
               <a:ext uri="{FF2B5EF4-FFF2-40B4-BE49-F238E27FC236}">
-                <a16:creationId xmlns:a16="http://schemas.microsoft.com/office/drawing/2014/main" id="{7C8D4FAE-61AD-B786-C139-AA543795008B}"/>
+                <a16:creationId xmlns:a16="http://schemas.microsoft.com/office/drawing/2014/main" id="{50214DB3-FFFC-25C1-36FE-D123522FB8AF}"/>
               </a:ext>
             </a:extLst>
           </p:cNvPr>
@@ -5032,36 +7662,27 @@
         </p:nvSpPr>
         <p:spPr>
           <a:xfrm>
-            <a:off x="838200" y="373077"/>
-            <a:ext cx="10515600" cy="1325563"/>
+            <a:off x="318977" y="232110"/>
+            <a:ext cx="3199518" cy="955334"/>
           </a:xfrm>
         </p:spPr>
         <p:txBody>
-          <a:bodyPr>
-            <a:normAutofit/>
-          </a:bodyPr>
+          <a:bodyPr/>
           <a:lstStyle/>
           <a:p>
             <a:r>
               <a:rPr lang="en-GB" dirty="0"/>
-              <a:t>VIF analysis</a:t>
-            </a:r>
-            <a:br>
-              <a:rPr lang="en-GB" dirty="0"/>
-            </a:br>
-            <a:r>
-              <a:rPr lang="en-GB" sz="1600" dirty="0"/>
-              <a:t>Checking multi collinearity among independent variable</a:t>
+              <a:t>Automated</a:t>
             </a:r>
           </a:p>
         </p:txBody>
       </p:sp>
       <p:pic>
         <p:nvPicPr>
-          <p:cNvPr id="5" name="Picture 4" descr="A picture containing text, screenshot, font, number&#10;&#10;Description automatically generated">
-            <a:extLst>
-              <a:ext uri="{FF2B5EF4-FFF2-40B4-BE49-F238E27FC236}">
-                <a16:creationId xmlns:a16="http://schemas.microsoft.com/office/drawing/2014/main" id="{7AFE5CEA-4B9C-E32B-5A16-6C3A54BF4B7A}"/>
+          <p:cNvPr id="7" name="Picture 6">
+            <a:extLst>
+              <a:ext uri="{FF2B5EF4-FFF2-40B4-BE49-F238E27FC236}">
+                <a16:creationId xmlns:a16="http://schemas.microsoft.com/office/drawing/2014/main" id="{87EAC165-2BE2-E294-6A4B-300535E1DB23}"/>
               </a:ext>
             </a:extLst>
           </p:cNvPr>
@@ -5070,111 +7691,26 @@
           </p:cNvPicPr>
           <p:nvPr/>
         </p:nvPicPr>
-        <p:blipFill rotWithShape="1">
-          <a:blip r:embed="rId2">
-            <a:extLst>
-              <a:ext uri="{28A0092B-C50C-407E-A947-70E740481C1C}">
-                <a14:useLocalDpi xmlns:a14="http://schemas.microsoft.com/office/drawing/2010/main" val="0"/>
-              </a:ext>
-            </a:extLst>
-          </a:blip>
-          <a:srcRect l="13605"/>
-          <a:stretch/>
+        <p:blipFill>
+          <a:blip r:embed="rId2"/>
+          <a:stretch>
+            <a:fillRect/>
+          </a:stretch>
         </p:blipFill>
         <p:spPr>
           <a:xfrm>
-            <a:off x="1081377" y="1904577"/>
-            <a:ext cx="4266866" cy="3632238"/>
+            <a:off x="3680832" y="593041"/>
+            <a:ext cx="4519052" cy="6119390"/>
           </a:xfrm>
           <a:prstGeom prst="rect">
             <a:avLst/>
           </a:prstGeom>
         </p:spPr>
       </p:pic>
-      <p:sp>
-        <p:nvSpPr>
-          <p:cNvPr id="6" name="TextBox 5">
-            <a:extLst>
-              <a:ext uri="{FF2B5EF4-FFF2-40B4-BE49-F238E27FC236}">
-                <a16:creationId xmlns:a16="http://schemas.microsoft.com/office/drawing/2014/main" id="{33916888-8A52-6209-D389-37B8D2F66E6B}"/>
-              </a:ext>
-            </a:extLst>
-          </p:cNvPr>
-          <p:cNvSpPr txBox="1"/>
-          <p:nvPr/>
-        </p:nvSpPr>
-        <p:spPr>
-          <a:xfrm>
-            <a:off x="7349657" y="474345"/>
-            <a:ext cx="3646997" cy="5909310"/>
-          </a:xfrm>
-          <a:prstGeom prst="rect">
-            <a:avLst/>
-          </a:prstGeom>
-          <a:noFill/>
-        </p:spPr>
-        <p:txBody>
-          <a:bodyPr wrap="square" rtlCol="0">
-            <a:spAutoFit/>
-          </a:bodyPr>
-          <a:lstStyle/>
-          <a:p>
-            <a:r>
-              <a:rPr lang="en-GB" dirty="0"/>
-              <a:t>Collinearity among the variables are high. Variables with high VIF means that variables can be predicted by other variables in the in the frame as well.</a:t>
-            </a:r>
-          </a:p>
-          <a:p>
-            <a:endParaRPr lang="en-GB" dirty="0"/>
-          </a:p>
-          <a:p>
-            <a:r>
-              <a:rPr lang="en-GB" dirty="0"/>
-              <a:t>We should drop the variable with high VIF, so that model can generalize the coefficient better. </a:t>
-            </a:r>
-          </a:p>
-          <a:p>
-            <a:endParaRPr lang="en-GB" dirty="0"/>
-          </a:p>
-          <a:p>
-            <a:pPr marL="342900" indent="-342900">
-              <a:buAutoNum type="arabicPeriod"/>
-            </a:pPr>
-            <a:r>
-              <a:rPr lang="en-GB" dirty="0"/>
-              <a:t>Heart Mass and CMR are highly corelated because CMR is a derived feature from heart mass</a:t>
-            </a:r>
-          </a:p>
-          <a:p>
-            <a:pPr marL="342900" indent="-342900">
-              <a:buAutoNum type="arabicPeriod"/>
-            </a:pPr>
-            <a:endParaRPr lang="en-GB" dirty="0"/>
-          </a:p>
-          <a:p>
-            <a:pPr marL="342900" indent="-342900">
-              <a:buAutoNum type="arabicPeriod"/>
-            </a:pPr>
-            <a:r>
-              <a:rPr lang="en-GB" dirty="0"/>
-              <a:t>Abdominal perimeter and thorax perimeter. During breathing the perimeter of thorax and abdomen kind of depends of diaphragm contraction and relaxation.</a:t>
-            </a:r>
-          </a:p>
-          <a:p>
-            <a:pPr marL="342900" indent="-342900">
-              <a:buAutoNum type="arabicPeriod"/>
-            </a:pPr>
-            <a:r>
-              <a:rPr lang="en-GB" dirty="0"/>
-              <a:t>BMI depends on the age as well</a:t>
-            </a:r>
-          </a:p>
-        </p:txBody>
-      </p:sp>
     </p:spTree>
     <p:extLst>
       <p:ext uri="{BB962C8B-B14F-4D97-AF65-F5344CB8AC3E}">
-        <p14:creationId xmlns:p14="http://schemas.microsoft.com/office/powerpoint/2010/main" val="2613499223"/>
+        <p14:creationId xmlns:p14="http://schemas.microsoft.com/office/powerpoint/2010/main" val="967963474"/>
       </p:ext>
     </p:extLst>
   </p:cSld>
@@ -5184,17 +7720,9 @@
 </p:sld>
 </file>
 
-<file path=ppt/slides/slide3.xml><?xml version="1.0" encoding="utf-8"?>
+<file path=ppt/slides/slide23.xml><?xml version="1.0" encoding="utf-8"?>
 <p:sld xmlns:a="http://schemas.openxmlformats.org/drawingml/2006/main" xmlns:r="http://schemas.openxmlformats.org/officeDocument/2006/relationships" xmlns:p="http://schemas.openxmlformats.org/presentationml/2006/main">
   <p:cSld>
-    <p:bg>
-      <p:bgPr>
-        <a:solidFill>
-          <a:schemeClr val="bg1"/>
-        </a:solidFill>
-        <a:effectLst/>
-      </p:bgPr>
-    </p:bg>
     <p:spTree>
       <p:nvGrpSpPr>
         <p:cNvPr id="1" name=""/>
@@ -5209,12 +7737,45 @@
           <a:chExt cx="0" cy="0"/>
         </a:xfrm>
       </p:grpSpPr>
+      <p:sp>
+        <p:nvSpPr>
+          <p:cNvPr id="2" name="Title 1">
+            <a:extLst>
+              <a:ext uri="{FF2B5EF4-FFF2-40B4-BE49-F238E27FC236}">
+                <a16:creationId xmlns:a16="http://schemas.microsoft.com/office/drawing/2014/main" id="{50214DB3-FFFC-25C1-36FE-D123522FB8AF}"/>
+              </a:ext>
+            </a:extLst>
+          </p:cNvPr>
+          <p:cNvSpPr>
+            <a:spLocks noGrp="1"/>
+          </p:cNvSpPr>
+          <p:nvPr>
+            <p:ph type="title"/>
+          </p:nvPr>
+        </p:nvSpPr>
+        <p:spPr>
+          <a:xfrm>
+            <a:off x="318977" y="232110"/>
+            <a:ext cx="3199518" cy="955334"/>
+          </a:xfrm>
+        </p:spPr>
+        <p:txBody>
+          <a:bodyPr/>
+          <a:lstStyle/>
+          <a:p>
+            <a:r>
+              <a:rPr lang="en-GB" dirty="0"/>
+              <a:t>Automated</a:t>
+            </a:r>
+          </a:p>
+        </p:txBody>
+      </p:sp>
       <p:pic>
         <p:nvPicPr>
-          <p:cNvPr id="5" name="Picture 4" descr="A picture containing text, screenshot&#10;&#10;Description automatically generated">
-            <a:extLst>
-              <a:ext uri="{FF2B5EF4-FFF2-40B4-BE49-F238E27FC236}">
-                <a16:creationId xmlns:a16="http://schemas.microsoft.com/office/drawing/2014/main" id="{B5B5691C-F745-4169-B481-9386E4B8F23B}"/>
+          <p:cNvPr id="7" name="Picture 6">
+            <a:extLst>
+              <a:ext uri="{FF2B5EF4-FFF2-40B4-BE49-F238E27FC236}">
+                <a16:creationId xmlns:a16="http://schemas.microsoft.com/office/drawing/2014/main" id="{3D3734B2-212B-5A5A-6264-2F94D3DFD803}"/>
               </a:ext>
             </a:extLst>
           </p:cNvPr>
@@ -5224,21 +7785,15 @@
           <p:nvPr/>
         </p:nvPicPr>
         <p:blipFill>
-          <a:blip r:embed="rId2">
-            <a:extLst>
-              <a:ext uri="{28A0092B-C50C-407E-A947-70E740481C1C}">
-                <a14:useLocalDpi xmlns:a14="http://schemas.microsoft.com/office/drawing/2010/main" val="0"/>
-              </a:ext>
-            </a:extLst>
-          </a:blip>
+          <a:blip r:embed="rId2"/>
           <a:stretch>
             <a:fillRect/>
           </a:stretch>
         </p:blipFill>
         <p:spPr>
           <a:xfrm>
-            <a:off x="2657070" y="643466"/>
-            <a:ext cx="6877860" cy="5571067"/>
+            <a:off x="3885251" y="1050245"/>
+            <a:ext cx="4490264" cy="4951966"/>
           </a:xfrm>
           <a:prstGeom prst="rect">
             <a:avLst/>
@@ -5247,10 +7802,10 @@
       </p:pic>
       <p:sp>
         <p:nvSpPr>
-          <p:cNvPr id="6" name="TextBox 5">
-            <a:extLst>
-              <a:ext uri="{FF2B5EF4-FFF2-40B4-BE49-F238E27FC236}">
-                <a16:creationId xmlns:a16="http://schemas.microsoft.com/office/drawing/2014/main" id="{72BFB496-87FD-F5ED-F5B5-5AD7C82E9B63}"/>
+          <p:cNvPr id="8" name="TextBox 7">
+            <a:extLst>
+              <a:ext uri="{FF2B5EF4-FFF2-40B4-BE49-F238E27FC236}">
+                <a16:creationId xmlns:a16="http://schemas.microsoft.com/office/drawing/2014/main" id="{962A898C-1A6E-BD00-2290-84D5776717A0}"/>
               </a:ext>
             </a:extLst>
           </p:cNvPr>
@@ -5259,8 +7814,8 @@
         </p:nvSpPr>
         <p:spPr>
           <a:xfrm>
-            <a:off x="1558456" y="5748793"/>
-            <a:ext cx="3633746" cy="369332"/>
+            <a:off x="8220269" y="2948473"/>
+            <a:ext cx="2192694" cy="369332"/>
           </a:xfrm>
           <a:prstGeom prst="rect">
             <a:avLst/>
@@ -5275,7 +7830,7 @@
           <a:p>
             <a:r>
               <a:rPr lang="en-GB" dirty="0"/>
-              <a:t>Pearson correlation among variables</a:t>
+              <a:t>Correct Prediction</a:t>
             </a:r>
           </a:p>
         </p:txBody>
@@ -5283,7 +7838,96 @@
     </p:spTree>
     <p:extLst>
       <p:ext uri="{BB962C8B-B14F-4D97-AF65-F5344CB8AC3E}">
-        <p14:creationId xmlns:p14="http://schemas.microsoft.com/office/powerpoint/2010/main" val="1542791737"/>
+        <p14:creationId xmlns:p14="http://schemas.microsoft.com/office/powerpoint/2010/main" val="601654064"/>
+      </p:ext>
+    </p:extLst>
+  </p:cSld>
+  <p:clrMapOvr>
+    <a:masterClrMapping/>
+  </p:clrMapOvr>
+</p:sld>
+</file>
+
+<file path=ppt/slides/slide3.xml><?xml version="1.0" encoding="utf-8"?>
+<p:sld xmlns:a="http://schemas.openxmlformats.org/drawingml/2006/main" xmlns:r="http://schemas.openxmlformats.org/officeDocument/2006/relationships" xmlns:p="http://schemas.openxmlformats.org/presentationml/2006/main">
+  <p:cSld>
+    <p:spTree>
+      <p:nvGrpSpPr>
+        <p:cNvPr id="1" name=""/>
+        <p:cNvGrpSpPr/>
+        <p:nvPr/>
+      </p:nvGrpSpPr>
+      <p:grpSpPr>
+        <a:xfrm>
+          <a:off x="0" y="0"/>
+          <a:ext cx="0" cy="0"/>
+          <a:chOff x="0" y="0"/>
+          <a:chExt cx="0" cy="0"/>
+        </a:xfrm>
+      </p:grpSpPr>
+      <p:sp>
+        <p:nvSpPr>
+          <p:cNvPr id="2" name="Title 1">
+            <a:extLst>
+              <a:ext uri="{FF2B5EF4-FFF2-40B4-BE49-F238E27FC236}">
+                <a16:creationId xmlns:a16="http://schemas.microsoft.com/office/drawing/2014/main" id="{2A2800FD-EAA0-6206-4EC4-46D198004374}"/>
+              </a:ext>
+            </a:extLst>
+          </p:cNvPr>
+          <p:cNvSpPr>
+            <a:spLocks noGrp="1"/>
+          </p:cNvSpPr>
+          <p:nvPr>
+            <p:ph type="title"/>
+          </p:nvPr>
+        </p:nvSpPr>
+        <p:spPr/>
+        <p:txBody>
+          <a:bodyPr/>
+          <a:lstStyle/>
+          <a:p>
+            <a:r>
+              <a:rPr lang="en-GB" dirty="0"/>
+              <a:t>With Decision Tree</a:t>
+            </a:r>
+          </a:p>
+        </p:txBody>
+      </p:sp>
+      <p:sp>
+        <p:nvSpPr>
+          <p:cNvPr id="3" name="Content Placeholder 2">
+            <a:extLst>
+              <a:ext uri="{FF2B5EF4-FFF2-40B4-BE49-F238E27FC236}">
+                <a16:creationId xmlns:a16="http://schemas.microsoft.com/office/drawing/2014/main" id="{BCFEE5FC-67E8-C70A-D7A4-D6778BA1B818}"/>
+              </a:ext>
+            </a:extLst>
+          </p:cNvPr>
+          <p:cNvSpPr>
+            <a:spLocks noGrp="1"/>
+          </p:cNvSpPr>
+          <p:nvPr>
+            <p:ph idx="1"/>
+          </p:nvPr>
+        </p:nvSpPr>
+        <p:spPr/>
+        <p:txBody>
+          <a:bodyPr/>
+          <a:lstStyle/>
+          <a:p>
+            <a:r>
+              <a:rPr lang="en-GB" dirty="0"/>
+              <a:t>CMR is not considered in decision tree for prediction as by the splitting criteria</a:t>
+            </a:r>
+          </a:p>
+          <a:p>
+            <a:endParaRPr lang="en-GB" dirty="0"/>
+          </a:p>
+        </p:txBody>
+      </p:sp>
+    </p:spTree>
+    <p:extLst>
+      <p:ext uri="{BB962C8B-B14F-4D97-AF65-F5344CB8AC3E}">
+        <p14:creationId xmlns:p14="http://schemas.microsoft.com/office/powerpoint/2010/main" val="821891926"/>
       </p:ext>
     </p:extLst>
   </p:cSld>
@@ -5294,6 +7938,69 @@
 </file>
 
 <file path=ppt/slides/slide4.xml><?xml version="1.0" encoding="utf-8"?>
+<p:sld xmlns:a="http://schemas.openxmlformats.org/drawingml/2006/main" xmlns:r="http://schemas.openxmlformats.org/officeDocument/2006/relationships" xmlns:p="http://schemas.openxmlformats.org/presentationml/2006/main">
+  <p:cSld>
+    <p:spTree>
+      <p:nvGrpSpPr>
+        <p:cNvPr id="1" name=""/>
+        <p:cNvGrpSpPr/>
+        <p:nvPr/>
+      </p:nvGrpSpPr>
+      <p:grpSpPr>
+        <a:xfrm>
+          <a:off x="0" y="0"/>
+          <a:ext cx="0" cy="0"/>
+          <a:chOff x="0" y="0"/>
+          <a:chExt cx="0" cy="0"/>
+        </a:xfrm>
+      </p:grpSpPr>
+      <p:sp>
+        <p:nvSpPr>
+          <p:cNvPr id="2" name="Title 1">
+            <a:extLst>
+              <a:ext uri="{FF2B5EF4-FFF2-40B4-BE49-F238E27FC236}">
+                <a16:creationId xmlns:a16="http://schemas.microsoft.com/office/drawing/2014/main" id="{46FD24DF-E69B-622D-B39E-3A28E66930C4}"/>
+              </a:ext>
+            </a:extLst>
+          </p:cNvPr>
+          <p:cNvSpPr>
+            <a:spLocks noGrp="1"/>
+          </p:cNvSpPr>
+          <p:nvPr>
+            <p:ph type="title"/>
+          </p:nvPr>
+        </p:nvSpPr>
+        <p:spPr>
+          <a:xfrm>
+            <a:off x="3843793" y="1462405"/>
+            <a:ext cx="4361953" cy="1325563"/>
+          </a:xfrm>
+        </p:spPr>
+        <p:txBody>
+          <a:bodyPr/>
+          <a:lstStyle/>
+          <a:p>
+            <a:r>
+              <a:rPr lang="en-GB" dirty="0"/>
+              <a:t>Clinically Relevant</a:t>
+            </a:r>
+          </a:p>
+        </p:txBody>
+      </p:sp>
+    </p:spTree>
+    <p:extLst>
+      <p:ext uri="{BB962C8B-B14F-4D97-AF65-F5344CB8AC3E}">
+        <p14:creationId xmlns:p14="http://schemas.microsoft.com/office/powerpoint/2010/main" val="926982687"/>
+      </p:ext>
+    </p:extLst>
+  </p:cSld>
+  <p:clrMapOvr>
+    <a:masterClrMapping/>
+  </p:clrMapOvr>
+</p:sld>
+</file>
+
+<file path=ppt/slides/slide5.xml><?xml version="1.0" encoding="utf-8"?>
 <p:sld xmlns:a="http://schemas.openxmlformats.org/drawingml/2006/main" xmlns:r="http://schemas.openxmlformats.org/officeDocument/2006/relationships" xmlns:p="http://schemas.openxmlformats.org/presentationml/2006/main">
   <p:cSld>
     <p:spTree>
@@ -5808,7 +8515,235 @@
 </p:sld>
 </file>
 
-<file path=ppt/slides/slide5.xml><?xml version="1.0" encoding="utf-8"?>
+<file path=ppt/slides/slide6.xml><?xml version="1.0" encoding="utf-8"?>
+<p:sld xmlns:a="http://schemas.openxmlformats.org/drawingml/2006/main" xmlns:r="http://schemas.openxmlformats.org/officeDocument/2006/relationships" xmlns:p="http://schemas.openxmlformats.org/presentationml/2006/main">
+  <p:cSld>
+    <p:spTree>
+      <p:nvGrpSpPr>
+        <p:cNvPr id="1" name=""/>
+        <p:cNvGrpSpPr/>
+        <p:nvPr/>
+      </p:nvGrpSpPr>
+      <p:grpSpPr>
+        <a:xfrm>
+          <a:off x="0" y="0"/>
+          <a:ext cx="0" cy="0"/>
+          <a:chOff x="0" y="0"/>
+          <a:chExt cx="0" cy="0"/>
+        </a:xfrm>
+      </p:grpSpPr>
+      <p:sp>
+        <p:nvSpPr>
+          <p:cNvPr id="2" name="Title 1">
+            <a:extLst>
+              <a:ext uri="{FF2B5EF4-FFF2-40B4-BE49-F238E27FC236}">
+                <a16:creationId xmlns:a16="http://schemas.microsoft.com/office/drawing/2014/main" id="{50214DB3-FFFC-25C1-36FE-D123522FB8AF}"/>
+              </a:ext>
+            </a:extLst>
+          </p:cNvPr>
+          <p:cNvSpPr>
+            <a:spLocks noGrp="1"/>
+          </p:cNvSpPr>
+          <p:nvPr>
+            <p:ph type="title"/>
+          </p:nvPr>
+        </p:nvSpPr>
+        <p:spPr>
+          <a:xfrm>
+            <a:off x="390727" y="460435"/>
+            <a:ext cx="10515600" cy="1115446"/>
+          </a:xfrm>
+        </p:spPr>
+        <p:txBody>
+          <a:bodyPr/>
+          <a:lstStyle/>
+          <a:p>
+            <a:r>
+              <a:rPr lang="en-GB" dirty="0"/>
+              <a:t>Clinical relevant with Heart Mass</a:t>
+            </a:r>
+          </a:p>
+        </p:txBody>
+      </p:sp>
+      <p:pic>
+        <p:nvPicPr>
+          <p:cNvPr id="4" name="Picture 3" descr="A diagram of a number of samples&#10;&#10;Description automatically generated">
+            <a:extLst>
+              <a:ext uri="{FF2B5EF4-FFF2-40B4-BE49-F238E27FC236}">
+                <a16:creationId xmlns:a16="http://schemas.microsoft.com/office/drawing/2014/main" id="{5AFA8725-F6C2-DA1D-82DC-9BBD45A90AB5}"/>
+              </a:ext>
+            </a:extLst>
+          </p:cNvPr>
+          <p:cNvPicPr>
+            <a:picLocks noChangeAspect="1"/>
+          </p:cNvPicPr>
+          <p:nvPr/>
+        </p:nvPicPr>
+        <p:blipFill>
+          <a:blip r:embed="rId2">
+            <a:extLst>
+              <a:ext uri="{28A0092B-C50C-407E-A947-70E740481C1C}">
+                <a14:useLocalDpi xmlns:a14="http://schemas.microsoft.com/office/drawing/2010/main" val="0"/>
+              </a:ext>
+            </a:extLst>
+          </a:blip>
+          <a:stretch>
+            <a:fillRect/>
+          </a:stretch>
+        </p:blipFill>
+        <p:spPr>
+          <a:xfrm>
+            <a:off x="3322079" y="1866729"/>
+            <a:ext cx="4200939" cy="4599104"/>
+          </a:xfrm>
+          <a:prstGeom prst="rect">
+            <a:avLst/>
+          </a:prstGeom>
+        </p:spPr>
+      </p:pic>
+    </p:spTree>
+    <p:extLst>
+      <p:ext uri="{BB962C8B-B14F-4D97-AF65-F5344CB8AC3E}">
+        <p14:creationId xmlns:p14="http://schemas.microsoft.com/office/powerpoint/2010/main" val="2755410588"/>
+      </p:ext>
+    </p:extLst>
+  </p:cSld>
+  <p:clrMapOvr>
+    <a:masterClrMapping/>
+  </p:clrMapOvr>
+</p:sld>
+</file>
+
+<file path=ppt/slides/slide7.xml><?xml version="1.0" encoding="utf-8"?>
+<p:sld xmlns:a="http://schemas.openxmlformats.org/drawingml/2006/main" xmlns:r="http://schemas.openxmlformats.org/officeDocument/2006/relationships" xmlns:p="http://schemas.openxmlformats.org/presentationml/2006/main">
+  <p:cSld>
+    <p:spTree>
+      <p:nvGrpSpPr>
+        <p:cNvPr id="1" name=""/>
+        <p:cNvGrpSpPr/>
+        <p:nvPr/>
+      </p:nvGrpSpPr>
+      <p:grpSpPr>
+        <a:xfrm>
+          <a:off x="0" y="0"/>
+          <a:ext cx="0" cy="0"/>
+          <a:chOff x="0" y="0"/>
+          <a:chExt cx="0" cy="0"/>
+        </a:xfrm>
+      </p:grpSpPr>
+      <p:sp>
+        <p:nvSpPr>
+          <p:cNvPr id="2" name="Title 1">
+            <a:extLst>
+              <a:ext uri="{FF2B5EF4-FFF2-40B4-BE49-F238E27FC236}">
+                <a16:creationId xmlns:a16="http://schemas.microsoft.com/office/drawing/2014/main" id="{50214DB3-FFFC-25C1-36FE-D123522FB8AF}"/>
+              </a:ext>
+            </a:extLst>
+          </p:cNvPr>
+          <p:cNvSpPr>
+            <a:spLocks noGrp="1"/>
+          </p:cNvSpPr>
+          <p:nvPr>
+            <p:ph type="title"/>
+          </p:nvPr>
+        </p:nvSpPr>
+        <p:spPr/>
+        <p:txBody>
+          <a:bodyPr/>
+          <a:lstStyle/>
+          <a:p>
+            <a:r>
+              <a:rPr lang="en-GB" dirty="0"/>
+              <a:t>Clinical relevant with Heart Mass</a:t>
+            </a:r>
+          </a:p>
+        </p:txBody>
+      </p:sp>
+      <p:pic>
+        <p:nvPicPr>
+          <p:cNvPr id="7" name="Picture 6" descr="A screenshot of a graph&#10;&#10;Description automatically generated">
+            <a:extLst>
+              <a:ext uri="{FF2B5EF4-FFF2-40B4-BE49-F238E27FC236}">
+                <a16:creationId xmlns:a16="http://schemas.microsoft.com/office/drawing/2014/main" id="{7E9C4DC5-1C10-EA56-A098-DDD143154AE8}"/>
+              </a:ext>
+            </a:extLst>
+          </p:cNvPr>
+          <p:cNvPicPr>
+            <a:picLocks noChangeAspect="1"/>
+          </p:cNvPicPr>
+          <p:nvPr/>
+        </p:nvPicPr>
+        <p:blipFill>
+          <a:blip r:embed="rId2">
+            <a:extLst>
+              <a:ext uri="{28A0092B-C50C-407E-A947-70E740481C1C}">
+                <a14:useLocalDpi xmlns:a14="http://schemas.microsoft.com/office/drawing/2010/main" val="0"/>
+              </a:ext>
+            </a:extLst>
+          </a:blip>
+          <a:stretch>
+            <a:fillRect/>
+          </a:stretch>
+        </p:blipFill>
+        <p:spPr>
+          <a:xfrm>
+            <a:off x="2914374" y="1780600"/>
+            <a:ext cx="4785837" cy="4917663"/>
+          </a:xfrm>
+          <a:prstGeom prst="rect">
+            <a:avLst/>
+          </a:prstGeom>
+        </p:spPr>
+      </p:pic>
+      <p:sp>
+        <p:nvSpPr>
+          <p:cNvPr id="8" name="TextBox 7">
+            <a:extLst>
+              <a:ext uri="{FF2B5EF4-FFF2-40B4-BE49-F238E27FC236}">
+                <a16:creationId xmlns:a16="http://schemas.microsoft.com/office/drawing/2014/main" id="{53A8B9CE-3FFF-2B7C-941B-4E3B5A20FBFC}"/>
+              </a:ext>
+            </a:extLst>
+          </p:cNvPr>
+          <p:cNvSpPr txBox="1"/>
+          <p:nvPr/>
+        </p:nvSpPr>
+        <p:spPr>
+          <a:xfrm>
+            <a:off x="8220269" y="2948473"/>
+            <a:ext cx="1996751" cy="369332"/>
+          </a:xfrm>
+          <a:prstGeom prst="rect">
+            <a:avLst/>
+          </a:prstGeom>
+          <a:noFill/>
+        </p:spPr>
+        <p:txBody>
+          <a:bodyPr wrap="square" rtlCol="0">
+            <a:spAutoFit/>
+          </a:bodyPr>
+          <a:lstStyle/>
+          <a:p>
+            <a:r>
+              <a:rPr lang="en-GB" dirty="0"/>
+              <a:t>Correct prediction</a:t>
+            </a:r>
+          </a:p>
+        </p:txBody>
+      </p:sp>
+    </p:spTree>
+    <p:extLst>
+      <p:ext uri="{BB962C8B-B14F-4D97-AF65-F5344CB8AC3E}">
+        <p14:creationId xmlns:p14="http://schemas.microsoft.com/office/powerpoint/2010/main" val="2260787503"/>
+      </p:ext>
+    </p:extLst>
+  </p:cSld>
+  <p:clrMapOvr>
+    <a:masterClrMapping/>
+  </p:clrMapOvr>
+</p:sld>
+</file>
+
+<file path=ppt/slides/slide8.xml><?xml version="1.0" encoding="utf-8"?>
 <p:sld xmlns:a="http://schemas.openxmlformats.org/drawingml/2006/main" xmlns:r="http://schemas.openxmlformats.org/officeDocument/2006/relationships" xmlns:p="http://schemas.openxmlformats.org/presentationml/2006/main">
   <p:cSld>
     <p:spTree>
@@ -6323,1120 +9258,6 @@
 </p:sld>
 </file>
 
-<file path=ppt/slides/slide6.xml><?xml version="1.0" encoding="utf-8"?>
-<p:sld xmlns:a="http://schemas.openxmlformats.org/drawingml/2006/main" xmlns:r="http://schemas.openxmlformats.org/officeDocument/2006/relationships" xmlns:p="http://schemas.openxmlformats.org/presentationml/2006/main">
-  <p:cSld>
-    <p:spTree>
-      <p:nvGrpSpPr>
-        <p:cNvPr id="1" name=""/>
-        <p:cNvGrpSpPr/>
-        <p:nvPr/>
-      </p:nvGrpSpPr>
-      <p:grpSpPr>
-        <a:xfrm>
-          <a:off x="0" y="0"/>
-          <a:ext cx="0" cy="0"/>
-          <a:chOff x="0" y="0"/>
-          <a:chExt cx="0" cy="0"/>
-        </a:xfrm>
-      </p:grpSpPr>
-      <p:sp>
-        <p:nvSpPr>
-          <p:cNvPr id="3" name="Title 1">
-            <a:extLst>
-              <a:ext uri="{FF2B5EF4-FFF2-40B4-BE49-F238E27FC236}">
-                <a16:creationId xmlns:a16="http://schemas.microsoft.com/office/drawing/2014/main" id="{275E8E4E-BDFB-C8B6-F698-A72D81C7C0BB}"/>
-              </a:ext>
-            </a:extLst>
-          </p:cNvPr>
-          <p:cNvSpPr txBox="1">
-            <a:spLocks/>
-          </p:cNvSpPr>
-          <p:nvPr/>
-        </p:nvSpPr>
-        <p:spPr>
-          <a:xfrm>
-            <a:off x="3064565" y="2617334"/>
-            <a:ext cx="4751568" cy="811666"/>
-          </a:xfrm>
-          <a:prstGeom prst="rect">
-            <a:avLst/>
-          </a:prstGeom>
-        </p:spPr>
-        <p:txBody>
-          <a:bodyPr vert="horz" lIns="91440" tIns="45720" rIns="91440" bIns="45720" rtlCol="0" anchor="ctr">
-            <a:normAutofit/>
-          </a:bodyPr>
-          <a:lstStyle>
-            <a:lvl1pPr algn="l" defTabSz="914400" rtl="0" eaLnBrk="1" latinLnBrk="0" hangingPunct="1">
-              <a:lnSpc>
-                <a:spcPct val="90000"/>
-              </a:lnSpc>
-              <a:spcBef>
-                <a:spcPct val="0"/>
-              </a:spcBef>
-              <a:buNone/>
-              <a:defRPr sz="4400" kern="1200">
-                <a:solidFill>
-                  <a:schemeClr val="tx1"/>
-                </a:solidFill>
-                <a:latin typeface="+mj-lt"/>
-                <a:ea typeface="+mj-ea"/>
-                <a:cs typeface="+mj-cs"/>
-              </a:defRPr>
-            </a:lvl1pPr>
-          </a:lstStyle>
-          <a:p>
-            <a:r>
-              <a:rPr lang="en-GB" dirty="0"/>
-              <a:t>Significant variable</a:t>
-            </a:r>
-          </a:p>
-        </p:txBody>
-      </p:sp>
-    </p:spTree>
-    <p:extLst>
-      <p:ext uri="{BB962C8B-B14F-4D97-AF65-F5344CB8AC3E}">
-        <p14:creationId xmlns:p14="http://schemas.microsoft.com/office/powerpoint/2010/main" val="1155832797"/>
-      </p:ext>
-    </p:extLst>
-  </p:cSld>
-  <p:clrMapOvr>
-    <a:masterClrMapping/>
-  </p:clrMapOvr>
-</p:sld>
-</file>
-
-<file path=ppt/slides/slide7.xml><?xml version="1.0" encoding="utf-8"?>
-<p:sld xmlns:a="http://schemas.openxmlformats.org/drawingml/2006/main" xmlns:r="http://schemas.openxmlformats.org/officeDocument/2006/relationships" xmlns:p="http://schemas.openxmlformats.org/presentationml/2006/main">
-  <p:cSld>
-    <p:spTree>
-      <p:nvGrpSpPr>
-        <p:cNvPr id="1" name=""/>
-        <p:cNvGrpSpPr/>
-        <p:nvPr/>
-      </p:nvGrpSpPr>
-      <p:grpSpPr>
-        <a:xfrm>
-          <a:off x="0" y="0"/>
-          <a:ext cx="0" cy="0"/>
-          <a:chOff x="0" y="0"/>
-          <a:chExt cx="0" cy="0"/>
-        </a:xfrm>
-      </p:grpSpPr>
-      <p:sp>
-        <p:nvSpPr>
-          <p:cNvPr id="2" name="Title 1">
-            <a:extLst>
-              <a:ext uri="{FF2B5EF4-FFF2-40B4-BE49-F238E27FC236}">
-                <a16:creationId xmlns:a16="http://schemas.microsoft.com/office/drawing/2014/main" id="{46FD24DF-E69B-622D-B39E-3A28E66930C4}"/>
-              </a:ext>
-            </a:extLst>
-          </p:cNvPr>
-          <p:cNvSpPr>
-            <a:spLocks noGrp="1"/>
-          </p:cNvSpPr>
-          <p:nvPr>
-            <p:ph type="title"/>
-          </p:nvPr>
-        </p:nvSpPr>
-        <p:spPr>
-          <a:xfrm>
-            <a:off x="818984" y="1120932"/>
-            <a:ext cx="1240403" cy="644056"/>
-          </a:xfrm>
-        </p:spPr>
-        <p:txBody>
-          <a:bodyPr>
-            <a:normAutofit fontScale="90000"/>
-          </a:bodyPr>
-          <a:lstStyle/>
-          <a:p>
-            <a:r>
-              <a:rPr lang="en-GB" dirty="0"/>
-              <a:t>CMR</a:t>
-            </a:r>
-          </a:p>
-        </p:txBody>
-      </p:sp>
-      <p:pic>
-        <p:nvPicPr>
-          <p:cNvPr id="4" name="Picture 3" descr="A picture containing text, screenshot, diagram, line&#10;&#10;Description automatically generated">
-            <a:extLst>
-              <a:ext uri="{FF2B5EF4-FFF2-40B4-BE49-F238E27FC236}">
-                <a16:creationId xmlns:a16="http://schemas.microsoft.com/office/drawing/2014/main" id="{547C2782-5447-BFC5-CF2C-E2AA3F08AA81}"/>
-              </a:ext>
-            </a:extLst>
-          </p:cNvPr>
-          <p:cNvPicPr>
-            <a:picLocks noChangeAspect="1"/>
-          </p:cNvPicPr>
-          <p:nvPr/>
-        </p:nvPicPr>
-        <p:blipFill>
-          <a:blip r:embed="rId2">
-            <a:extLst>
-              <a:ext uri="{28A0092B-C50C-407E-A947-70E740481C1C}">
-                <a14:useLocalDpi xmlns:a14="http://schemas.microsoft.com/office/drawing/2010/main" val="0"/>
-              </a:ext>
-            </a:extLst>
-          </a:blip>
-          <a:stretch>
-            <a:fillRect/>
-          </a:stretch>
-        </p:blipFill>
-        <p:spPr>
-          <a:xfrm>
-            <a:off x="384969" y="2183686"/>
-            <a:ext cx="4605320" cy="3453990"/>
-          </a:xfrm>
-          <a:prstGeom prst="rect">
-            <a:avLst/>
-          </a:prstGeom>
-        </p:spPr>
-      </p:pic>
-      <p:graphicFrame>
-        <p:nvGraphicFramePr>
-          <p:cNvPr id="7" name="Table 10">
-            <a:extLst>
-              <a:ext uri="{FF2B5EF4-FFF2-40B4-BE49-F238E27FC236}">
-                <a16:creationId xmlns:a16="http://schemas.microsoft.com/office/drawing/2014/main" id="{015B6EE4-FB67-3D06-7439-73150A4D914D}"/>
-              </a:ext>
-            </a:extLst>
-          </p:cNvPr>
-          <p:cNvGraphicFramePr>
-            <a:graphicFrameLocks noGrp="1"/>
-          </p:cNvGraphicFramePr>
-          <p:nvPr>
-            <p:extLst>
-              <p:ext uri="{D42A27DB-BD31-4B8C-83A1-F6EECF244321}">
-                <p14:modId xmlns:p14="http://schemas.microsoft.com/office/powerpoint/2010/main" val="3357279134"/>
-              </p:ext>
-            </p:extLst>
-          </p:nvPr>
-        </p:nvGraphicFramePr>
-        <p:xfrm>
-          <a:off x="6500465" y="3429000"/>
-          <a:ext cx="4408557" cy="2560320"/>
-        </p:xfrm>
-        <a:graphic>
-          <a:graphicData uri="http://schemas.openxmlformats.org/drawingml/2006/table">
-            <a:tbl>
-              <a:tblPr firstRow="1" bandRow="1">
-                <a:tableStyleId>{5C22544A-7EE6-4342-B048-85BDC9FD1C3A}</a:tableStyleId>
-              </a:tblPr>
-              <a:tblGrid>
-                <a:gridCol w="1469519">
-                  <a:extLst>
-                    <a:ext uri="{9D8B030D-6E8A-4147-A177-3AD203B41FA5}">
-                      <a16:colId xmlns:a16="http://schemas.microsoft.com/office/drawing/2014/main" val="3143521419"/>
-                    </a:ext>
-                  </a:extLst>
-                </a:gridCol>
-                <a:gridCol w="1469519">
-                  <a:extLst>
-                    <a:ext uri="{9D8B030D-6E8A-4147-A177-3AD203B41FA5}">
-                      <a16:colId xmlns:a16="http://schemas.microsoft.com/office/drawing/2014/main" val="2214148125"/>
-                    </a:ext>
-                  </a:extLst>
-                </a:gridCol>
-                <a:gridCol w="1469519">
-                  <a:extLst>
-                    <a:ext uri="{9D8B030D-6E8A-4147-A177-3AD203B41FA5}">
-                      <a16:colId xmlns:a16="http://schemas.microsoft.com/office/drawing/2014/main" val="3197330043"/>
-                    </a:ext>
-                  </a:extLst>
-                </a:gridCol>
-              </a:tblGrid>
-              <a:tr h="160929">
-                <a:tc>
-                  <a:txBody>
-                    <a:bodyPr/>
-                    <a:lstStyle/>
-                    <a:p>
-                      <a:r>
-                        <a:rPr lang="en-GB" dirty="0"/>
-                        <a:t>Metrics</a:t>
-                      </a:r>
-                    </a:p>
-                  </a:txBody>
-                  <a:tcPr/>
-                </a:tc>
-                <a:tc>
-                  <a:txBody>
-                    <a:bodyPr/>
-                    <a:lstStyle/>
-                    <a:p>
-                      <a:r>
-                        <a:rPr lang="en-GB" dirty="0"/>
-                        <a:t>Train</a:t>
-                      </a:r>
-                    </a:p>
-                  </a:txBody>
-                  <a:tcPr/>
-                </a:tc>
-                <a:tc>
-                  <a:txBody>
-                    <a:bodyPr/>
-                    <a:lstStyle/>
-                    <a:p>
-                      <a:r>
-                        <a:rPr lang="en-GB" dirty="0"/>
-                        <a:t>Test</a:t>
-                      </a:r>
-                    </a:p>
-                  </a:txBody>
-                  <a:tcPr/>
-                </a:tc>
-                <a:extLst>
-                  <a:ext uri="{0D108BD9-81ED-4DB2-BD59-A6C34878D82A}">
-                    <a16:rowId xmlns:a16="http://schemas.microsoft.com/office/drawing/2014/main" val="1454928843"/>
-                  </a:ext>
-                </a:extLst>
-              </a:tr>
-              <a:tr h="250211">
-                <a:tc>
-                  <a:txBody>
-                    <a:bodyPr/>
-                    <a:lstStyle/>
-                    <a:p>
-                      <a:r>
-                        <a:rPr lang="en-GB" dirty="0"/>
-                        <a:t>Accuracy</a:t>
-                      </a:r>
-                    </a:p>
-                  </a:txBody>
-                  <a:tcPr/>
-                </a:tc>
-                <a:tc>
-                  <a:txBody>
-                    <a:bodyPr/>
-                    <a:lstStyle/>
-                    <a:p>
-                      <a:r>
-                        <a:rPr lang="en-GB" dirty="0"/>
-                        <a:t>0.72</a:t>
-                      </a:r>
-                    </a:p>
-                  </a:txBody>
-                  <a:tcPr/>
-                </a:tc>
-                <a:tc>
-                  <a:txBody>
-                    <a:bodyPr/>
-                    <a:lstStyle/>
-                    <a:p>
-                      <a:r>
-                        <a:rPr lang="en-GB" dirty="0"/>
-                        <a:t>0.55</a:t>
-                      </a:r>
-                    </a:p>
-                  </a:txBody>
-                  <a:tcPr/>
-                </a:tc>
-                <a:extLst>
-                  <a:ext uri="{0D108BD9-81ED-4DB2-BD59-A6C34878D82A}">
-                    <a16:rowId xmlns:a16="http://schemas.microsoft.com/office/drawing/2014/main" val="2409411029"/>
-                  </a:ext>
-                </a:extLst>
-              </a:tr>
-              <a:tr h="250211">
-                <a:tc>
-                  <a:txBody>
-                    <a:bodyPr/>
-                    <a:lstStyle/>
-                    <a:p>
-                      <a:r>
-                        <a:rPr lang="en-GB" dirty="0"/>
-                        <a:t>F1</a:t>
-                      </a:r>
-                    </a:p>
-                  </a:txBody>
-                  <a:tcPr/>
-                </a:tc>
-                <a:tc>
-                  <a:txBody>
-                    <a:bodyPr/>
-                    <a:lstStyle/>
-                    <a:p>
-                      <a:r>
-                        <a:rPr lang="en-GB" dirty="0"/>
-                        <a:t>0.80</a:t>
-                      </a:r>
-                    </a:p>
-                  </a:txBody>
-                  <a:tcPr/>
-                </a:tc>
-                <a:tc>
-                  <a:txBody>
-                    <a:bodyPr/>
-                    <a:lstStyle/>
-                    <a:p>
-                      <a:r>
-                        <a:rPr lang="en-GB" dirty="0"/>
-                        <a:t>0.68</a:t>
-                      </a:r>
-                    </a:p>
-                  </a:txBody>
-                  <a:tcPr/>
-                </a:tc>
-                <a:extLst>
-                  <a:ext uri="{0D108BD9-81ED-4DB2-BD59-A6C34878D82A}">
-                    <a16:rowId xmlns:a16="http://schemas.microsoft.com/office/drawing/2014/main" val="4031509141"/>
-                  </a:ext>
-                </a:extLst>
-              </a:tr>
-              <a:tr h="250211">
-                <a:tc>
-                  <a:txBody>
-                    <a:bodyPr/>
-                    <a:lstStyle/>
-                    <a:p>
-                      <a:r>
-                        <a:rPr lang="en-GB" dirty="0"/>
-                        <a:t>Recall</a:t>
-                      </a:r>
-                    </a:p>
-                  </a:txBody>
-                  <a:tcPr/>
-                </a:tc>
-                <a:tc>
-                  <a:txBody>
-                    <a:bodyPr/>
-                    <a:lstStyle/>
-                    <a:p>
-                      <a:r>
-                        <a:rPr lang="en-GB" dirty="0"/>
-                        <a:t>0.76</a:t>
-                      </a:r>
-                    </a:p>
-                  </a:txBody>
-                  <a:tcPr/>
-                </a:tc>
-                <a:tc>
-                  <a:txBody>
-                    <a:bodyPr/>
-                    <a:lstStyle/>
-                    <a:p>
-                      <a:r>
-                        <a:rPr lang="en-GB" dirty="0"/>
-                        <a:t>0.63</a:t>
-                      </a:r>
-                    </a:p>
-                  </a:txBody>
-                  <a:tcPr/>
-                </a:tc>
-                <a:extLst>
-                  <a:ext uri="{0D108BD9-81ED-4DB2-BD59-A6C34878D82A}">
-                    <a16:rowId xmlns:a16="http://schemas.microsoft.com/office/drawing/2014/main" val="553058481"/>
-                  </a:ext>
-                </a:extLst>
-              </a:tr>
-              <a:tr h="250211">
-                <a:tc>
-                  <a:txBody>
-                    <a:bodyPr/>
-                    <a:lstStyle/>
-                    <a:p>
-                      <a:r>
-                        <a:rPr lang="en-GB" dirty="0"/>
-                        <a:t>Precision</a:t>
-                      </a:r>
-                    </a:p>
-                  </a:txBody>
-                  <a:tcPr/>
-                </a:tc>
-                <a:tc>
-                  <a:txBody>
-                    <a:bodyPr/>
-                    <a:lstStyle/>
-                    <a:p>
-                      <a:r>
-                        <a:rPr lang="en-GB" dirty="0"/>
-                        <a:t>0.85</a:t>
-                      </a:r>
-                    </a:p>
-                  </a:txBody>
-                  <a:tcPr/>
-                </a:tc>
-                <a:tc>
-                  <a:txBody>
-                    <a:bodyPr/>
-                    <a:lstStyle/>
-                    <a:p>
-                      <a:r>
-                        <a:rPr lang="en-GB" dirty="0"/>
-                        <a:t>0.75</a:t>
-                      </a:r>
-                    </a:p>
-                  </a:txBody>
-                  <a:tcPr/>
-                </a:tc>
-                <a:extLst>
-                  <a:ext uri="{0D108BD9-81ED-4DB2-BD59-A6C34878D82A}">
-                    <a16:rowId xmlns:a16="http://schemas.microsoft.com/office/drawing/2014/main" val="3637762993"/>
-                  </a:ext>
-                </a:extLst>
-              </a:tr>
-              <a:tr h="250211">
-                <a:tc>
-                  <a:txBody>
-                    <a:bodyPr/>
-                    <a:lstStyle/>
-                    <a:p>
-                      <a:r>
-                        <a:rPr lang="en-GB" dirty="0"/>
-                        <a:t>MCC</a:t>
-                      </a:r>
-                    </a:p>
-                  </a:txBody>
-                  <a:tcPr/>
-                </a:tc>
-                <a:tc>
-                  <a:txBody>
-                    <a:bodyPr/>
-                    <a:lstStyle/>
-                    <a:p>
-                      <a:r>
-                        <a:rPr lang="en-GB" dirty="0"/>
-                        <a:t>0.37</a:t>
-                      </a:r>
-                    </a:p>
-                  </a:txBody>
-                  <a:tcPr/>
-                </a:tc>
-                <a:tc>
-                  <a:txBody>
-                    <a:bodyPr/>
-                    <a:lstStyle/>
-                    <a:p>
-                      <a:r>
-                        <a:rPr lang="en-GB" dirty="0"/>
-                        <a:t>-0.07</a:t>
-                      </a:r>
-                    </a:p>
-                  </a:txBody>
-                  <a:tcPr/>
-                </a:tc>
-                <a:extLst>
-                  <a:ext uri="{0D108BD9-81ED-4DB2-BD59-A6C34878D82A}">
-                    <a16:rowId xmlns:a16="http://schemas.microsoft.com/office/drawing/2014/main" val="1632963352"/>
-                  </a:ext>
-                </a:extLst>
-              </a:tr>
-              <a:tr h="250211">
-                <a:tc>
-                  <a:txBody>
-                    <a:bodyPr/>
-                    <a:lstStyle/>
-                    <a:p>
-                      <a:r>
-                        <a:rPr lang="en-GB" dirty="0"/>
-                        <a:t>ROC</a:t>
-                      </a:r>
-                    </a:p>
-                  </a:txBody>
-                  <a:tcPr/>
-                </a:tc>
-                <a:tc>
-                  <a:txBody>
-                    <a:bodyPr/>
-                    <a:lstStyle/>
-                    <a:p>
-                      <a:r>
-                        <a:rPr lang="en-GB" dirty="0"/>
-                        <a:t>0.70</a:t>
-                      </a:r>
-                    </a:p>
-                  </a:txBody>
-                  <a:tcPr/>
-                </a:tc>
-                <a:tc>
-                  <a:txBody>
-                    <a:bodyPr/>
-                    <a:lstStyle/>
-                    <a:p>
-                      <a:r>
-                        <a:rPr lang="en-GB" dirty="0"/>
-                        <a:t>0.45</a:t>
-                      </a:r>
-                    </a:p>
-                  </a:txBody>
-                  <a:tcPr/>
-                </a:tc>
-                <a:extLst>
-                  <a:ext uri="{0D108BD9-81ED-4DB2-BD59-A6C34878D82A}">
-                    <a16:rowId xmlns:a16="http://schemas.microsoft.com/office/drawing/2014/main" val="1632316086"/>
-                  </a:ext>
-                </a:extLst>
-              </a:tr>
-            </a:tbl>
-          </a:graphicData>
-        </a:graphic>
-      </p:graphicFrame>
-      <p:sp>
-        <p:nvSpPr>
-          <p:cNvPr id="5" name="TextBox 4">
-            <a:extLst>
-              <a:ext uri="{FF2B5EF4-FFF2-40B4-BE49-F238E27FC236}">
-                <a16:creationId xmlns:a16="http://schemas.microsoft.com/office/drawing/2014/main" id="{78FB385F-ABDD-6778-5507-61BABE57B8C2}"/>
-              </a:ext>
-            </a:extLst>
-          </p:cNvPr>
-          <p:cNvSpPr txBox="1"/>
-          <p:nvPr/>
-        </p:nvSpPr>
-        <p:spPr>
-          <a:xfrm>
-            <a:off x="6285800" y="2923161"/>
-            <a:ext cx="2480554" cy="369332"/>
-          </a:xfrm>
-          <a:prstGeom prst="rect">
-            <a:avLst/>
-          </a:prstGeom>
-          <a:noFill/>
-        </p:spPr>
-        <p:txBody>
-          <a:bodyPr wrap="square" rtlCol="0">
-            <a:spAutoFit/>
-          </a:bodyPr>
-          <a:lstStyle/>
-          <a:p>
-            <a:r>
-              <a:rPr lang="en-GB" dirty="0"/>
-              <a:t>3 Fold cross validation</a:t>
-            </a:r>
-          </a:p>
-        </p:txBody>
-      </p:sp>
-    </p:spTree>
-    <p:extLst>
-      <p:ext uri="{BB962C8B-B14F-4D97-AF65-F5344CB8AC3E}">
-        <p14:creationId xmlns:p14="http://schemas.microsoft.com/office/powerpoint/2010/main" val="2753204257"/>
-      </p:ext>
-    </p:extLst>
-  </p:cSld>
-  <p:clrMapOvr>
-    <a:masterClrMapping/>
-  </p:clrMapOvr>
-</p:sld>
-</file>
-
-<file path=ppt/slides/slide8.xml><?xml version="1.0" encoding="utf-8"?>
-<p:sld xmlns:a="http://schemas.openxmlformats.org/drawingml/2006/main" xmlns:r="http://schemas.openxmlformats.org/officeDocument/2006/relationships" xmlns:p="http://schemas.openxmlformats.org/presentationml/2006/main">
-  <p:cSld>
-    <p:spTree>
-      <p:nvGrpSpPr>
-        <p:cNvPr id="1" name=""/>
-        <p:cNvGrpSpPr/>
-        <p:nvPr/>
-      </p:nvGrpSpPr>
-      <p:grpSpPr>
-        <a:xfrm>
-          <a:off x="0" y="0"/>
-          <a:ext cx="0" cy="0"/>
-          <a:chOff x="0" y="0"/>
-          <a:chExt cx="0" cy="0"/>
-        </a:xfrm>
-      </p:grpSpPr>
-      <p:sp>
-        <p:nvSpPr>
-          <p:cNvPr id="2" name="Title 1">
-            <a:extLst>
-              <a:ext uri="{FF2B5EF4-FFF2-40B4-BE49-F238E27FC236}">
-                <a16:creationId xmlns:a16="http://schemas.microsoft.com/office/drawing/2014/main" id="{46FD24DF-E69B-622D-B39E-3A28E66930C4}"/>
-              </a:ext>
-            </a:extLst>
-          </p:cNvPr>
-          <p:cNvSpPr>
-            <a:spLocks noGrp="1"/>
-          </p:cNvSpPr>
-          <p:nvPr>
-            <p:ph type="title"/>
-          </p:nvPr>
-        </p:nvSpPr>
-        <p:spPr>
-          <a:xfrm>
-            <a:off x="818984" y="1120932"/>
-            <a:ext cx="2886324" cy="644056"/>
-          </a:xfrm>
-        </p:spPr>
-        <p:txBody>
-          <a:bodyPr>
-            <a:normAutofit fontScale="90000"/>
-          </a:bodyPr>
-          <a:lstStyle/>
-          <a:p>
-            <a:r>
-              <a:rPr lang="en-GB" dirty="0"/>
-              <a:t>Heart Mass</a:t>
-            </a:r>
-          </a:p>
-        </p:txBody>
-      </p:sp>
-      <p:graphicFrame>
-        <p:nvGraphicFramePr>
-          <p:cNvPr id="7" name="Table 10">
-            <a:extLst>
-              <a:ext uri="{FF2B5EF4-FFF2-40B4-BE49-F238E27FC236}">
-                <a16:creationId xmlns:a16="http://schemas.microsoft.com/office/drawing/2014/main" id="{015B6EE4-FB67-3D06-7439-73150A4D914D}"/>
-              </a:ext>
-            </a:extLst>
-          </p:cNvPr>
-          <p:cNvGraphicFramePr>
-            <a:graphicFrameLocks noGrp="1"/>
-          </p:cNvGraphicFramePr>
-          <p:nvPr>
-            <p:extLst>
-              <p:ext uri="{D42A27DB-BD31-4B8C-83A1-F6EECF244321}">
-                <p14:modId xmlns:p14="http://schemas.microsoft.com/office/powerpoint/2010/main" val="1807149859"/>
-              </p:ext>
-            </p:extLst>
-          </p:nvPr>
-        </p:nvGraphicFramePr>
-        <p:xfrm>
-          <a:off x="6500465" y="3448963"/>
-          <a:ext cx="4408557" cy="2560320"/>
-        </p:xfrm>
-        <a:graphic>
-          <a:graphicData uri="http://schemas.openxmlformats.org/drawingml/2006/table">
-            <a:tbl>
-              <a:tblPr firstRow="1" bandRow="1">
-                <a:tableStyleId>{5C22544A-7EE6-4342-B048-85BDC9FD1C3A}</a:tableStyleId>
-              </a:tblPr>
-              <a:tblGrid>
-                <a:gridCol w="1469519">
-                  <a:extLst>
-                    <a:ext uri="{9D8B030D-6E8A-4147-A177-3AD203B41FA5}">
-                      <a16:colId xmlns:a16="http://schemas.microsoft.com/office/drawing/2014/main" val="3143521419"/>
-                    </a:ext>
-                  </a:extLst>
-                </a:gridCol>
-                <a:gridCol w="1469519">
-                  <a:extLst>
-                    <a:ext uri="{9D8B030D-6E8A-4147-A177-3AD203B41FA5}">
-                      <a16:colId xmlns:a16="http://schemas.microsoft.com/office/drawing/2014/main" val="2214148125"/>
-                    </a:ext>
-                  </a:extLst>
-                </a:gridCol>
-                <a:gridCol w="1469519">
-                  <a:extLst>
-                    <a:ext uri="{9D8B030D-6E8A-4147-A177-3AD203B41FA5}">
-                      <a16:colId xmlns:a16="http://schemas.microsoft.com/office/drawing/2014/main" val="3197330043"/>
-                    </a:ext>
-                  </a:extLst>
-                </a:gridCol>
-              </a:tblGrid>
-              <a:tr h="345797">
-                <a:tc>
-                  <a:txBody>
-                    <a:bodyPr/>
-                    <a:lstStyle/>
-                    <a:p>
-                      <a:r>
-                        <a:rPr lang="en-GB" dirty="0"/>
-                        <a:t>Metrics</a:t>
-                      </a:r>
-                    </a:p>
-                  </a:txBody>
-                  <a:tcPr/>
-                </a:tc>
-                <a:tc>
-                  <a:txBody>
-                    <a:bodyPr/>
-                    <a:lstStyle/>
-                    <a:p>
-                      <a:r>
-                        <a:rPr lang="en-GB" dirty="0"/>
-                        <a:t>Train</a:t>
-                      </a:r>
-                    </a:p>
-                  </a:txBody>
-                  <a:tcPr/>
-                </a:tc>
-                <a:tc>
-                  <a:txBody>
-                    <a:bodyPr/>
-                    <a:lstStyle/>
-                    <a:p>
-                      <a:r>
-                        <a:rPr lang="en-GB" dirty="0"/>
-                        <a:t>Test</a:t>
-                      </a:r>
-                    </a:p>
-                  </a:txBody>
-                  <a:tcPr/>
-                </a:tc>
-                <a:extLst>
-                  <a:ext uri="{0D108BD9-81ED-4DB2-BD59-A6C34878D82A}">
-                    <a16:rowId xmlns:a16="http://schemas.microsoft.com/office/drawing/2014/main" val="1454928843"/>
-                  </a:ext>
-                </a:extLst>
-              </a:tr>
-              <a:tr h="250211">
-                <a:tc>
-                  <a:txBody>
-                    <a:bodyPr/>
-                    <a:lstStyle/>
-                    <a:p>
-                      <a:r>
-                        <a:rPr lang="en-GB" dirty="0"/>
-                        <a:t>Accuracy</a:t>
-                      </a:r>
-                    </a:p>
-                  </a:txBody>
-                  <a:tcPr/>
-                </a:tc>
-                <a:tc>
-                  <a:txBody>
-                    <a:bodyPr/>
-                    <a:lstStyle/>
-                    <a:p>
-                      <a:r>
-                        <a:rPr lang="en-GB" dirty="0"/>
-                        <a:t>0.72</a:t>
-                      </a:r>
-                    </a:p>
-                  </a:txBody>
-                  <a:tcPr/>
-                </a:tc>
-                <a:tc>
-                  <a:txBody>
-                    <a:bodyPr/>
-                    <a:lstStyle/>
-                    <a:p>
-                      <a:r>
-                        <a:rPr lang="en-GB" dirty="0"/>
-                        <a:t>0.58</a:t>
-                      </a:r>
-                    </a:p>
-                  </a:txBody>
-                  <a:tcPr/>
-                </a:tc>
-                <a:extLst>
-                  <a:ext uri="{0D108BD9-81ED-4DB2-BD59-A6C34878D82A}">
-                    <a16:rowId xmlns:a16="http://schemas.microsoft.com/office/drawing/2014/main" val="2409411029"/>
-                  </a:ext>
-                </a:extLst>
-              </a:tr>
-              <a:tr h="250211">
-                <a:tc>
-                  <a:txBody>
-                    <a:bodyPr/>
-                    <a:lstStyle/>
-                    <a:p>
-                      <a:r>
-                        <a:rPr lang="en-GB" dirty="0"/>
-                        <a:t>F1</a:t>
-                      </a:r>
-                    </a:p>
-                  </a:txBody>
-                  <a:tcPr/>
-                </a:tc>
-                <a:tc>
-                  <a:txBody>
-                    <a:bodyPr/>
-                    <a:lstStyle/>
-                    <a:p>
-                      <a:r>
-                        <a:rPr lang="en-GB" dirty="0"/>
-                        <a:t>0.80</a:t>
-                      </a:r>
-                    </a:p>
-                  </a:txBody>
-                  <a:tcPr/>
-                </a:tc>
-                <a:tc>
-                  <a:txBody>
-                    <a:bodyPr/>
-                    <a:lstStyle/>
-                    <a:p>
-                      <a:r>
-                        <a:rPr lang="en-GB" dirty="0"/>
-                        <a:t>0.70</a:t>
-                      </a:r>
-                    </a:p>
-                  </a:txBody>
-                  <a:tcPr/>
-                </a:tc>
-                <a:extLst>
-                  <a:ext uri="{0D108BD9-81ED-4DB2-BD59-A6C34878D82A}">
-                    <a16:rowId xmlns:a16="http://schemas.microsoft.com/office/drawing/2014/main" val="4031509141"/>
-                  </a:ext>
-                </a:extLst>
-              </a:tr>
-              <a:tr h="250211">
-                <a:tc>
-                  <a:txBody>
-                    <a:bodyPr/>
-                    <a:lstStyle/>
-                    <a:p>
-                      <a:r>
-                        <a:rPr lang="en-GB" dirty="0"/>
-                        <a:t>Recall</a:t>
-                      </a:r>
-                    </a:p>
-                  </a:txBody>
-                  <a:tcPr/>
-                </a:tc>
-                <a:tc>
-                  <a:txBody>
-                    <a:bodyPr/>
-                    <a:lstStyle/>
-                    <a:p>
-                      <a:r>
-                        <a:rPr lang="en-GB" dirty="0"/>
-                        <a:t>0.74</a:t>
-                      </a:r>
-                    </a:p>
-                  </a:txBody>
-                  <a:tcPr/>
-                </a:tc>
-                <a:tc>
-                  <a:txBody>
-                    <a:bodyPr/>
-                    <a:lstStyle/>
-                    <a:p>
-                      <a:r>
-                        <a:rPr lang="en-GB" dirty="0"/>
-                        <a:t>0.64</a:t>
-                      </a:r>
-                    </a:p>
-                  </a:txBody>
-                  <a:tcPr/>
-                </a:tc>
-                <a:extLst>
-                  <a:ext uri="{0D108BD9-81ED-4DB2-BD59-A6C34878D82A}">
-                    <a16:rowId xmlns:a16="http://schemas.microsoft.com/office/drawing/2014/main" val="553058481"/>
-                  </a:ext>
-                </a:extLst>
-              </a:tr>
-              <a:tr h="250211">
-                <a:tc>
-                  <a:txBody>
-                    <a:bodyPr/>
-                    <a:lstStyle/>
-                    <a:p>
-                      <a:r>
-                        <a:rPr lang="en-GB" dirty="0"/>
-                        <a:t>Precision</a:t>
-                      </a:r>
-                    </a:p>
-                  </a:txBody>
-                  <a:tcPr/>
-                </a:tc>
-                <a:tc>
-                  <a:txBody>
-                    <a:bodyPr/>
-                    <a:lstStyle/>
-                    <a:p>
-                      <a:r>
-                        <a:rPr lang="en-GB" dirty="0"/>
-                        <a:t>0.88</a:t>
-                      </a:r>
-                    </a:p>
-                  </a:txBody>
-                  <a:tcPr/>
-                </a:tc>
-                <a:tc>
-                  <a:txBody>
-                    <a:bodyPr/>
-                    <a:lstStyle/>
-                    <a:p>
-                      <a:r>
-                        <a:rPr lang="en-GB" dirty="0"/>
-                        <a:t>0.77</a:t>
-                      </a:r>
-                    </a:p>
-                  </a:txBody>
-                  <a:tcPr/>
-                </a:tc>
-                <a:extLst>
-                  <a:ext uri="{0D108BD9-81ED-4DB2-BD59-A6C34878D82A}">
-                    <a16:rowId xmlns:a16="http://schemas.microsoft.com/office/drawing/2014/main" val="3637762993"/>
-                  </a:ext>
-                </a:extLst>
-              </a:tr>
-              <a:tr h="250211">
-                <a:tc>
-                  <a:txBody>
-                    <a:bodyPr/>
-                    <a:lstStyle/>
-                    <a:p>
-                      <a:r>
-                        <a:rPr lang="en-GB" dirty="0"/>
-                        <a:t>MCC</a:t>
-                      </a:r>
-                    </a:p>
-                  </a:txBody>
-                  <a:tcPr/>
-                </a:tc>
-                <a:tc>
-                  <a:txBody>
-                    <a:bodyPr/>
-                    <a:lstStyle/>
-                    <a:p>
-                      <a:r>
-                        <a:rPr lang="en-GB" dirty="0"/>
-                        <a:t>0.36</a:t>
-                      </a:r>
-                    </a:p>
-                  </a:txBody>
-                  <a:tcPr/>
-                </a:tc>
-                <a:tc>
-                  <a:txBody>
-                    <a:bodyPr/>
-                    <a:lstStyle/>
-                    <a:p>
-                      <a:r>
-                        <a:rPr lang="en-GB" dirty="0"/>
-                        <a:t>-0.006</a:t>
-                      </a:r>
-                    </a:p>
-                  </a:txBody>
-                  <a:tcPr/>
-                </a:tc>
-                <a:extLst>
-                  <a:ext uri="{0D108BD9-81ED-4DB2-BD59-A6C34878D82A}">
-                    <a16:rowId xmlns:a16="http://schemas.microsoft.com/office/drawing/2014/main" val="1632963352"/>
-                  </a:ext>
-                </a:extLst>
-              </a:tr>
-              <a:tr h="250211">
-                <a:tc>
-                  <a:txBody>
-                    <a:bodyPr/>
-                    <a:lstStyle/>
-                    <a:p>
-                      <a:r>
-                        <a:rPr lang="en-GB" dirty="0"/>
-                        <a:t>ROC</a:t>
-                      </a:r>
-                    </a:p>
-                  </a:txBody>
-                  <a:tcPr/>
-                </a:tc>
-                <a:tc>
-                  <a:txBody>
-                    <a:bodyPr/>
-                    <a:lstStyle/>
-                    <a:p>
-                      <a:r>
-                        <a:rPr lang="en-GB" dirty="0"/>
-                        <a:t>0.71</a:t>
-                      </a:r>
-                    </a:p>
-                  </a:txBody>
-                  <a:tcPr/>
-                </a:tc>
-                <a:tc>
-                  <a:txBody>
-                    <a:bodyPr/>
-                    <a:lstStyle/>
-                    <a:p>
-                      <a:r>
-                        <a:rPr lang="en-GB" dirty="0"/>
-                        <a:t>0.49</a:t>
-                      </a:r>
-                    </a:p>
-                  </a:txBody>
-                  <a:tcPr/>
-                </a:tc>
-                <a:extLst>
-                  <a:ext uri="{0D108BD9-81ED-4DB2-BD59-A6C34878D82A}">
-                    <a16:rowId xmlns:a16="http://schemas.microsoft.com/office/drawing/2014/main" val="1632316086"/>
-                  </a:ext>
-                </a:extLst>
-              </a:tr>
-            </a:tbl>
-          </a:graphicData>
-        </a:graphic>
-      </p:graphicFrame>
-      <p:pic>
-        <p:nvPicPr>
-          <p:cNvPr id="9" name="Picture 8" descr="A picture containing text, diagram, screenshot, line&#10;&#10;Description automatically generated">
-            <a:extLst>
-              <a:ext uri="{FF2B5EF4-FFF2-40B4-BE49-F238E27FC236}">
-                <a16:creationId xmlns:a16="http://schemas.microsoft.com/office/drawing/2014/main" id="{9EEC6D7F-32B0-2351-1B37-C3F2FA8DB30B}"/>
-              </a:ext>
-            </a:extLst>
-          </p:cNvPr>
-          <p:cNvPicPr>
-            <a:picLocks noChangeAspect="1"/>
-          </p:cNvPicPr>
-          <p:nvPr/>
-        </p:nvPicPr>
-        <p:blipFill>
-          <a:blip r:embed="rId2">
-            <a:extLst>
-              <a:ext uri="{28A0092B-C50C-407E-A947-70E740481C1C}">
-                <a14:useLocalDpi xmlns:a14="http://schemas.microsoft.com/office/drawing/2010/main" val="0"/>
-              </a:ext>
-            </a:extLst>
-          </a:blip>
-          <a:stretch>
-            <a:fillRect/>
-          </a:stretch>
-        </p:blipFill>
-        <p:spPr>
-          <a:xfrm>
-            <a:off x="164321" y="2262147"/>
-            <a:ext cx="4633228" cy="3474921"/>
-          </a:xfrm>
-          <a:prstGeom prst="rect">
-            <a:avLst/>
-          </a:prstGeom>
-        </p:spPr>
-      </p:pic>
-      <p:sp>
-        <p:nvSpPr>
-          <p:cNvPr id="10" name="TextBox 9">
-            <a:extLst>
-              <a:ext uri="{FF2B5EF4-FFF2-40B4-BE49-F238E27FC236}">
-                <a16:creationId xmlns:a16="http://schemas.microsoft.com/office/drawing/2014/main" id="{B9AB2822-9926-17DB-5598-1B02536489EE}"/>
-              </a:ext>
-            </a:extLst>
-          </p:cNvPr>
-          <p:cNvSpPr txBox="1"/>
-          <p:nvPr/>
-        </p:nvSpPr>
-        <p:spPr>
-          <a:xfrm>
-            <a:off x="6393843" y="3039705"/>
-            <a:ext cx="2480554" cy="369332"/>
-          </a:xfrm>
-          <a:prstGeom prst="rect">
-            <a:avLst/>
-          </a:prstGeom>
-          <a:noFill/>
-        </p:spPr>
-        <p:txBody>
-          <a:bodyPr wrap="square" rtlCol="0">
-            <a:spAutoFit/>
-          </a:bodyPr>
-          <a:lstStyle/>
-          <a:p>
-            <a:r>
-              <a:rPr lang="en-GB" dirty="0"/>
-              <a:t>3 Fold cross validation</a:t>
-            </a:r>
-          </a:p>
-        </p:txBody>
-      </p:sp>
-    </p:spTree>
-    <p:extLst>
-      <p:ext uri="{BB962C8B-B14F-4D97-AF65-F5344CB8AC3E}">
-        <p14:creationId xmlns:p14="http://schemas.microsoft.com/office/powerpoint/2010/main" val="929473914"/>
-      </p:ext>
-    </p:extLst>
-  </p:cSld>
-  <p:clrMapOvr>
-    <a:masterClrMapping/>
-  </p:clrMapOvr>
-</p:sld>
-</file>
-
 <file path=ppt/slides/slide9.xml><?xml version="1.0" encoding="utf-8"?>
 <p:sld xmlns:a="http://schemas.openxmlformats.org/drawingml/2006/main" xmlns:r="http://schemas.openxmlformats.org/officeDocument/2006/relationships" xmlns:p="http://schemas.openxmlformats.org/presentationml/2006/main">
   <p:cSld>
@@ -7456,62 +9277,72 @@
       </p:grpSpPr>
       <p:sp>
         <p:nvSpPr>
-          <p:cNvPr id="3" name="Title 1">
-            <a:extLst>
-              <a:ext uri="{FF2B5EF4-FFF2-40B4-BE49-F238E27FC236}">
-                <a16:creationId xmlns:a16="http://schemas.microsoft.com/office/drawing/2014/main" id="{275E8E4E-BDFB-C8B6-F698-A72D81C7C0BB}"/>
-              </a:ext>
-            </a:extLst>
-          </p:cNvPr>
-          <p:cNvSpPr txBox="1">
-            <a:spLocks/>
+          <p:cNvPr id="2" name="Title 1">
+            <a:extLst>
+              <a:ext uri="{FF2B5EF4-FFF2-40B4-BE49-F238E27FC236}">
+                <a16:creationId xmlns:a16="http://schemas.microsoft.com/office/drawing/2014/main" id="{50214DB3-FFFC-25C1-36FE-D123522FB8AF}"/>
+              </a:ext>
+            </a:extLst>
+          </p:cNvPr>
+          <p:cNvSpPr>
+            <a:spLocks noGrp="1"/>
           </p:cNvSpPr>
+          <p:nvPr>
+            <p:ph type="title"/>
+          </p:nvPr>
+        </p:nvSpPr>
+        <p:spPr/>
+        <p:txBody>
+          <a:bodyPr/>
+          <a:lstStyle/>
+          <a:p>
+            <a:r>
+              <a:rPr lang="en-GB" dirty="0"/>
+              <a:t>Clinical relevant with CMR</a:t>
+            </a:r>
+          </a:p>
+        </p:txBody>
+      </p:sp>
+      <p:pic>
+        <p:nvPicPr>
+          <p:cNvPr id="9" name="Picture 8" descr="A diagram of a number of samples&#10;&#10;Description automatically generated">
+            <a:extLst>
+              <a:ext uri="{FF2B5EF4-FFF2-40B4-BE49-F238E27FC236}">
+                <a16:creationId xmlns:a16="http://schemas.microsoft.com/office/drawing/2014/main" id="{35952872-2F0A-D4B3-22A7-3EA43A26027D}"/>
+              </a:ext>
+            </a:extLst>
+          </p:cNvPr>
+          <p:cNvPicPr>
+            <a:picLocks noChangeAspect="1"/>
+          </p:cNvPicPr>
           <p:nvPr/>
-        </p:nvSpPr>
+        </p:nvPicPr>
+        <p:blipFill>
+          <a:blip r:embed="rId2">
+            <a:extLst>
+              <a:ext uri="{28A0092B-C50C-407E-A947-70E740481C1C}">
+                <a14:useLocalDpi xmlns:a14="http://schemas.microsoft.com/office/drawing/2010/main" val="0"/>
+              </a:ext>
+            </a:extLst>
+          </a:blip>
+          <a:stretch>
+            <a:fillRect/>
+          </a:stretch>
+        </p:blipFill>
         <p:spPr>
           <a:xfrm>
-            <a:off x="3064565" y="2617334"/>
-            <a:ext cx="4751568" cy="811666"/>
+            <a:off x="3287248" y="1387151"/>
+            <a:ext cx="4438499" cy="4882349"/>
           </a:xfrm>
           <a:prstGeom prst="rect">
             <a:avLst/>
           </a:prstGeom>
         </p:spPr>
-        <p:txBody>
-          <a:bodyPr vert="horz" lIns="91440" tIns="45720" rIns="91440" bIns="45720" rtlCol="0" anchor="ctr">
-            <a:normAutofit fontScale="85000" lnSpcReduction="10000"/>
-          </a:bodyPr>
-          <a:lstStyle>
-            <a:lvl1pPr algn="l" defTabSz="914400" rtl="0" eaLnBrk="1" latinLnBrk="0" hangingPunct="1">
-              <a:lnSpc>
-                <a:spcPct val="90000"/>
-              </a:lnSpc>
-              <a:spcBef>
-                <a:spcPct val="0"/>
-              </a:spcBef>
-              <a:buNone/>
-              <a:defRPr sz="4400" kern="1200">
-                <a:solidFill>
-                  <a:schemeClr val="tx1"/>
-                </a:solidFill>
-                <a:latin typeface="+mj-lt"/>
-                <a:ea typeface="+mj-ea"/>
-                <a:cs typeface="+mj-cs"/>
-              </a:defRPr>
-            </a:lvl1pPr>
-          </a:lstStyle>
-          <a:p>
-            <a:r>
-              <a:rPr lang="en-GB" dirty="0"/>
-              <a:t>Automatically selected</a:t>
-            </a:r>
-          </a:p>
-        </p:txBody>
-      </p:sp>
+      </p:pic>
     </p:spTree>
     <p:extLst>
       <p:ext uri="{BB962C8B-B14F-4D97-AF65-F5344CB8AC3E}">
-        <p14:creationId xmlns:p14="http://schemas.microsoft.com/office/powerpoint/2010/main" val="3103472330"/>
+        <p14:creationId xmlns:p14="http://schemas.microsoft.com/office/powerpoint/2010/main" val="687959325"/>
       </p:ext>
     </p:extLst>
   </p:cSld>
